--- a/07/DATA515_07_ClassUpdates.pptx
+++ b/07/DATA515_07_ClassUpdates.pptx
@@ -13,10 +13,6 @@
     <p:sldId id="258" r:id="rId8"/>
     <p:sldId id="259" r:id="rId9"/>
     <p:sldId id="260" r:id="rId10"/>
-    <p:sldId id="261" r:id="rId11"/>
-    <p:sldId id="262" r:id="rId12"/>
-    <p:sldId id="263" r:id="rId13"/>
-    <p:sldId id="264" r:id="rId14"/>
   </p:sldIdLst>
   <p:sldSz cy="5143500" cx="9144000"/>
   <p:notesSz cx="6858000" cy="9144000"/>
@@ -812,7 +808,7 @@
       </p:grpSpPr>
       <p:sp>
         <p:nvSpPr>
-          <p:cNvPr id="66" name="Google Shape;66;g2b98cac9cd8_0_11:notes"/>
+          <p:cNvPr id="66" name="Google Shape;66;g2b98cac9cd8_0_0:notes"/>
           <p:cNvSpPr/>
           <p:nvPr>
             <p:ph idx="2" type="sldImg"/>
@@ -847,7 +843,7 @@
       </p:sp>
       <p:sp>
         <p:nvSpPr>
-          <p:cNvPr id="67" name="Google Shape;67;g2b98cac9cd8_0_11:notes"/>
+          <p:cNvPr id="67" name="Google Shape;67;g2b98cac9cd8_0_0:notes"/>
           <p:cNvSpPr txBox="1"/>
           <p:nvPr>
             <p:ph idx="1" type="body"/>
@@ -897,7 +893,7 @@
   <p:cSld>
     <p:spTree>
       <p:nvGrpSpPr>
-        <p:cNvPr id="72" name="Shape 72"/>
+        <p:cNvPr id="70" name="Shape 70"/>
         <p:cNvGrpSpPr/>
         <p:nvPr/>
       </p:nvGrpSpPr>
@@ -911,7 +907,7 @@
       </p:grpSpPr>
       <p:sp>
         <p:nvSpPr>
-          <p:cNvPr id="73" name="Google Shape;73;g2b98cac9cd8_0_0:notes"/>
+          <p:cNvPr id="71" name="Google Shape;71;g2b98cac9cd8_0_17:notes"/>
           <p:cNvSpPr/>
           <p:nvPr>
             <p:ph idx="2" type="sldImg"/>
@@ -946,7 +942,7 @@
       </p:sp>
       <p:sp>
         <p:nvSpPr>
-          <p:cNvPr id="74" name="Google Shape;74;g2b98cac9cd8_0_0:notes"/>
+          <p:cNvPr id="72" name="Google Shape;72;g2b98cac9cd8_0_17:notes"/>
           <p:cNvSpPr txBox="1"/>
           <p:nvPr>
             <p:ph idx="1" type="body"/>
@@ -996,7 +992,7 @@
   <p:cSld>
     <p:spTree>
       <p:nvGrpSpPr>
-        <p:cNvPr id="77" name="Shape 77"/>
+        <p:cNvPr id="76" name="Shape 76"/>
         <p:cNvGrpSpPr/>
         <p:nvPr/>
       </p:nvGrpSpPr>
@@ -1010,7 +1006,7 @@
       </p:grpSpPr>
       <p:sp>
         <p:nvSpPr>
-          <p:cNvPr id="78" name="Google Shape;78;g2b98cac9cd8_0_17:notes"/>
+          <p:cNvPr id="77" name="Google Shape;77;g2b98cac9cd8_0_27:notes"/>
           <p:cNvSpPr/>
           <p:nvPr>
             <p:ph idx="2" type="sldImg"/>
@@ -1045,7 +1041,7 @@
       </p:sp>
       <p:sp>
         <p:nvSpPr>
-          <p:cNvPr id="79" name="Google Shape;79;g2b98cac9cd8_0_17:notes"/>
+          <p:cNvPr id="78" name="Google Shape;78;g2b98cac9cd8_0_27:notes"/>
           <p:cNvSpPr txBox="1"/>
           <p:nvPr>
             <p:ph idx="1" type="body"/>
@@ -1095,7 +1091,7 @@
   <p:cSld>
     <p:spTree>
       <p:nvGrpSpPr>
-        <p:cNvPr id="83" name="Shape 83"/>
+        <p:cNvPr id="82" name="Shape 82"/>
         <p:cNvGrpSpPr/>
         <p:nvPr/>
       </p:nvGrpSpPr>
@@ -1109,7 +1105,7 @@
       </p:grpSpPr>
       <p:sp>
         <p:nvSpPr>
-          <p:cNvPr id="84" name="Google Shape;84;g2b98cac9cd8_0_22:notes"/>
+          <p:cNvPr id="83" name="Google Shape;83;g26902ce950f_0_0:notes"/>
           <p:cNvSpPr/>
           <p:nvPr>
             <p:ph idx="2" type="sldImg"/>
@@ -1144,403 +1140,7 @@
       </p:sp>
       <p:sp>
         <p:nvSpPr>
-          <p:cNvPr id="85" name="Google Shape;85;g2b98cac9cd8_0_22:notes"/>
-          <p:cNvSpPr txBox="1"/>
-          <p:nvPr>
-            <p:ph idx="1" type="body"/>
-          </p:nvPr>
-        </p:nvSpPr>
-        <p:spPr>
-          <a:xfrm>
-            <a:off x="685800" y="4343400"/>
-            <a:ext cx="5486400" cy="4114800"/>
-          </a:xfrm>
-          <a:prstGeom prst="rect">
-            <a:avLst/>
-          </a:prstGeom>
-        </p:spPr>
-        <p:txBody>
-          <a:bodyPr anchorCtr="0" anchor="t" bIns="91425" lIns="91425" spcFirstLastPara="1" rIns="91425" wrap="square" tIns="91425">
-            <a:noAutofit/>
-          </a:bodyPr>
-          <a:lstStyle/>
-          <a:p>
-            <a:pPr indent="0" lvl="0" marL="0" rtl="0" algn="l">
-              <a:spcBef>
-                <a:spcPts val="0"/>
-              </a:spcBef>
-              <a:spcAft>
-                <a:spcPts val="0"/>
-              </a:spcAft>
-              <a:buNone/>
-            </a:pPr>
-            <a:r>
-              <a:t/>
-            </a:r>
-            <a:endParaRPr/>
-          </a:p>
-        </p:txBody>
-      </p:sp>
-    </p:spTree>
-  </p:cSld>
-  <p:clrMapOvr>
-    <a:masterClrMapping/>
-  </p:clrMapOvr>
-</p:notes>
-</file>
-
-<file path=ppt/notesSlides/notesSlide6.xml><?xml version="1.0" encoding="utf-8"?>
-<p:notes xmlns:a="http://schemas.openxmlformats.org/drawingml/2006/main" xmlns:r="http://schemas.openxmlformats.org/officeDocument/2006/relationships" xmlns:mc="http://schemas.openxmlformats.org/markup-compatibility/2006" xmlns:mv="urn:schemas-microsoft-com:mac:vml" xmlns:p="http://schemas.openxmlformats.org/presentationml/2006/main" xmlns:c="http://schemas.openxmlformats.org/drawingml/2006/chart" xmlns:dgm="http://schemas.openxmlformats.org/drawingml/2006/diagram" xmlns:o="urn:schemas-microsoft-com:office:office" xmlns:v="urn:schemas-microsoft-com:vml" xmlns:pvml="urn:schemas-microsoft-com:office:powerpoint" xmlns:com="http://schemas.openxmlformats.org/drawingml/2006/compatibility" xmlns:p14="http://schemas.microsoft.com/office/powerpoint/2010/main" xmlns:p15="http://schemas.microsoft.com/office/powerpoint/2012/main" xmlns:ahyp="http://schemas.microsoft.com/office/drawing/2018/hyperlinkcolor" showMasterPhAnim="0" showMasterSp="0">
-  <p:cSld>
-    <p:spTree>
-      <p:nvGrpSpPr>
-        <p:cNvPr id="89" name="Shape 89"/>
-        <p:cNvGrpSpPr/>
-        <p:nvPr/>
-      </p:nvGrpSpPr>
-      <p:grpSpPr>
-        <a:xfrm>
-          <a:off x="0" y="0"/>
-          <a:ext cx="0" cy="0"/>
-          <a:chOff x="0" y="0"/>
-          <a:chExt cx="0" cy="0"/>
-        </a:xfrm>
-      </p:grpSpPr>
-      <p:sp>
-        <p:nvSpPr>
-          <p:cNvPr id="90" name="Google Shape;90;g2b98cac9cd8_0_27:notes"/>
-          <p:cNvSpPr/>
-          <p:nvPr>
-            <p:ph idx="2" type="sldImg"/>
-          </p:nvPr>
-        </p:nvSpPr>
-        <p:spPr>
-          <a:xfrm>
-            <a:off x="381300" y="685800"/>
-            <a:ext cx="6096000" cy="3429000"/>
-          </a:xfrm>
-          <a:custGeom>
-            <a:rect b="b" l="l" r="r" t="t"/>
-            <a:pathLst>
-              <a:path extrusionOk="0" h="120000" w="120000">
-                <a:moveTo>
-                  <a:pt x="0" y="0"/>
-                </a:moveTo>
-                <a:lnTo>
-                  <a:pt x="120000" y="0"/>
-                </a:lnTo>
-                <a:lnTo>
-                  <a:pt x="120000" y="120000"/>
-                </a:lnTo>
-                <a:lnTo>
-                  <a:pt x="0" y="120000"/>
-                </a:lnTo>
-                <a:close/>
-              </a:path>
-            </a:pathLst>
-          </a:custGeom>
-        </p:spPr>
-      </p:sp>
-      <p:sp>
-        <p:nvSpPr>
-          <p:cNvPr id="91" name="Google Shape;91;g2b98cac9cd8_0_27:notes"/>
-          <p:cNvSpPr txBox="1"/>
-          <p:nvPr>
-            <p:ph idx="1" type="body"/>
-          </p:nvPr>
-        </p:nvSpPr>
-        <p:spPr>
-          <a:xfrm>
-            <a:off x="685800" y="4343400"/>
-            <a:ext cx="5486400" cy="4114800"/>
-          </a:xfrm>
-          <a:prstGeom prst="rect">
-            <a:avLst/>
-          </a:prstGeom>
-        </p:spPr>
-        <p:txBody>
-          <a:bodyPr anchorCtr="0" anchor="t" bIns="91425" lIns="91425" spcFirstLastPara="1" rIns="91425" wrap="square" tIns="91425">
-            <a:noAutofit/>
-          </a:bodyPr>
-          <a:lstStyle/>
-          <a:p>
-            <a:pPr indent="0" lvl="0" marL="0" rtl="0" algn="l">
-              <a:spcBef>
-                <a:spcPts val="0"/>
-              </a:spcBef>
-              <a:spcAft>
-                <a:spcPts val="0"/>
-              </a:spcAft>
-              <a:buNone/>
-            </a:pPr>
-            <a:r>
-              <a:t/>
-            </a:r>
-            <a:endParaRPr/>
-          </a:p>
-        </p:txBody>
-      </p:sp>
-    </p:spTree>
-  </p:cSld>
-  <p:clrMapOvr>
-    <a:masterClrMapping/>
-  </p:clrMapOvr>
-</p:notes>
-</file>
-
-<file path=ppt/notesSlides/notesSlide7.xml><?xml version="1.0" encoding="utf-8"?>
-<p:notes xmlns:a="http://schemas.openxmlformats.org/drawingml/2006/main" xmlns:r="http://schemas.openxmlformats.org/officeDocument/2006/relationships" xmlns:mc="http://schemas.openxmlformats.org/markup-compatibility/2006" xmlns:mv="urn:schemas-microsoft-com:mac:vml" xmlns:p="http://schemas.openxmlformats.org/presentationml/2006/main" xmlns:c="http://schemas.openxmlformats.org/drawingml/2006/chart" xmlns:dgm="http://schemas.openxmlformats.org/drawingml/2006/diagram" xmlns:o="urn:schemas-microsoft-com:office:office" xmlns:v="urn:schemas-microsoft-com:vml" xmlns:pvml="urn:schemas-microsoft-com:office:powerpoint" xmlns:com="http://schemas.openxmlformats.org/drawingml/2006/compatibility" xmlns:p14="http://schemas.microsoft.com/office/powerpoint/2010/main" xmlns:p15="http://schemas.microsoft.com/office/powerpoint/2012/main" xmlns:ahyp="http://schemas.microsoft.com/office/drawing/2018/hyperlinkcolor" showMasterPhAnim="0" showMasterSp="0">
-  <p:cSld>
-    <p:spTree>
-      <p:nvGrpSpPr>
-        <p:cNvPr id="95" name="Shape 95"/>
-        <p:cNvGrpSpPr/>
-        <p:nvPr/>
-      </p:nvGrpSpPr>
-      <p:grpSpPr>
-        <a:xfrm>
-          <a:off x="0" y="0"/>
-          <a:ext cx="0" cy="0"/>
-          <a:chOff x="0" y="0"/>
-          <a:chExt cx="0" cy="0"/>
-        </a:xfrm>
-      </p:grpSpPr>
-      <p:sp>
-        <p:nvSpPr>
-          <p:cNvPr id="96" name="Google Shape;96;g26902ce950f_0_0:notes"/>
-          <p:cNvSpPr/>
-          <p:nvPr>
-            <p:ph idx="2" type="sldImg"/>
-          </p:nvPr>
-        </p:nvSpPr>
-        <p:spPr>
-          <a:xfrm>
-            <a:off x="381300" y="685800"/>
-            <a:ext cx="6096000" cy="3429000"/>
-          </a:xfrm>
-          <a:custGeom>
-            <a:rect b="b" l="l" r="r" t="t"/>
-            <a:pathLst>
-              <a:path extrusionOk="0" h="120000" w="120000">
-                <a:moveTo>
-                  <a:pt x="0" y="0"/>
-                </a:moveTo>
-                <a:lnTo>
-                  <a:pt x="120000" y="0"/>
-                </a:lnTo>
-                <a:lnTo>
-                  <a:pt x="120000" y="120000"/>
-                </a:lnTo>
-                <a:lnTo>
-                  <a:pt x="0" y="120000"/>
-                </a:lnTo>
-                <a:close/>
-              </a:path>
-            </a:pathLst>
-          </a:custGeom>
-        </p:spPr>
-      </p:sp>
-      <p:sp>
-        <p:nvSpPr>
-          <p:cNvPr id="97" name="Google Shape;97;g26902ce950f_0_0:notes"/>
-          <p:cNvSpPr txBox="1"/>
-          <p:nvPr>
-            <p:ph idx="1" type="body"/>
-          </p:nvPr>
-        </p:nvSpPr>
-        <p:spPr>
-          <a:xfrm>
-            <a:off x="685800" y="4343400"/>
-            <a:ext cx="5486400" cy="4114800"/>
-          </a:xfrm>
-          <a:prstGeom prst="rect">
-            <a:avLst/>
-          </a:prstGeom>
-        </p:spPr>
-        <p:txBody>
-          <a:bodyPr anchorCtr="0" anchor="t" bIns="91425" lIns="91425" spcFirstLastPara="1" rIns="91425" wrap="square" tIns="91425">
-            <a:noAutofit/>
-          </a:bodyPr>
-          <a:lstStyle/>
-          <a:p>
-            <a:pPr indent="0" lvl="0" marL="0" rtl="0" algn="l">
-              <a:spcBef>
-                <a:spcPts val="0"/>
-              </a:spcBef>
-              <a:spcAft>
-                <a:spcPts val="0"/>
-              </a:spcAft>
-              <a:buNone/>
-            </a:pPr>
-            <a:r>
-              <a:t/>
-            </a:r>
-            <a:endParaRPr/>
-          </a:p>
-        </p:txBody>
-      </p:sp>
-    </p:spTree>
-  </p:cSld>
-  <p:clrMapOvr>
-    <a:masterClrMapping/>
-  </p:clrMapOvr>
-</p:notes>
-</file>
-
-<file path=ppt/notesSlides/notesSlide8.xml><?xml version="1.0" encoding="utf-8"?>
-<p:notes xmlns:a="http://schemas.openxmlformats.org/drawingml/2006/main" xmlns:r="http://schemas.openxmlformats.org/officeDocument/2006/relationships" xmlns:mc="http://schemas.openxmlformats.org/markup-compatibility/2006" xmlns:mv="urn:schemas-microsoft-com:mac:vml" xmlns:p="http://schemas.openxmlformats.org/presentationml/2006/main" xmlns:c="http://schemas.openxmlformats.org/drawingml/2006/chart" xmlns:dgm="http://schemas.openxmlformats.org/drawingml/2006/diagram" xmlns:o="urn:schemas-microsoft-com:office:office" xmlns:v="urn:schemas-microsoft-com:vml" xmlns:pvml="urn:schemas-microsoft-com:office:powerpoint" xmlns:com="http://schemas.openxmlformats.org/drawingml/2006/compatibility" xmlns:p14="http://schemas.microsoft.com/office/powerpoint/2010/main" xmlns:p15="http://schemas.microsoft.com/office/powerpoint/2012/main" xmlns:ahyp="http://schemas.microsoft.com/office/drawing/2018/hyperlinkcolor" showMasterPhAnim="0" showMasterSp="0">
-  <p:cSld>
-    <p:spTree>
-      <p:nvGrpSpPr>
-        <p:cNvPr id="101" name="Shape 101"/>
-        <p:cNvGrpSpPr/>
-        <p:nvPr/>
-      </p:nvGrpSpPr>
-      <p:grpSpPr>
-        <a:xfrm>
-          <a:off x="0" y="0"/>
-          <a:ext cx="0" cy="0"/>
-          <a:chOff x="0" y="0"/>
-          <a:chExt cx="0" cy="0"/>
-        </a:xfrm>
-      </p:grpSpPr>
-      <p:sp>
-        <p:nvSpPr>
-          <p:cNvPr id="102" name="Google Shape;102;g2b98cac9cd8_0_6:notes"/>
-          <p:cNvSpPr/>
-          <p:nvPr>
-            <p:ph idx="2" type="sldImg"/>
-          </p:nvPr>
-        </p:nvSpPr>
-        <p:spPr>
-          <a:xfrm>
-            <a:off x="381300" y="685800"/>
-            <a:ext cx="6096000" cy="3429000"/>
-          </a:xfrm>
-          <a:custGeom>
-            <a:rect b="b" l="l" r="r" t="t"/>
-            <a:pathLst>
-              <a:path extrusionOk="0" h="120000" w="120000">
-                <a:moveTo>
-                  <a:pt x="0" y="0"/>
-                </a:moveTo>
-                <a:lnTo>
-                  <a:pt x="120000" y="0"/>
-                </a:lnTo>
-                <a:lnTo>
-                  <a:pt x="120000" y="120000"/>
-                </a:lnTo>
-                <a:lnTo>
-                  <a:pt x="0" y="120000"/>
-                </a:lnTo>
-                <a:close/>
-              </a:path>
-            </a:pathLst>
-          </a:custGeom>
-        </p:spPr>
-      </p:sp>
-      <p:sp>
-        <p:nvSpPr>
-          <p:cNvPr id="103" name="Google Shape;103;g2b98cac9cd8_0_6:notes"/>
-          <p:cNvSpPr txBox="1"/>
-          <p:nvPr>
-            <p:ph idx="1" type="body"/>
-          </p:nvPr>
-        </p:nvSpPr>
-        <p:spPr>
-          <a:xfrm>
-            <a:off x="685800" y="4343400"/>
-            <a:ext cx="5486400" cy="4114800"/>
-          </a:xfrm>
-          <a:prstGeom prst="rect">
-            <a:avLst/>
-          </a:prstGeom>
-        </p:spPr>
-        <p:txBody>
-          <a:bodyPr anchorCtr="0" anchor="t" bIns="91425" lIns="91425" spcFirstLastPara="1" rIns="91425" wrap="square" tIns="91425">
-            <a:noAutofit/>
-          </a:bodyPr>
-          <a:lstStyle/>
-          <a:p>
-            <a:pPr indent="0" lvl="0" marL="0" rtl="0" algn="l">
-              <a:spcBef>
-                <a:spcPts val="0"/>
-              </a:spcBef>
-              <a:spcAft>
-                <a:spcPts val="0"/>
-              </a:spcAft>
-              <a:buNone/>
-            </a:pPr>
-            <a:r>
-              <a:t/>
-            </a:r>
-            <a:endParaRPr/>
-          </a:p>
-        </p:txBody>
-      </p:sp>
-    </p:spTree>
-  </p:cSld>
-  <p:clrMapOvr>
-    <a:masterClrMapping/>
-  </p:clrMapOvr>
-</p:notes>
-</file>
-
-<file path=ppt/notesSlides/notesSlide9.xml><?xml version="1.0" encoding="utf-8"?>
-<p:notes xmlns:a="http://schemas.openxmlformats.org/drawingml/2006/main" xmlns:r="http://schemas.openxmlformats.org/officeDocument/2006/relationships" xmlns:mc="http://schemas.openxmlformats.org/markup-compatibility/2006" xmlns:mv="urn:schemas-microsoft-com:mac:vml" xmlns:p="http://schemas.openxmlformats.org/presentationml/2006/main" xmlns:c="http://schemas.openxmlformats.org/drawingml/2006/chart" xmlns:dgm="http://schemas.openxmlformats.org/drawingml/2006/diagram" xmlns:o="urn:schemas-microsoft-com:office:office" xmlns:v="urn:schemas-microsoft-com:vml" xmlns:pvml="urn:schemas-microsoft-com:office:powerpoint" xmlns:com="http://schemas.openxmlformats.org/drawingml/2006/compatibility" xmlns:p14="http://schemas.microsoft.com/office/powerpoint/2010/main" xmlns:p15="http://schemas.microsoft.com/office/powerpoint/2012/main" xmlns:ahyp="http://schemas.microsoft.com/office/drawing/2018/hyperlinkcolor" showMasterPhAnim="0" showMasterSp="0">
-  <p:cSld>
-    <p:spTree>
-      <p:nvGrpSpPr>
-        <p:cNvPr id="107" name="Shape 107"/>
-        <p:cNvGrpSpPr/>
-        <p:nvPr/>
-      </p:nvGrpSpPr>
-      <p:grpSpPr>
-        <a:xfrm>
-          <a:off x="0" y="0"/>
-          <a:ext cx="0" cy="0"/>
-          <a:chOff x="0" y="0"/>
-          <a:chExt cx="0" cy="0"/>
-        </a:xfrm>
-      </p:grpSpPr>
-      <p:sp>
-        <p:nvSpPr>
-          <p:cNvPr id="108" name="Google Shape;108;g2b98cac9cd8_0_32:notes"/>
-          <p:cNvSpPr/>
-          <p:nvPr>
-            <p:ph idx="2" type="sldImg"/>
-          </p:nvPr>
-        </p:nvSpPr>
-        <p:spPr>
-          <a:xfrm>
-            <a:off x="381300" y="685800"/>
-            <a:ext cx="6096000" cy="3429000"/>
-          </a:xfrm>
-          <a:custGeom>
-            <a:rect b="b" l="l" r="r" t="t"/>
-            <a:pathLst>
-              <a:path extrusionOk="0" h="120000" w="120000">
-                <a:moveTo>
-                  <a:pt x="0" y="0"/>
-                </a:moveTo>
-                <a:lnTo>
-                  <a:pt x="120000" y="0"/>
-                </a:lnTo>
-                <a:lnTo>
-                  <a:pt x="120000" y="120000"/>
-                </a:lnTo>
-                <a:lnTo>
-                  <a:pt x="0" y="120000"/>
-                </a:lnTo>
-                <a:close/>
-              </a:path>
-            </a:pathLst>
-          </a:custGeom>
-        </p:spPr>
-      </p:sp>
-      <p:sp>
-        <p:nvSpPr>
-          <p:cNvPr id="109" name="Google Shape;109;g2b98cac9cd8_0_32:notes"/>
+          <p:cNvPr id="84" name="Google Shape;84;g26902ce950f_0_0:notes"/>
           <p:cNvSpPr txBox="1"/>
           <p:nvPr>
             <p:ph idx="1" type="body"/>
@@ -6849,7 +6449,7 @@
             </a:pPr>
             <a:r>
               <a:rPr lang="en"/>
-              <a:t>February 15, 2024</a:t>
+              <a:t>February 20, 2025</a:t>
             </a:r>
             <a:endParaRPr/>
           </a:p>
@@ -6890,186 +6490,6 @@
         </p:nvSpPr>
         <p:spPr>
           <a:xfrm>
-            <a:off x="311700" y="445025"/>
-            <a:ext cx="8520600" cy="572700"/>
-          </a:xfrm>
-          <a:prstGeom prst="rect">
-            <a:avLst/>
-          </a:prstGeom>
-        </p:spPr>
-        <p:txBody>
-          <a:bodyPr anchorCtr="0" anchor="t" bIns="91425" lIns="91425" spcFirstLastPara="1" rIns="91425" wrap="square" tIns="91425">
-            <a:normAutofit fontScale="90000"/>
-          </a:bodyPr>
-          <a:lstStyle/>
-          <a:p>
-            <a:pPr indent="0" lvl="0" marL="0" rtl="0" algn="l">
-              <a:spcBef>
-                <a:spcPts val="0"/>
-              </a:spcBef>
-              <a:spcAft>
-                <a:spcPts val="0"/>
-              </a:spcAft>
-              <a:buNone/>
-            </a:pPr>
-            <a:r>
-              <a:rPr lang="en"/>
-              <a:t>Hope you had a happy Python &amp; bash Valentine’s Day!</a:t>
-            </a:r>
-            <a:endParaRPr/>
-          </a:p>
-        </p:txBody>
-      </p:sp>
-      <p:sp>
-        <p:nvSpPr>
-          <p:cNvPr id="70" name="Google Shape;70;p14"/>
-          <p:cNvSpPr/>
-          <p:nvPr/>
-        </p:nvSpPr>
-        <p:spPr>
-          <a:xfrm>
-            <a:off x="2753100" y="1666475"/>
-            <a:ext cx="3637800" cy="2864400"/>
-          </a:xfrm>
-          <a:prstGeom prst="heart">
-            <a:avLst/>
-          </a:prstGeom>
-          <a:solidFill>
-            <a:srgbClr val="FFF2CC"/>
-          </a:solidFill>
-          <a:ln cap="flat" cmpd="sng" w="9525">
-            <a:solidFill>
-              <a:srgbClr val="FFE599"/>
-            </a:solidFill>
-            <a:prstDash val="solid"/>
-            <a:round/>
-            <a:headEnd len="sm" w="sm" type="none"/>
-            <a:tailEnd len="sm" w="sm" type="none"/>
-          </a:ln>
-        </p:spPr>
-        <p:txBody>
-          <a:bodyPr anchorCtr="0" anchor="ctr" bIns="91425" lIns="91425" spcFirstLastPara="1" rIns="91425" wrap="square" tIns="91425">
-            <a:noAutofit/>
-          </a:bodyPr>
-          <a:lstStyle/>
-          <a:p>
-            <a:pPr indent="0" lvl="0" marL="0" rtl="0" algn="ctr">
-              <a:spcBef>
-                <a:spcPts val="0"/>
-              </a:spcBef>
-              <a:spcAft>
-                <a:spcPts val="0"/>
-              </a:spcAft>
-              <a:buNone/>
-            </a:pPr>
-            <a:r>
-              <a:t/>
-            </a:r>
-            <a:endParaRPr/>
-          </a:p>
-        </p:txBody>
-      </p:sp>
-      <p:sp>
-        <p:nvSpPr>
-          <p:cNvPr id="71" name="Google Shape;71;p14"/>
-          <p:cNvSpPr/>
-          <p:nvPr/>
-        </p:nvSpPr>
-        <p:spPr>
-          <a:xfrm>
-            <a:off x="2930400" y="1881425"/>
-            <a:ext cx="3283200" cy="2575200"/>
-          </a:xfrm>
-          <a:prstGeom prst="heart">
-            <a:avLst/>
-          </a:prstGeom>
-          <a:solidFill>
-            <a:srgbClr val="C9DAF8"/>
-          </a:solidFill>
-          <a:ln cap="flat" cmpd="sng" w="9525">
-            <a:solidFill>
-              <a:srgbClr val="C9DAF8"/>
-            </a:solidFill>
-            <a:prstDash val="solid"/>
-            <a:round/>
-            <a:headEnd len="sm" w="sm" type="none"/>
-            <a:tailEnd len="sm" w="sm" type="none"/>
-          </a:ln>
-        </p:spPr>
-        <p:txBody>
-          <a:bodyPr anchorCtr="0" anchor="ctr" bIns="91425" lIns="91425" spcFirstLastPara="1" rIns="91425" wrap="square" tIns="91425">
-            <a:noAutofit/>
-          </a:bodyPr>
-          <a:lstStyle/>
-          <a:p>
-            <a:pPr indent="0" lvl="0" marL="0" rtl="0" algn="ctr">
-              <a:spcBef>
-                <a:spcPts val="0"/>
-              </a:spcBef>
-              <a:spcAft>
-                <a:spcPts val="0"/>
-              </a:spcAft>
-              <a:buNone/>
-            </a:pPr>
-            <a:r>
-              <a:rPr b="1" lang="en" sz="5000">
-                <a:solidFill>
-                  <a:schemeClr val="lt1"/>
-                </a:solidFill>
-                <a:latin typeface="Comic Sans MS"/>
-                <a:ea typeface="Comic Sans MS"/>
-                <a:cs typeface="Comic Sans MS"/>
-                <a:sym typeface="Comic Sans MS"/>
-              </a:rPr>
-              <a:t>for</a:t>
-            </a:r>
-            <a:endParaRPr b="1" sz="5000">
-              <a:solidFill>
-                <a:schemeClr val="lt1"/>
-              </a:solidFill>
-              <a:latin typeface="Comic Sans MS"/>
-              <a:ea typeface="Comic Sans MS"/>
-              <a:cs typeface="Comic Sans MS"/>
-              <a:sym typeface="Comic Sans MS"/>
-            </a:endParaRPr>
-          </a:p>
-        </p:txBody>
-      </p:sp>
-    </p:spTree>
-  </p:cSld>
-  <p:clrMapOvr>
-    <a:masterClrMapping/>
-  </p:clrMapOvr>
-</p:sld>
-</file>
-
-<file path=ppt/slides/slide3.xml><?xml version="1.0" encoding="utf-8"?>
-<p:sld xmlns:a="http://schemas.openxmlformats.org/drawingml/2006/main" xmlns:r="http://schemas.openxmlformats.org/officeDocument/2006/relationships" xmlns:mc="http://schemas.openxmlformats.org/markup-compatibility/2006" xmlns:mv="urn:schemas-microsoft-com:mac:vml" xmlns:p="http://schemas.openxmlformats.org/presentationml/2006/main" xmlns:c="http://schemas.openxmlformats.org/drawingml/2006/chart" xmlns:dgm="http://schemas.openxmlformats.org/drawingml/2006/diagram" xmlns:o="urn:schemas-microsoft-com:office:office" xmlns:v="urn:schemas-microsoft-com:vml" xmlns:pvml="urn:schemas-microsoft-com:office:powerpoint" xmlns:com="http://schemas.openxmlformats.org/drawingml/2006/compatibility" xmlns:p14="http://schemas.microsoft.com/office/powerpoint/2010/main" xmlns:p15="http://schemas.microsoft.com/office/powerpoint/2012/main" xmlns:ahyp="http://schemas.microsoft.com/office/drawing/2018/hyperlinkcolor">
-  <p:cSld>
-    <p:spTree>
-      <p:nvGrpSpPr>
-        <p:cNvPr id="75" name="Shape 75"/>
-        <p:cNvGrpSpPr/>
-        <p:nvPr/>
-      </p:nvGrpSpPr>
-      <p:grpSpPr>
-        <a:xfrm>
-          <a:off x="0" y="0"/>
-          <a:ext cx="0" cy="0"/>
-          <a:chOff x="0" y="0"/>
-          <a:chExt cx="0" cy="0"/>
-        </a:xfrm>
-      </p:grpSpPr>
-      <p:sp>
-        <p:nvSpPr>
-          <p:cNvPr id="76" name="Google Shape;76;p15"/>
-          <p:cNvSpPr txBox="1"/>
-          <p:nvPr>
-            <p:ph type="title"/>
-          </p:nvPr>
-        </p:nvSpPr>
-        <p:spPr>
-          <a:xfrm>
             <a:off x="311700" y="2285400"/>
             <a:ext cx="8520600" cy="572700"/>
           </a:xfrm>
@@ -7108,12 +6528,12 @@
 </p:sld>
 </file>
 
-<file path=ppt/slides/slide4.xml><?xml version="1.0" encoding="utf-8"?>
+<file path=ppt/slides/slide3.xml><?xml version="1.0" encoding="utf-8"?>
 <p:sld xmlns:a="http://schemas.openxmlformats.org/drawingml/2006/main" xmlns:r="http://schemas.openxmlformats.org/officeDocument/2006/relationships" xmlns:mc="http://schemas.openxmlformats.org/markup-compatibility/2006" xmlns:mv="urn:schemas-microsoft-com:mac:vml" xmlns:p="http://schemas.openxmlformats.org/presentationml/2006/main" xmlns:c="http://schemas.openxmlformats.org/drawingml/2006/chart" xmlns:dgm="http://schemas.openxmlformats.org/drawingml/2006/diagram" xmlns:o="urn:schemas-microsoft-com:office:office" xmlns:v="urn:schemas-microsoft-com:vml" xmlns:pvml="urn:schemas-microsoft-com:office:powerpoint" xmlns:com="http://schemas.openxmlformats.org/drawingml/2006/compatibility" xmlns:p14="http://schemas.microsoft.com/office/powerpoint/2010/main" xmlns:p15="http://schemas.microsoft.com/office/powerpoint/2012/main" xmlns:ahyp="http://schemas.microsoft.com/office/drawing/2018/hyperlinkcolor">
   <p:cSld>
     <p:spTree>
       <p:nvGrpSpPr>
-        <p:cNvPr id="80" name="Shape 80"/>
+        <p:cNvPr id="73" name="Shape 73"/>
         <p:cNvGrpSpPr/>
         <p:nvPr/>
       </p:nvGrpSpPr>
@@ -7127,7 +6547,7 @@
       </p:grpSpPr>
       <p:sp>
         <p:nvSpPr>
-          <p:cNvPr id="81" name="Google Shape;81;p16"/>
+          <p:cNvPr id="74" name="Google Shape;74;p15"/>
           <p:cNvSpPr txBox="1"/>
           <p:nvPr>
             <p:ph type="title"/>
@@ -7159,7 +6579,7 @@
             </a:pPr>
             <a:r>
               <a:rPr lang="en"/>
-              <a:t>Error on the website: Final Presentations</a:t>
+              <a:t>Reminder: Final Presentation Date</a:t>
             </a:r>
             <a:endParaRPr/>
           </a:p>
@@ -7167,7 +6587,7 @@
       </p:sp>
       <p:sp>
         <p:nvSpPr>
-          <p:cNvPr id="82" name="Google Shape;82;p16"/>
+          <p:cNvPr id="75" name="Google Shape;75;p15"/>
           <p:cNvSpPr txBox="1"/>
           <p:nvPr>
             <p:ph idx="1" type="body"/>
@@ -7199,7 +6619,7 @@
             </a:pPr>
             <a:r>
               <a:rPr lang="en"/>
-              <a:t>Final presentations will be Wednesday March 13, 5-8pm, as on the calendar.</a:t>
+              <a:t>Final presentations will be Thursday March 20, 5-8pm, as on the calendar and course website.</a:t>
             </a:r>
             <a:endParaRPr/>
           </a:p>
@@ -7215,7 +6635,7 @@
             </a:pPr>
             <a:r>
               <a:rPr lang="en"/>
-              <a:t>	NOT 6-8:30pm as on the syllabus - whoops!</a:t>
+              <a:t>	NOT as on MyUW</a:t>
             </a:r>
             <a:endParaRPr/>
           </a:p>
@@ -7245,12 +6665,12 @@
 </p:sld>
 </file>
 
-<file path=ppt/slides/slide5.xml><?xml version="1.0" encoding="utf-8"?>
+<file path=ppt/slides/slide4.xml><?xml version="1.0" encoding="utf-8"?>
 <p:sld xmlns:a="http://schemas.openxmlformats.org/drawingml/2006/main" xmlns:r="http://schemas.openxmlformats.org/officeDocument/2006/relationships" xmlns:mc="http://schemas.openxmlformats.org/markup-compatibility/2006" xmlns:mv="urn:schemas-microsoft-com:mac:vml" xmlns:p="http://schemas.openxmlformats.org/presentationml/2006/main" xmlns:c="http://schemas.openxmlformats.org/drawingml/2006/chart" xmlns:dgm="http://schemas.openxmlformats.org/drawingml/2006/diagram" xmlns:o="urn:schemas-microsoft-com:office:office" xmlns:v="urn:schemas-microsoft-com:vml" xmlns:pvml="urn:schemas-microsoft-com:office:powerpoint" xmlns:com="http://schemas.openxmlformats.org/drawingml/2006/compatibility" xmlns:p14="http://schemas.microsoft.com/office/powerpoint/2010/main" xmlns:p15="http://schemas.microsoft.com/office/powerpoint/2012/main" xmlns:ahyp="http://schemas.microsoft.com/office/drawing/2018/hyperlinkcolor">
   <p:cSld>
     <p:spTree>
       <p:nvGrpSpPr>
-        <p:cNvPr id="86" name="Shape 86"/>
+        <p:cNvPr id="79" name="Shape 79"/>
         <p:cNvGrpSpPr/>
         <p:nvPr/>
       </p:nvGrpSpPr>
@@ -7264,7 +6684,7 @@
       </p:grpSpPr>
       <p:sp>
         <p:nvSpPr>
-          <p:cNvPr id="87" name="Google Shape;87;p17"/>
+          <p:cNvPr id="80" name="Google Shape;80;p16"/>
           <p:cNvSpPr txBox="1"/>
           <p:nvPr>
             <p:ph type="title"/>
@@ -7296,7 +6716,7 @@
             </a:pPr>
             <a:r>
               <a:rPr lang="en"/>
-              <a:t>Guest lecture for final class (3/7)</a:t>
+              <a:t>Due today: project software design exercise</a:t>
             </a:r>
             <a:endParaRPr/>
           </a:p>
@@ -7304,7 +6724,7 @@
       </p:sp>
       <p:sp>
         <p:nvSpPr>
-          <p:cNvPr id="88" name="Google Shape;88;p17"/>
+          <p:cNvPr id="81" name="Google Shape;81;p16"/>
           <p:cNvSpPr txBox="1"/>
           <p:nvPr>
             <p:ph idx="1" type="body"/>
@@ -7325,55 +6745,55 @@
           </a:bodyPr>
           <a:lstStyle/>
           <a:p>
-            <a:pPr indent="-374650" lvl="0" marL="457200" rtl="0" algn="l">
-              <a:spcBef>
-                <a:spcPts val="0"/>
-              </a:spcBef>
-              <a:spcAft>
-                <a:spcPts val="0"/>
-              </a:spcAft>
-              <a:buSzPts val="2300"/>
+            <a:pPr indent="-368300" lvl="0" marL="457200" rtl="0" algn="l">
+              <a:spcBef>
+                <a:spcPts val="0"/>
+              </a:spcBef>
+              <a:spcAft>
+                <a:spcPts val="0"/>
+              </a:spcAft>
+              <a:buSzPts val="2200"/>
               <a:buChar char="●"/>
             </a:pPr>
             <a:r>
-              <a:rPr lang="en" sz="2300"/>
-              <a:t>Data Scientist at Spotify</a:t>
+              <a:rPr lang="en" sz="2200"/>
+              <a:t>You’ve uploaded to GitHub, right?</a:t>
             </a:r>
-            <a:endParaRPr sz="2300"/>
+            <a:endParaRPr sz="2200"/>
           </a:p>
           <a:p>
-            <a:pPr indent="-374650" lvl="0" marL="457200" rtl="0" algn="l">
-              <a:spcBef>
-                <a:spcPts val="0"/>
-              </a:spcBef>
-              <a:spcAft>
-                <a:spcPts val="0"/>
-              </a:spcAft>
-              <a:buSzPts val="2300"/>
+            <a:pPr indent="-368300" lvl="0" marL="457200" rtl="0" algn="l">
+              <a:spcBef>
+                <a:spcPts val="0"/>
+              </a:spcBef>
+              <a:spcAft>
+                <a:spcPts val="0"/>
+              </a:spcAft>
+              <a:buSzPts val="2200"/>
               <a:buChar char="●"/>
             </a:pPr>
             <a:r>
-              <a:rPr lang="en" sz="2300"/>
-              <a:t>Let us know what you’re interested in hearing about!</a:t>
+              <a:rPr lang="en" sz="2200"/>
+              <a:t>We’ll take a look and give you a grade, as well as any notes on your proposed design.</a:t>
             </a:r>
-            <a:endParaRPr sz="2300"/>
+            <a:endParaRPr sz="2200"/>
           </a:p>
           <a:p>
-            <a:pPr indent="-349250" lvl="1" marL="914400" rtl="0" algn="l">
-              <a:spcBef>
-                <a:spcPts val="0"/>
-              </a:spcBef>
-              <a:spcAft>
-                <a:spcPts val="0"/>
-              </a:spcAft>
-              <a:buSzPts val="1900"/>
-              <a:buChar char="○"/>
+            <a:pPr indent="-368300" lvl="0" marL="457200" rtl="0" algn="l">
+              <a:spcBef>
+                <a:spcPts val="0"/>
+              </a:spcBef>
+              <a:spcAft>
+                <a:spcPts val="0"/>
+              </a:spcAft>
+              <a:buSzPts val="2200"/>
+              <a:buChar char="●"/>
             </a:pPr>
             <a:r>
-              <a:rPr lang="en" sz="1900"/>
-              <a:t>Add your questions in the survey on the Syllabus</a:t>
+              <a:rPr lang="en" sz="2200"/>
+              <a:t>You may fix any issues for regrade during the final project evaluation</a:t>
             </a:r>
-            <a:endParaRPr sz="1900"/>
+            <a:endParaRPr sz="2200"/>
           </a:p>
         </p:txBody>
       </p:sp>
@@ -7385,12 +6805,12 @@
 </p:sld>
 </file>
 
-<file path=ppt/slides/slide6.xml><?xml version="1.0" encoding="utf-8"?>
+<file path=ppt/slides/slide5.xml><?xml version="1.0" encoding="utf-8"?>
 <p:sld xmlns:a="http://schemas.openxmlformats.org/drawingml/2006/main" xmlns:r="http://schemas.openxmlformats.org/officeDocument/2006/relationships" xmlns:mc="http://schemas.openxmlformats.org/markup-compatibility/2006" xmlns:mv="urn:schemas-microsoft-com:mac:vml" xmlns:p="http://schemas.openxmlformats.org/presentationml/2006/main" xmlns:c="http://schemas.openxmlformats.org/drawingml/2006/chart" xmlns:dgm="http://schemas.openxmlformats.org/drawingml/2006/diagram" xmlns:o="urn:schemas-microsoft-com:office:office" xmlns:v="urn:schemas-microsoft-com:vml" xmlns:pvml="urn:schemas-microsoft-com:office:powerpoint" xmlns:com="http://schemas.openxmlformats.org/drawingml/2006/compatibility" xmlns:p14="http://schemas.microsoft.com/office/powerpoint/2010/main" xmlns:p15="http://schemas.microsoft.com/office/powerpoint/2012/main" xmlns:ahyp="http://schemas.microsoft.com/office/drawing/2018/hyperlinkcolor">
   <p:cSld>
     <p:spTree>
       <p:nvGrpSpPr>
-        <p:cNvPr id="92" name="Shape 92"/>
+        <p:cNvPr id="85" name="Shape 85"/>
         <p:cNvGrpSpPr/>
         <p:nvPr/>
       </p:nvGrpSpPr>
@@ -7404,7 +6824,7 @@
       </p:grpSpPr>
       <p:sp>
         <p:nvSpPr>
-          <p:cNvPr id="93" name="Google Shape;93;p18"/>
+          <p:cNvPr id="86" name="Google Shape;86;p17"/>
           <p:cNvSpPr txBox="1"/>
           <p:nvPr>
             <p:ph type="title"/>
@@ -7436,7 +6856,7 @@
             </a:pPr>
             <a:r>
               <a:rPr lang="en"/>
-              <a:t>Due today: project software design exercise</a:t>
+              <a:t>Next week: initial project demo</a:t>
             </a:r>
             <a:endParaRPr/>
           </a:p>
@@ -7444,7 +6864,7 @@
       </p:sp>
       <p:sp>
         <p:nvSpPr>
-          <p:cNvPr id="94" name="Google Shape;94;p18"/>
+          <p:cNvPr id="87" name="Google Shape;87;p17"/>
           <p:cNvSpPr txBox="1"/>
           <p:nvPr>
             <p:ph idx="1" type="body"/>
@@ -7453,7 +6873,7 @@
         <p:spPr>
           <a:xfrm>
             <a:off x="311700" y="1152475"/>
-            <a:ext cx="8520600" cy="3416400"/>
+            <a:ext cx="8520600" cy="3837300"/>
           </a:xfrm>
           <a:prstGeom prst="rect">
             <a:avLst/>
@@ -7477,147 +6897,7 @@
             </a:pPr>
             <a:r>
               <a:rPr lang="en" sz="2200"/>
-              <a:t>You’ve uploaded to GitHub, right?</a:t>
-            </a:r>
-            <a:endParaRPr sz="2200"/>
-          </a:p>
-          <a:p>
-            <a:pPr indent="-368300" lvl="0" marL="457200" rtl="0" algn="l">
-              <a:spcBef>
-                <a:spcPts val="0"/>
-              </a:spcBef>
-              <a:spcAft>
-                <a:spcPts val="0"/>
-              </a:spcAft>
-              <a:buSzPts val="2200"/>
-              <a:buChar char="●"/>
-            </a:pPr>
-            <a:r>
-              <a:rPr lang="en" sz="2200"/>
-              <a:t>We’ll take a look and give you a grade, as well as any notes on your proposed design.</a:t>
-            </a:r>
-            <a:endParaRPr sz="2200"/>
-          </a:p>
-          <a:p>
-            <a:pPr indent="-368300" lvl="0" marL="457200" rtl="0" algn="l">
-              <a:spcBef>
-                <a:spcPts val="0"/>
-              </a:spcBef>
-              <a:spcAft>
-                <a:spcPts val="0"/>
-              </a:spcAft>
-              <a:buSzPts val="2200"/>
-              <a:buChar char="●"/>
-            </a:pPr>
-            <a:r>
-              <a:rPr lang="en" sz="2200"/>
-              <a:t>You may fix any issues for regrade during the final project evaluation</a:t>
-            </a:r>
-            <a:endParaRPr sz="2200"/>
-          </a:p>
-        </p:txBody>
-      </p:sp>
-    </p:spTree>
-  </p:cSld>
-  <p:clrMapOvr>
-    <a:masterClrMapping/>
-  </p:clrMapOvr>
-</p:sld>
-</file>
-
-<file path=ppt/slides/slide7.xml><?xml version="1.0" encoding="utf-8"?>
-<p:sld xmlns:a="http://schemas.openxmlformats.org/drawingml/2006/main" xmlns:r="http://schemas.openxmlformats.org/officeDocument/2006/relationships" xmlns:mc="http://schemas.openxmlformats.org/markup-compatibility/2006" xmlns:mv="urn:schemas-microsoft-com:mac:vml" xmlns:p="http://schemas.openxmlformats.org/presentationml/2006/main" xmlns:c="http://schemas.openxmlformats.org/drawingml/2006/chart" xmlns:dgm="http://schemas.openxmlformats.org/drawingml/2006/diagram" xmlns:o="urn:schemas-microsoft-com:office:office" xmlns:v="urn:schemas-microsoft-com:vml" xmlns:pvml="urn:schemas-microsoft-com:office:powerpoint" xmlns:com="http://schemas.openxmlformats.org/drawingml/2006/compatibility" xmlns:p14="http://schemas.microsoft.com/office/powerpoint/2010/main" xmlns:p15="http://schemas.microsoft.com/office/powerpoint/2012/main" xmlns:ahyp="http://schemas.microsoft.com/office/drawing/2018/hyperlinkcolor">
-  <p:cSld>
-    <p:spTree>
-      <p:nvGrpSpPr>
-        <p:cNvPr id="98" name="Shape 98"/>
-        <p:cNvGrpSpPr/>
-        <p:nvPr/>
-      </p:nvGrpSpPr>
-      <p:grpSpPr>
-        <a:xfrm>
-          <a:off x="0" y="0"/>
-          <a:ext cx="0" cy="0"/>
-          <a:chOff x="0" y="0"/>
-          <a:chExt cx="0" cy="0"/>
-        </a:xfrm>
-      </p:grpSpPr>
-      <p:sp>
-        <p:nvSpPr>
-          <p:cNvPr id="99" name="Google Shape;99;p19"/>
-          <p:cNvSpPr txBox="1"/>
-          <p:nvPr>
-            <p:ph type="title"/>
-          </p:nvPr>
-        </p:nvSpPr>
-        <p:spPr>
-          <a:xfrm>
-            <a:off x="311700" y="445025"/>
-            <a:ext cx="8520600" cy="572700"/>
-          </a:xfrm>
-          <a:prstGeom prst="rect">
-            <a:avLst/>
-          </a:prstGeom>
-        </p:spPr>
-        <p:txBody>
-          <a:bodyPr anchorCtr="0" anchor="t" bIns="91425" lIns="91425" spcFirstLastPara="1" rIns="91425" wrap="square" tIns="91425">
-            <a:normAutofit fontScale="90000"/>
-          </a:bodyPr>
-          <a:lstStyle/>
-          <a:p>
-            <a:pPr indent="0" lvl="0" marL="0" rtl="0" algn="l">
-              <a:spcBef>
-                <a:spcPts val="0"/>
-              </a:spcBef>
-              <a:spcAft>
-                <a:spcPts val="0"/>
-              </a:spcAft>
-              <a:buNone/>
-            </a:pPr>
-            <a:r>
-              <a:rPr lang="en"/>
-              <a:t>Next week: initial project demo</a:t>
-            </a:r>
-            <a:endParaRPr/>
-          </a:p>
-        </p:txBody>
-      </p:sp>
-      <p:sp>
-        <p:nvSpPr>
-          <p:cNvPr id="100" name="Google Shape;100;p19"/>
-          <p:cNvSpPr txBox="1"/>
-          <p:nvPr>
-            <p:ph idx="1" type="body"/>
-          </p:nvPr>
-        </p:nvSpPr>
-        <p:spPr>
-          <a:xfrm>
-            <a:off x="311700" y="1152475"/>
-            <a:ext cx="8520600" cy="3416400"/>
-          </a:xfrm>
-          <a:prstGeom prst="rect">
-            <a:avLst/>
-          </a:prstGeom>
-        </p:spPr>
-        <p:txBody>
-          <a:bodyPr anchorCtr="0" anchor="t" bIns="91425" lIns="91425" spcFirstLastPara="1" rIns="91425" wrap="square" tIns="91425">
-            <a:normAutofit/>
-          </a:bodyPr>
-          <a:lstStyle/>
-          <a:p>
-            <a:pPr indent="-368300" lvl="0" marL="457200" rtl="0" algn="l">
-              <a:spcBef>
-                <a:spcPts val="0"/>
-              </a:spcBef>
-              <a:spcAft>
-                <a:spcPts val="0"/>
-              </a:spcAft>
-              <a:buSzPts val="2200"/>
-              <a:buChar char="●"/>
-            </a:pPr>
-            <a:r>
-              <a:rPr lang="en" sz="2200"/>
-              <a:t>Goal: show off what you’ve done so far</a:t>
+              <a:t>Goal: show off what you’ve done so far + Technology Review</a:t>
             </a:r>
             <a:endParaRPr sz="2200"/>
           </a:p>
@@ -7681,6 +6961,23 @@
             <a:endParaRPr sz="1800"/>
           </a:p>
           <a:p>
+            <a:pPr indent="-342900" lvl="1" marL="914400" rtl="0" algn="l">
+              <a:spcBef>
+                <a:spcPts val="0"/>
+              </a:spcBef>
+              <a:spcAft>
+                <a:spcPts val="0"/>
+              </a:spcAft>
+              <a:buSzPts val="1800"/>
+              <a:buChar char="○"/>
+            </a:pPr>
+            <a:r>
+              <a:rPr lang="en" sz="1800"/>
+              <a:t>Be prepared to talk through your Technology Review</a:t>
+            </a:r>
+            <a:endParaRPr sz="1800"/>
+          </a:p>
+          <a:p>
             <a:pPr indent="-368300" lvl="0" marL="457200" rtl="0" algn="l">
               <a:spcBef>
                 <a:spcPts val="0"/>
@@ -7710,7 +7007,7 @@
             </a:pPr>
             <a:r>
               <a:rPr lang="en" sz="1800"/>
-              <a:t>The TAs and I will walk around the room</a:t>
+              <a:t>The TA and I will walk around the room</a:t>
             </a:r>
             <a:endParaRPr sz="1800"/>
           </a:p>
@@ -7727,7 +7024,7 @@
             </a:pPr>
             <a:r>
               <a:rPr lang="en" sz="1800"/>
-              <a:t>You’ll demonstrate your project to either a TA, or both a TA and me</a:t>
+              <a:t>You’ll demonstrate your project to either the TA, or both a TA and me</a:t>
             </a:r>
             <a:endParaRPr sz="1800"/>
           </a:p>
@@ -7764,282 +7061,6 @@
               <a:t>Grading: participation</a:t>
             </a:r>
             <a:endParaRPr sz="2200"/>
-          </a:p>
-        </p:txBody>
-      </p:sp>
-    </p:spTree>
-  </p:cSld>
-  <p:clrMapOvr>
-    <a:masterClrMapping/>
-  </p:clrMapOvr>
-</p:sld>
-</file>
-
-<file path=ppt/slides/slide8.xml><?xml version="1.0" encoding="utf-8"?>
-<p:sld xmlns:a="http://schemas.openxmlformats.org/drawingml/2006/main" xmlns:r="http://schemas.openxmlformats.org/officeDocument/2006/relationships" xmlns:mc="http://schemas.openxmlformats.org/markup-compatibility/2006" xmlns:mv="urn:schemas-microsoft-com:mac:vml" xmlns:p="http://schemas.openxmlformats.org/presentationml/2006/main" xmlns:c="http://schemas.openxmlformats.org/drawingml/2006/chart" xmlns:dgm="http://schemas.openxmlformats.org/drawingml/2006/diagram" xmlns:o="urn:schemas-microsoft-com:office:office" xmlns:v="urn:schemas-microsoft-com:vml" xmlns:pvml="urn:schemas-microsoft-com:office:powerpoint" xmlns:com="http://schemas.openxmlformats.org/drawingml/2006/compatibility" xmlns:p14="http://schemas.microsoft.com/office/powerpoint/2010/main" xmlns:p15="http://schemas.microsoft.com/office/powerpoint/2012/main" xmlns:ahyp="http://schemas.microsoft.com/office/drawing/2018/hyperlinkcolor">
-  <p:cSld>
-    <p:spTree>
-      <p:nvGrpSpPr>
-        <p:cNvPr id="104" name="Shape 104"/>
-        <p:cNvGrpSpPr/>
-        <p:nvPr/>
-      </p:nvGrpSpPr>
-      <p:grpSpPr>
-        <a:xfrm>
-          <a:off x="0" y="0"/>
-          <a:ext cx="0" cy="0"/>
-          <a:chOff x="0" y="0"/>
-          <a:chExt cx="0" cy="0"/>
-        </a:xfrm>
-      </p:grpSpPr>
-      <p:sp>
-        <p:nvSpPr>
-          <p:cNvPr id="105" name="Google Shape;105;p20"/>
-          <p:cNvSpPr txBox="1"/>
-          <p:nvPr>
-            <p:ph type="title"/>
-          </p:nvPr>
-        </p:nvSpPr>
-        <p:spPr>
-          <a:xfrm>
-            <a:off x="311700" y="445025"/>
-            <a:ext cx="8520600" cy="572700"/>
-          </a:xfrm>
-          <a:prstGeom prst="rect">
-            <a:avLst/>
-          </a:prstGeom>
-        </p:spPr>
-        <p:txBody>
-          <a:bodyPr anchorCtr="0" anchor="t" bIns="91425" lIns="91425" spcFirstLastPara="1" rIns="91425" wrap="square" tIns="91425">
-            <a:normAutofit fontScale="90000"/>
-          </a:bodyPr>
-          <a:lstStyle/>
-          <a:p>
-            <a:pPr indent="0" lvl="0" marL="0" rtl="0" algn="l">
-              <a:spcBef>
-                <a:spcPts val="0"/>
-              </a:spcBef>
-              <a:spcAft>
-                <a:spcPts val="0"/>
-              </a:spcAft>
-              <a:buNone/>
-            </a:pPr>
-            <a:r>
-              <a:rPr lang="en"/>
-              <a:t>Office hours: Melissa’s updated hours</a:t>
-            </a:r>
-            <a:endParaRPr/>
-          </a:p>
-        </p:txBody>
-      </p:sp>
-      <p:sp>
-        <p:nvSpPr>
-          <p:cNvPr id="106" name="Google Shape;106;p20"/>
-          <p:cNvSpPr txBox="1"/>
-          <p:nvPr>
-            <p:ph idx="1" type="body"/>
-          </p:nvPr>
-        </p:nvSpPr>
-        <p:spPr>
-          <a:xfrm>
-            <a:off x="311700" y="1152475"/>
-            <a:ext cx="8520600" cy="3416400"/>
-          </a:xfrm>
-          <a:prstGeom prst="rect">
-            <a:avLst/>
-          </a:prstGeom>
-        </p:spPr>
-        <p:txBody>
-          <a:bodyPr anchorCtr="0" anchor="t" bIns="91425" lIns="91425" spcFirstLastPara="1" rIns="91425" wrap="square" tIns="91425">
-            <a:normAutofit/>
-          </a:bodyPr>
-          <a:lstStyle/>
-          <a:p>
-            <a:pPr indent="0" lvl="0" marL="0" rtl="0" algn="l">
-              <a:spcBef>
-                <a:spcPts val="0"/>
-              </a:spcBef>
-              <a:spcAft>
-                <a:spcPts val="0"/>
-              </a:spcAft>
-              <a:buNone/>
-            </a:pPr>
-            <a:r>
-              <a:rPr lang="en"/>
-              <a:t>Monday evenings, 6-8pm on Zoom for next week</a:t>
-            </a:r>
-            <a:endParaRPr/>
-          </a:p>
-          <a:p>
-            <a:pPr indent="0" lvl="0" marL="0" rtl="0" algn="l">
-              <a:spcBef>
-                <a:spcPts val="1200"/>
-              </a:spcBef>
-              <a:spcAft>
-                <a:spcPts val="0"/>
-              </a:spcAft>
-              <a:buNone/>
-            </a:pPr>
-            <a:r>
-              <a:rPr lang="en"/>
-              <a:t>And of course always by appointment!</a:t>
-            </a:r>
-            <a:endParaRPr/>
-          </a:p>
-          <a:p>
-            <a:pPr indent="0" lvl="0" marL="0" rtl="0" algn="l">
-              <a:spcBef>
-                <a:spcPts val="1200"/>
-              </a:spcBef>
-              <a:spcAft>
-                <a:spcPts val="1200"/>
-              </a:spcAft>
-              <a:buNone/>
-            </a:pPr>
-            <a:r>
-              <a:rPr lang="en"/>
-              <a:t>Mithali’s office hours will be next Thursday 3:30-4:30pm for NEXT WEEK only - not Wednesday</a:t>
-            </a:r>
-            <a:endParaRPr/>
-          </a:p>
-        </p:txBody>
-      </p:sp>
-    </p:spTree>
-  </p:cSld>
-  <p:clrMapOvr>
-    <a:masterClrMapping/>
-  </p:clrMapOvr>
-</p:sld>
-</file>
-
-<file path=ppt/slides/slide9.xml><?xml version="1.0" encoding="utf-8"?>
-<p:sld xmlns:a="http://schemas.openxmlformats.org/drawingml/2006/main" xmlns:r="http://schemas.openxmlformats.org/officeDocument/2006/relationships" xmlns:mc="http://schemas.openxmlformats.org/markup-compatibility/2006" xmlns:mv="urn:schemas-microsoft-com:mac:vml" xmlns:p="http://schemas.openxmlformats.org/presentationml/2006/main" xmlns:c="http://schemas.openxmlformats.org/drawingml/2006/chart" xmlns:dgm="http://schemas.openxmlformats.org/drawingml/2006/diagram" xmlns:o="urn:schemas-microsoft-com:office:office" xmlns:v="urn:schemas-microsoft-com:vml" xmlns:pvml="urn:schemas-microsoft-com:office:powerpoint" xmlns:com="http://schemas.openxmlformats.org/drawingml/2006/compatibility" xmlns:p14="http://schemas.microsoft.com/office/powerpoint/2010/main" xmlns:p15="http://schemas.microsoft.com/office/powerpoint/2012/main" xmlns:ahyp="http://schemas.microsoft.com/office/drawing/2018/hyperlinkcolor">
-  <p:cSld>
-    <p:spTree>
-      <p:nvGrpSpPr>
-        <p:cNvPr id="110" name="Shape 110"/>
-        <p:cNvGrpSpPr/>
-        <p:nvPr/>
-      </p:nvGrpSpPr>
-      <p:grpSpPr>
-        <a:xfrm>
-          <a:off x="0" y="0"/>
-          <a:ext cx="0" cy="0"/>
-          <a:chOff x="0" y="0"/>
-          <a:chExt cx="0" cy="0"/>
-        </a:xfrm>
-      </p:grpSpPr>
-      <p:sp>
-        <p:nvSpPr>
-          <p:cNvPr id="111" name="Google Shape;111;p21"/>
-          <p:cNvSpPr txBox="1"/>
-          <p:nvPr>
-            <p:ph type="title"/>
-          </p:nvPr>
-        </p:nvSpPr>
-        <p:spPr>
-          <a:xfrm>
-            <a:off x="311700" y="445025"/>
-            <a:ext cx="8520600" cy="572700"/>
-          </a:xfrm>
-          <a:prstGeom prst="rect">
-            <a:avLst/>
-          </a:prstGeom>
-        </p:spPr>
-        <p:txBody>
-          <a:bodyPr anchorCtr="0" anchor="t" bIns="91425" lIns="91425" spcFirstLastPara="1" rIns="91425" wrap="square" tIns="91425">
-            <a:normAutofit fontScale="90000"/>
-          </a:bodyPr>
-          <a:lstStyle/>
-          <a:p>
-            <a:pPr indent="0" lvl="0" marL="0" rtl="0" algn="l">
-              <a:spcBef>
-                <a:spcPts val="0"/>
-              </a:spcBef>
-              <a:spcAft>
-                <a:spcPts val="0"/>
-              </a:spcAft>
-              <a:buNone/>
-            </a:pPr>
-            <a:r>
-              <a:rPr lang="en"/>
-              <a:t>Lastly…. This week!</a:t>
-            </a:r>
-            <a:endParaRPr/>
-          </a:p>
-        </p:txBody>
-      </p:sp>
-      <p:sp>
-        <p:nvSpPr>
-          <p:cNvPr id="112" name="Google Shape;112;p21"/>
-          <p:cNvSpPr txBox="1"/>
-          <p:nvPr>
-            <p:ph idx="1" type="body"/>
-          </p:nvPr>
-        </p:nvSpPr>
-        <p:spPr>
-          <a:xfrm>
-            <a:off x="311700" y="1152475"/>
-            <a:ext cx="8520600" cy="3416400"/>
-          </a:xfrm>
-          <a:prstGeom prst="rect">
-            <a:avLst/>
-          </a:prstGeom>
-        </p:spPr>
-        <p:txBody>
-          <a:bodyPr anchorCtr="0" anchor="t" bIns="91425" lIns="91425" spcFirstLastPara="1" rIns="91425" wrap="square" tIns="91425">
-            <a:normAutofit/>
-          </a:bodyPr>
-          <a:lstStyle/>
-          <a:p>
-            <a:pPr indent="0" lvl="0" marL="0" rtl="0" algn="l">
-              <a:spcBef>
-                <a:spcPts val="0"/>
-              </a:spcBef>
-              <a:spcAft>
-                <a:spcPts val="0"/>
-              </a:spcAft>
-              <a:buNone/>
-            </a:pPr>
-            <a:r>
-              <a:rPr lang="en" sz="2200"/>
-              <a:t>Testing!</a:t>
-            </a:r>
-            <a:endParaRPr sz="2200"/>
-          </a:p>
-          <a:p>
-            <a:pPr indent="-355600" lvl="0" marL="457200" rtl="0" algn="l">
-              <a:spcBef>
-                <a:spcPts val="1200"/>
-              </a:spcBef>
-              <a:spcAft>
-                <a:spcPts val="0"/>
-              </a:spcAft>
-              <a:buSzPts val="2000"/>
-              <a:buChar char="●"/>
-            </a:pPr>
-            <a:r>
-              <a:rPr lang="en" sz="2000"/>
-              <a:t>Homework 4</a:t>
-            </a:r>
-            <a:endParaRPr sz="2000"/>
-          </a:p>
-          <a:p>
-            <a:pPr indent="-355600" lvl="0" marL="457200" rtl="0" algn="l">
-              <a:spcBef>
-                <a:spcPts val="0"/>
-              </a:spcBef>
-              <a:spcAft>
-                <a:spcPts val="0"/>
-              </a:spcAft>
-              <a:buSzPts val="2000"/>
-              <a:buChar char="●"/>
-            </a:pPr>
-            <a:r>
-              <a:rPr lang="en" sz="2000"/>
-              <a:t>Testing expected for your project</a:t>
-            </a:r>
-            <a:endParaRPr sz="2000"/>
           </a:p>
         </p:txBody>
       </p:sp>

--- a/07/DATA515_07_ClassUpdates.pptx
+++ b/07/DATA515_07_ClassUpdates.pptx
@@ -1,23 +1,23 @@
 
 <file path=ppt/presentation.xml><?xml version="1.0" encoding="utf-8"?>
-<p:presentation xmlns:a="http://schemas.openxmlformats.org/drawingml/2006/main" xmlns:r="http://schemas.openxmlformats.org/officeDocument/2006/relationships" xmlns:mc="http://schemas.openxmlformats.org/markup-compatibility/2006" xmlns:mv="urn:schemas-microsoft-com:mac:vml" xmlns:p="http://schemas.openxmlformats.org/presentationml/2006/main" xmlns:c="http://schemas.openxmlformats.org/drawingml/2006/chart" xmlns:dgm="http://schemas.openxmlformats.org/drawingml/2006/diagram" xmlns:o="urn:schemas-microsoft-com:office:office" xmlns:v="urn:schemas-microsoft-com:vml" xmlns:pvml="urn:schemas-microsoft-com:office:powerpoint" xmlns:com="http://schemas.openxmlformats.org/drawingml/2006/compatibility" xmlns:p14="http://schemas.microsoft.com/office/powerpoint/2010/main" xmlns:p15="http://schemas.microsoft.com/office/powerpoint/2012/main" xmlns:ahyp="http://schemas.microsoft.com/office/drawing/2018/hyperlinkcolor" autoCompressPictures="0" strictFirstAndLastChars="0" saveSubsetFonts="1">
+<p:presentation xmlns:a="http://schemas.openxmlformats.org/drawingml/2006/main" xmlns:r="http://schemas.openxmlformats.org/officeDocument/2006/relationships" xmlns:p="http://schemas.openxmlformats.org/presentationml/2006/main" strictFirstAndLastChars="0" saveSubsetFonts="1" autoCompressPictures="0">
   <p:sldMasterIdLst>
-    <p:sldMasterId id="2147483659" r:id="rId4"/>
+    <p:sldMasterId id="2147483659" r:id="rId1"/>
   </p:sldMasterIdLst>
   <p:notesMasterIdLst>
-    <p:notesMasterId r:id="rId5"/>
+    <p:notesMasterId r:id="rId7"/>
   </p:notesMasterIdLst>
   <p:sldIdLst>
-    <p:sldId id="256" r:id="rId6"/>
-    <p:sldId id="257" r:id="rId7"/>
-    <p:sldId id="258" r:id="rId8"/>
-    <p:sldId id="259" r:id="rId9"/>
-    <p:sldId id="260" r:id="rId10"/>
+    <p:sldId id="256" r:id="rId2"/>
+    <p:sldId id="258" r:id="rId3"/>
+    <p:sldId id="259" r:id="rId4"/>
+    <p:sldId id="260" r:id="rId5"/>
+    <p:sldId id="257" r:id="rId6"/>
   </p:sldIdLst>
-  <p:sldSz cy="5143500" cx="9144000"/>
+  <p:sldSz cx="9144000" cy="5143500" type="screen16x9"/>
   <p:notesSz cx="6858000" cy="9144000"/>
   <p:defaultTextStyle>
-    <a:defPPr lvl="0" marR="0" rtl="0" algn="l">
+    <a:defPPr marR="0" lvl="0" algn="l" rtl="0">
       <a:lnSpc>
         <a:spcPct val="100000"/>
       </a:lnSpc>
@@ -28,7 +28,7 @@
         <a:spcPts val="0"/>
       </a:spcAft>
     </a:defPPr>
-    <a:lvl1pPr lvl="0" marR="0" rtl="0" algn="l">
+    <a:lvl1pPr marR="0" lvl="0" algn="l" rtl="0">
       <a:lnSpc>
         <a:spcPct val="100000"/>
       </a:lnSpc>
@@ -42,7 +42,7 @@
         <a:srgbClr val="000000"/>
       </a:buClr>
       <a:buFont typeface="Arial"/>
-      <a:defRPr b="0" i="0" sz="1400" u="none" cap="none" strike="noStrike">
+      <a:defRPr sz="1400" b="0" i="0" u="none" strike="noStrike" cap="none">
         <a:solidFill>
           <a:srgbClr val="000000"/>
         </a:solidFill>
@@ -52,7 +52,7 @@
         <a:sym typeface="Arial"/>
       </a:defRPr>
     </a:lvl1pPr>
-    <a:lvl2pPr lvl="1" marR="0" rtl="0" algn="l">
+    <a:lvl2pPr marR="0" lvl="1" algn="l" rtl="0">
       <a:lnSpc>
         <a:spcPct val="100000"/>
       </a:lnSpc>
@@ -66,7 +66,7 @@
         <a:srgbClr val="000000"/>
       </a:buClr>
       <a:buFont typeface="Arial"/>
-      <a:defRPr b="0" i="0" sz="1400" u="none" cap="none" strike="noStrike">
+      <a:defRPr sz="1400" b="0" i="0" u="none" strike="noStrike" cap="none">
         <a:solidFill>
           <a:srgbClr val="000000"/>
         </a:solidFill>
@@ -76,7 +76,7 @@
         <a:sym typeface="Arial"/>
       </a:defRPr>
     </a:lvl2pPr>
-    <a:lvl3pPr lvl="2" marR="0" rtl="0" algn="l">
+    <a:lvl3pPr marR="0" lvl="2" algn="l" rtl="0">
       <a:lnSpc>
         <a:spcPct val="100000"/>
       </a:lnSpc>
@@ -90,7 +90,7 @@
         <a:srgbClr val="000000"/>
       </a:buClr>
       <a:buFont typeface="Arial"/>
-      <a:defRPr b="0" i="0" sz="1400" u="none" cap="none" strike="noStrike">
+      <a:defRPr sz="1400" b="0" i="0" u="none" strike="noStrike" cap="none">
         <a:solidFill>
           <a:srgbClr val="000000"/>
         </a:solidFill>
@@ -100,7 +100,7 @@
         <a:sym typeface="Arial"/>
       </a:defRPr>
     </a:lvl3pPr>
-    <a:lvl4pPr lvl="3" marR="0" rtl="0" algn="l">
+    <a:lvl4pPr marR="0" lvl="3" algn="l" rtl="0">
       <a:lnSpc>
         <a:spcPct val="100000"/>
       </a:lnSpc>
@@ -114,7 +114,7 @@
         <a:srgbClr val="000000"/>
       </a:buClr>
       <a:buFont typeface="Arial"/>
-      <a:defRPr b="0" i="0" sz="1400" u="none" cap="none" strike="noStrike">
+      <a:defRPr sz="1400" b="0" i="0" u="none" strike="noStrike" cap="none">
         <a:solidFill>
           <a:srgbClr val="000000"/>
         </a:solidFill>
@@ -124,7 +124,7 @@
         <a:sym typeface="Arial"/>
       </a:defRPr>
     </a:lvl4pPr>
-    <a:lvl5pPr lvl="4" marR="0" rtl="0" algn="l">
+    <a:lvl5pPr marR="0" lvl="4" algn="l" rtl="0">
       <a:lnSpc>
         <a:spcPct val="100000"/>
       </a:lnSpc>
@@ -138,7 +138,7 @@
         <a:srgbClr val="000000"/>
       </a:buClr>
       <a:buFont typeface="Arial"/>
-      <a:defRPr b="0" i="0" sz="1400" u="none" cap="none" strike="noStrike">
+      <a:defRPr sz="1400" b="0" i="0" u="none" strike="noStrike" cap="none">
         <a:solidFill>
           <a:srgbClr val="000000"/>
         </a:solidFill>
@@ -148,7 +148,7 @@
         <a:sym typeface="Arial"/>
       </a:defRPr>
     </a:lvl5pPr>
-    <a:lvl6pPr lvl="5" marR="0" rtl="0" algn="l">
+    <a:lvl6pPr marR="0" lvl="5" algn="l" rtl="0">
       <a:lnSpc>
         <a:spcPct val="100000"/>
       </a:lnSpc>
@@ -162,7 +162,7 @@
         <a:srgbClr val="000000"/>
       </a:buClr>
       <a:buFont typeface="Arial"/>
-      <a:defRPr b="0" i="0" sz="1400" u="none" cap="none" strike="noStrike">
+      <a:defRPr sz="1400" b="0" i="0" u="none" strike="noStrike" cap="none">
         <a:solidFill>
           <a:srgbClr val="000000"/>
         </a:solidFill>
@@ -172,7 +172,7 @@
         <a:sym typeface="Arial"/>
       </a:defRPr>
     </a:lvl6pPr>
-    <a:lvl7pPr lvl="6" marR="0" rtl="0" algn="l">
+    <a:lvl7pPr marR="0" lvl="6" algn="l" rtl="0">
       <a:lnSpc>
         <a:spcPct val="100000"/>
       </a:lnSpc>
@@ -186,7 +186,7 @@
         <a:srgbClr val="000000"/>
       </a:buClr>
       <a:buFont typeface="Arial"/>
-      <a:defRPr b="0" i="0" sz="1400" u="none" cap="none" strike="noStrike">
+      <a:defRPr sz="1400" b="0" i="0" u="none" strike="noStrike" cap="none">
         <a:solidFill>
           <a:srgbClr val="000000"/>
         </a:solidFill>
@@ -196,7 +196,7 @@
         <a:sym typeface="Arial"/>
       </a:defRPr>
     </a:lvl7pPr>
-    <a:lvl8pPr lvl="7" marR="0" rtl="0" algn="l">
+    <a:lvl8pPr marR="0" lvl="7" algn="l" rtl="0">
       <a:lnSpc>
         <a:spcPct val="100000"/>
       </a:lnSpc>
@@ -210,7 +210,7 @@
         <a:srgbClr val="000000"/>
       </a:buClr>
       <a:buFont typeface="Arial"/>
-      <a:defRPr b="0" i="0" sz="1400" u="none" cap="none" strike="noStrike">
+      <a:defRPr sz="1400" b="0" i="0" u="none" strike="noStrike" cap="none">
         <a:solidFill>
           <a:srgbClr val="000000"/>
         </a:solidFill>
@@ -220,7 +220,7 @@
         <a:sym typeface="Arial"/>
       </a:defRPr>
     </a:lvl8pPr>
-    <a:lvl9pPr lvl="8" marR="0" rtl="0" algn="l">
+    <a:lvl9pPr marR="0" lvl="8" algn="l" rtl="0">
       <a:lnSpc>
         <a:spcPct val="100000"/>
       </a:lnSpc>
@@ -234,7 +234,7 @@
         <a:srgbClr val="000000"/>
       </a:buClr>
       <a:buFont typeface="Arial"/>
-      <a:defRPr b="0" i="0" sz="1400" u="none" cap="none" strike="noStrike">
+      <a:defRPr sz="1400" b="0" i="0" u="none" strike="noStrike" cap="none">
         <a:solidFill>
           <a:srgbClr val="000000"/>
         </a:solidFill>
@@ -247,7 +247,7 @@
   </p:defaultTextStyle>
   <p:extLst>
     <p:ext uri="{EFAFB233-063F-42B5-8137-9DF3F51BA10A}">
-      <p15:sldGuideLst>
+      <p15:sldGuideLst xmlns:p15="http://schemas.microsoft.com/office/powerpoint/2012/main">
         <p15:guide id="1" orient="horz" pos="1620">
           <p15:clr>
             <a:srgbClr val="A4A3A4"/>
@@ -265,11 +265,16 @@
 </file>
 
 <file path=ppt/notesMasters/notesMaster1.xml><?xml version="1.0" encoding="utf-8"?>
-<p:notesMaster xmlns:a="http://schemas.openxmlformats.org/drawingml/2006/main" xmlns:r="http://schemas.openxmlformats.org/officeDocument/2006/relationships" xmlns:mc="http://schemas.openxmlformats.org/markup-compatibility/2006" xmlns:mv="urn:schemas-microsoft-com:mac:vml" xmlns:p="http://schemas.openxmlformats.org/presentationml/2006/main" xmlns:c="http://schemas.openxmlformats.org/drawingml/2006/chart" xmlns:dgm="http://schemas.openxmlformats.org/drawingml/2006/diagram" xmlns:o="urn:schemas-microsoft-com:office:office" xmlns:v="urn:schemas-microsoft-com:vml" xmlns:pvml="urn:schemas-microsoft-com:office:powerpoint" xmlns:com="http://schemas.openxmlformats.org/drawingml/2006/compatibility" xmlns:p14="http://schemas.microsoft.com/office/powerpoint/2010/main" xmlns:p15="http://schemas.microsoft.com/office/powerpoint/2012/main" xmlns:ahyp="http://schemas.microsoft.com/office/drawing/2018/hyperlinkcolor">
+<p:notesMaster xmlns:a="http://schemas.openxmlformats.org/drawingml/2006/main" xmlns:r="http://schemas.openxmlformats.org/officeDocument/2006/relationships" xmlns:p="http://schemas.openxmlformats.org/presentationml/2006/main">
   <p:cSld>
+    <p:bg>
+      <p:bgRef idx="1001">
+        <a:schemeClr val="bg1"/>
+      </p:bgRef>
+    </p:bg>
     <p:spTree>
       <p:nvGrpSpPr>
-        <p:cNvPr id="2" name="Shape 2"/>
+        <p:cNvPr id="1" name="Shape 2"/>
         <p:cNvGrpSpPr/>
         <p:nvPr/>
       </p:nvGrpSpPr>
@@ -284,9 +289,11 @@
       <p:sp>
         <p:nvSpPr>
           <p:cNvPr id="3" name="Google Shape;3;n"/>
-          <p:cNvSpPr/>
+          <p:cNvSpPr>
+            <a:spLocks noGrp="1" noRot="1" noChangeAspect="1"/>
+          </p:cNvSpPr>
           <p:nvPr>
-            <p:ph idx="2" type="sldImg"/>
+            <p:ph type="sldImg" idx="2"/>
           </p:nvPr>
         </p:nvSpPr>
         <p:spPr>
@@ -295,9 +302,13 @@
             <a:ext cx="6096075" cy="3429000"/>
           </a:xfrm>
           <a:custGeom>
-            <a:rect b="b" l="l" r="r" t="t"/>
+            <a:avLst/>
+            <a:gdLst/>
+            <a:ahLst/>
+            <a:cxnLst/>
+            <a:rect l="l" t="t" r="r" b="b"/>
             <a:pathLst>
-              <a:path extrusionOk="0" h="120000" w="120000">
+              <a:path w="120000" h="120000" extrusionOk="0">
                 <a:moveTo>
                   <a:pt x="0" y="0"/>
                 </a:moveTo>
@@ -315,23 +326,25 @@
             </a:pathLst>
           </a:custGeom>
           <a:noFill/>
-          <a:ln cap="flat" cmpd="sng" w="9525">
+          <a:ln w="9525" cap="flat" cmpd="sng">
             <a:solidFill>
               <a:srgbClr val="000000"/>
             </a:solidFill>
             <a:prstDash val="solid"/>
             <a:round/>
-            <a:headEnd len="sm" w="sm" type="none"/>
-            <a:tailEnd len="sm" w="sm" type="none"/>
+            <a:headEnd type="none" w="sm" len="sm"/>
+            <a:tailEnd type="none" w="sm" len="sm"/>
           </a:ln>
         </p:spPr>
       </p:sp>
       <p:sp>
         <p:nvSpPr>
           <p:cNvPr id="4" name="Google Shape;4;n"/>
-          <p:cNvSpPr txBox="1"/>
+          <p:cNvSpPr txBox="1">
+            <a:spLocks noGrp="1"/>
+          </p:cNvSpPr>
           <p:nvPr>
-            <p:ph idx="1" type="body"/>
+            <p:ph type="body" idx="1"/>
           </p:nvPr>
         </p:nvSpPr>
         <p:spPr>
@@ -348,11 +361,11 @@
           </a:ln>
         </p:spPr>
         <p:txBody>
-          <a:bodyPr anchorCtr="0" anchor="t" bIns="91425" lIns="91425" spcFirstLastPara="1" rIns="91425" wrap="square" tIns="91425">
+          <a:bodyPr spcFirstLastPara="1" wrap="square" lIns="91425" tIns="91425" rIns="91425" bIns="91425" anchor="t" anchorCtr="0">
             <a:noAutofit/>
           </a:bodyPr>
           <a:lstStyle>
-            <a:lvl1pPr indent="-298450" lvl="0" marL="457200">
+            <a:lvl1pPr marL="457200" lvl="0" indent="-298450">
               <a:spcBef>
                 <a:spcPts val="0"/>
               </a:spcBef>
@@ -363,7 +376,7 @@
               <a:buChar char="●"/>
               <a:defRPr sz="1100"/>
             </a:lvl1pPr>
-            <a:lvl2pPr indent="-298450" lvl="1" marL="914400">
+            <a:lvl2pPr marL="914400" lvl="1" indent="-298450">
               <a:spcBef>
                 <a:spcPts val="0"/>
               </a:spcBef>
@@ -374,7 +387,7 @@
               <a:buChar char="○"/>
               <a:defRPr sz="1100"/>
             </a:lvl2pPr>
-            <a:lvl3pPr indent="-298450" lvl="2" marL="1371600">
+            <a:lvl3pPr marL="1371600" lvl="2" indent="-298450">
               <a:spcBef>
                 <a:spcPts val="0"/>
               </a:spcBef>
@@ -385,7 +398,7 @@
               <a:buChar char="■"/>
               <a:defRPr sz="1100"/>
             </a:lvl3pPr>
-            <a:lvl4pPr indent="-298450" lvl="3" marL="1828800">
+            <a:lvl4pPr marL="1828800" lvl="3" indent="-298450">
               <a:spcBef>
                 <a:spcPts val="0"/>
               </a:spcBef>
@@ -396,7 +409,7 @@
               <a:buChar char="●"/>
               <a:defRPr sz="1100"/>
             </a:lvl4pPr>
-            <a:lvl5pPr indent="-298450" lvl="4" marL="2286000">
+            <a:lvl5pPr marL="2286000" lvl="4" indent="-298450">
               <a:spcBef>
                 <a:spcPts val="0"/>
               </a:spcBef>
@@ -407,7 +420,7 @@
               <a:buChar char="○"/>
               <a:defRPr sz="1100"/>
             </a:lvl5pPr>
-            <a:lvl6pPr indent="-298450" lvl="5" marL="2743200">
+            <a:lvl6pPr marL="2743200" lvl="5" indent="-298450">
               <a:spcBef>
                 <a:spcPts val="0"/>
               </a:spcBef>
@@ -418,7 +431,7 @@
               <a:buChar char="■"/>
               <a:defRPr sz="1100"/>
             </a:lvl6pPr>
-            <a:lvl7pPr indent="-298450" lvl="6" marL="3200400">
+            <a:lvl7pPr marL="3200400" lvl="6" indent="-298450">
               <a:spcBef>
                 <a:spcPts val="0"/>
               </a:spcBef>
@@ -429,7 +442,7 @@
               <a:buChar char="●"/>
               <a:defRPr sz="1100"/>
             </a:lvl7pPr>
-            <a:lvl8pPr indent="-298450" lvl="7" marL="3657600">
+            <a:lvl8pPr marL="3657600" lvl="7" indent="-298450">
               <a:spcBef>
                 <a:spcPts val="0"/>
               </a:spcBef>
@@ -440,7 +453,7 @@
               <a:buChar char="○"/>
               <a:defRPr sz="1100"/>
             </a:lvl8pPr>
-            <a:lvl9pPr indent="-298450" lvl="8" marL="4114800">
+            <a:lvl9pPr marL="4114800" lvl="8" indent="-298450">
               <a:spcBef>
                 <a:spcPts val="0"/>
               </a:spcBef>
@@ -452,14 +465,16 @@
               <a:defRPr sz="1100"/>
             </a:lvl9pPr>
           </a:lstStyle>
-          <a:p/>
+          <a:p>
+            <a:endParaRPr/>
+          </a:p>
         </p:txBody>
       </p:sp>
     </p:spTree>
   </p:cSld>
-  <p:clrMap accent1="accent1" accent2="accent2" accent3="accent3" accent4="accent4" accent5="accent5" accent6="accent6" bg1="lt1" bg2="dk2" tx1="dk1" tx2="lt2" folHlink="folHlink" hlink="hlink"/>
+  <p:clrMap bg1="lt1" tx1="dk1" bg2="dk2" tx2="lt2" accent1="accent1" accent2="accent2" accent3="accent3" accent4="accent4" accent5="accent5" accent6="accent6" hlink="hlink" folHlink="folHlink"/>
   <p:notesStyle>
-    <a:defPPr lvl="0" marR="0" rtl="0" algn="l">
+    <a:defPPr marR="0" lvl="0" algn="l" rtl="0">
       <a:lnSpc>
         <a:spcPct val="100000"/>
       </a:lnSpc>
@@ -470,7 +485,7 @@
         <a:spcPts val="0"/>
       </a:spcAft>
     </a:defPPr>
-    <a:lvl1pPr lvl="0" marR="0" rtl="0" algn="l">
+    <a:lvl1pPr marR="0" lvl="0" algn="l" rtl="0">
       <a:lnSpc>
         <a:spcPct val="100000"/>
       </a:lnSpc>
@@ -484,7 +499,7 @@
         <a:srgbClr val="000000"/>
       </a:buClr>
       <a:buFont typeface="Arial"/>
-      <a:defRPr b="0" i="0" sz="1400" u="none" cap="none" strike="noStrike">
+      <a:defRPr sz="1400" b="0" i="0" u="none" strike="noStrike" cap="none">
         <a:solidFill>
           <a:srgbClr val="000000"/>
         </a:solidFill>
@@ -494,7 +509,7 @@
         <a:sym typeface="Arial"/>
       </a:defRPr>
     </a:lvl1pPr>
-    <a:lvl2pPr lvl="1" marR="0" rtl="0" algn="l">
+    <a:lvl2pPr marR="0" lvl="1" algn="l" rtl="0">
       <a:lnSpc>
         <a:spcPct val="100000"/>
       </a:lnSpc>
@@ -508,7 +523,7 @@
         <a:srgbClr val="000000"/>
       </a:buClr>
       <a:buFont typeface="Arial"/>
-      <a:defRPr b="0" i="0" sz="1400" u="none" cap="none" strike="noStrike">
+      <a:defRPr sz="1400" b="0" i="0" u="none" strike="noStrike" cap="none">
         <a:solidFill>
           <a:srgbClr val="000000"/>
         </a:solidFill>
@@ -518,7 +533,7 @@
         <a:sym typeface="Arial"/>
       </a:defRPr>
     </a:lvl2pPr>
-    <a:lvl3pPr lvl="2" marR="0" rtl="0" algn="l">
+    <a:lvl3pPr marR="0" lvl="2" algn="l" rtl="0">
       <a:lnSpc>
         <a:spcPct val="100000"/>
       </a:lnSpc>
@@ -532,7 +547,7 @@
         <a:srgbClr val="000000"/>
       </a:buClr>
       <a:buFont typeface="Arial"/>
-      <a:defRPr b="0" i="0" sz="1400" u="none" cap="none" strike="noStrike">
+      <a:defRPr sz="1400" b="0" i="0" u="none" strike="noStrike" cap="none">
         <a:solidFill>
           <a:srgbClr val="000000"/>
         </a:solidFill>
@@ -542,7 +557,7 @@
         <a:sym typeface="Arial"/>
       </a:defRPr>
     </a:lvl3pPr>
-    <a:lvl4pPr lvl="3" marR="0" rtl="0" algn="l">
+    <a:lvl4pPr marR="0" lvl="3" algn="l" rtl="0">
       <a:lnSpc>
         <a:spcPct val="100000"/>
       </a:lnSpc>
@@ -556,7 +571,7 @@
         <a:srgbClr val="000000"/>
       </a:buClr>
       <a:buFont typeface="Arial"/>
-      <a:defRPr b="0" i="0" sz="1400" u="none" cap="none" strike="noStrike">
+      <a:defRPr sz="1400" b="0" i="0" u="none" strike="noStrike" cap="none">
         <a:solidFill>
           <a:srgbClr val="000000"/>
         </a:solidFill>
@@ -566,7 +581,7 @@
         <a:sym typeface="Arial"/>
       </a:defRPr>
     </a:lvl4pPr>
-    <a:lvl5pPr lvl="4" marR="0" rtl="0" algn="l">
+    <a:lvl5pPr marR="0" lvl="4" algn="l" rtl="0">
       <a:lnSpc>
         <a:spcPct val="100000"/>
       </a:lnSpc>
@@ -580,7 +595,7 @@
         <a:srgbClr val="000000"/>
       </a:buClr>
       <a:buFont typeface="Arial"/>
-      <a:defRPr b="0" i="0" sz="1400" u="none" cap="none" strike="noStrike">
+      <a:defRPr sz="1400" b="0" i="0" u="none" strike="noStrike" cap="none">
         <a:solidFill>
           <a:srgbClr val="000000"/>
         </a:solidFill>
@@ -590,7 +605,7 @@
         <a:sym typeface="Arial"/>
       </a:defRPr>
     </a:lvl5pPr>
-    <a:lvl6pPr lvl="5" marR="0" rtl="0" algn="l">
+    <a:lvl6pPr marR="0" lvl="5" algn="l" rtl="0">
       <a:lnSpc>
         <a:spcPct val="100000"/>
       </a:lnSpc>
@@ -604,7 +619,7 @@
         <a:srgbClr val="000000"/>
       </a:buClr>
       <a:buFont typeface="Arial"/>
-      <a:defRPr b="0" i="0" sz="1400" u="none" cap="none" strike="noStrike">
+      <a:defRPr sz="1400" b="0" i="0" u="none" strike="noStrike" cap="none">
         <a:solidFill>
           <a:srgbClr val="000000"/>
         </a:solidFill>
@@ -614,7 +629,7 @@
         <a:sym typeface="Arial"/>
       </a:defRPr>
     </a:lvl6pPr>
-    <a:lvl7pPr lvl="6" marR="0" rtl="0" algn="l">
+    <a:lvl7pPr marR="0" lvl="6" algn="l" rtl="0">
       <a:lnSpc>
         <a:spcPct val="100000"/>
       </a:lnSpc>
@@ -628,7 +643,7 @@
         <a:srgbClr val="000000"/>
       </a:buClr>
       <a:buFont typeface="Arial"/>
-      <a:defRPr b="0" i="0" sz="1400" u="none" cap="none" strike="noStrike">
+      <a:defRPr sz="1400" b="0" i="0" u="none" strike="noStrike" cap="none">
         <a:solidFill>
           <a:srgbClr val="000000"/>
         </a:solidFill>
@@ -638,7 +653,7 @@
         <a:sym typeface="Arial"/>
       </a:defRPr>
     </a:lvl7pPr>
-    <a:lvl8pPr lvl="7" marR="0" rtl="0" algn="l">
+    <a:lvl8pPr marR="0" lvl="7" algn="l" rtl="0">
       <a:lnSpc>
         <a:spcPct val="100000"/>
       </a:lnSpc>
@@ -652,7 +667,7 @@
         <a:srgbClr val="000000"/>
       </a:buClr>
       <a:buFont typeface="Arial"/>
-      <a:defRPr b="0" i="0" sz="1400" u="none" cap="none" strike="noStrike">
+      <a:defRPr sz="1400" b="0" i="0" u="none" strike="noStrike" cap="none">
         <a:solidFill>
           <a:srgbClr val="000000"/>
         </a:solidFill>
@@ -662,7 +677,7 @@
         <a:sym typeface="Arial"/>
       </a:defRPr>
     </a:lvl8pPr>
-    <a:lvl9pPr lvl="8" marR="0" rtl="0" algn="l">
+    <a:lvl9pPr marR="0" lvl="8" algn="l" rtl="0">
       <a:lnSpc>
         <a:spcPct val="100000"/>
       </a:lnSpc>
@@ -676,7 +691,7 @@
         <a:srgbClr val="000000"/>
       </a:buClr>
       <a:buFont typeface="Arial"/>
-      <a:defRPr b="0" i="0" sz="1400" u="none" cap="none" strike="noStrike">
+      <a:defRPr sz="1400" b="0" i="0" u="none" strike="noStrike" cap="none">
         <a:solidFill>
           <a:srgbClr val="000000"/>
         </a:solidFill>
@@ -691,11 +706,11 @@
 </file>
 
 <file path=ppt/notesSlides/notesSlide1.xml><?xml version="1.0" encoding="utf-8"?>
-<p:notes xmlns:a="http://schemas.openxmlformats.org/drawingml/2006/main" xmlns:r="http://schemas.openxmlformats.org/officeDocument/2006/relationships" xmlns:mc="http://schemas.openxmlformats.org/markup-compatibility/2006" xmlns:mv="urn:schemas-microsoft-com:mac:vml" xmlns:p="http://schemas.openxmlformats.org/presentationml/2006/main" xmlns:c="http://schemas.openxmlformats.org/drawingml/2006/chart" xmlns:dgm="http://schemas.openxmlformats.org/drawingml/2006/diagram" xmlns:o="urn:schemas-microsoft-com:office:office" xmlns:v="urn:schemas-microsoft-com:vml" xmlns:pvml="urn:schemas-microsoft-com:office:powerpoint" xmlns:com="http://schemas.openxmlformats.org/drawingml/2006/compatibility" xmlns:p14="http://schemas.microsoft.com/office/powerpoint/2010/main" xmlns:p15="http://schemas.microsoft.com/office/powerpoint/2012/main" xmlns:ahyp="http://schemas.microsoft.com/office/drawing/2018/hyperlinkcolor" showMasterPhAnim="0" showMasterSp="0">
+<p:notes xmlns:a="http://schemas.openxmlformats.org/drawingml/2006/main" xmlns:r="http://schemas.openxmlformats.org/officeDocument/2006/relationships" xmlns:p="http://schemas.openxmlformats.org/presentationml/2006/main" showMasterSp="0" showMasterPhAnim="0">
   <p:cSld>
     <p:spTree>
       <p:nvGrpSpPr>
-        <p:cNvPr id="58" name="Shape 58"/>
+        <p:cNvPr id="1" name="Shape 58"/>
         <p:cNvGrpSpPr/>
         <p:nvPr/>
       </p:nvGrpSpPr>
@@ -710,20 +725,26 @@
       <p:sp>
         <p:nvSpPr>
           <p:cNvPr id="59" name="Google Shape;59;p:notes"/>
-          <p:cNvSpPr/>
+          <p:cNvSpPr>
+            <a:spLocks noGrp="1" noRot="1" noChangeAspect="1"/>
+          </p:cNvSpPr>
           <p:nvPr>
-            <p:ph idx="2" type="sldImg"/>
+            <p:ph type="sldImg" idx="2"/>
           </p:nvPr>
         </p:nvSpPr>
         <p:spPr>
           <a:xfrm>
-            <a:off x="381300" y="685800"/>
-            <a:ext cx="6096075" cy="3429000"/>
+            <a:off x="381000" y="685800"/>
+            <a:ext cx="6096000" cy="3429000"/>
           </a:xfrm>
           <a:custGeom>
-            <a:rect b="b" l="l" r="r" t="t"/>
+            <a:avLst/>
+            <a:gdLst/>
+            <a:ahLst/>
+            <a:cxnLst/>
+            <a:rect l="l" t="t" r="r" b="b"/>
             <a:pathLst>
-              <a:path extrusionOk="0" h="120000" w="120000">
+              <a:path w="120000" h="120000" extrusionOk="0">
                 <a:moveTo>
                   <a:pt x="0" y="0"/>
                 </a:moveTo>
@@ -745,9 +766,11 @@
       <p:sp>
         <p:nvSpPr>
           <p:cNvPr id="60" name="Google Shape;60;p:notes"/>
-          <p:cNvSpPr txBox="1"/>
+          <p:cNvSpPr txBox="1">
+            <a:spLocks noGrp="1"/>
+          </p:cNvSpPr>
           <p:nvPr>
-            <p:ph idx="1" type="body"/>
+            <p:ph type="body" idx="1"/>
           </p:nvPr>
         </p:nvSpPr>
         <p:spPr>
@@ -760,12 +783,12 @@
           </a:prstGeom>
         </p:spPr>
         <p:txBody>
-          <a:bodyPr anchorCtr="0" anchor="t" bIns="91425" lIns="91425" spcFirstLastPara="1" rIns="91425" wrap="square" tIns="91425">
+          <a:bodyPr spcFirstLastPara="1" wrap="square" lIns="91425" tIns="91425" rIns="91425" bIns="91425" anchor="t" anchorCtr="0">
             <a:noAutofit/>
           </a:bodyPr>
           <a:lstStyle/>
           <a:p>
-            <a:pPr indent="0" lvl="0" marL="0" rtl="0" algn="l">
+            <a:pPr marL="0" lvl="0" indent="0" algn="l" rtl="0">
               <a:spcBef>
                 <a:spcPts val="0"/>
               </a:spcBef>
@@ -774,9 +797,6 @@
               </a:spcAft>
               <a:buNone/>
             </a:pPr>
-            <a:r>
-              <a:t/>
-            </a:r>
             <a:endParaRPr/>
           </a:p>
         </p:txBody>
@@ -790,11 +810,323 @@
 </file>
 
 <file path=ppt/notesSlides/notesSlide2.xml><?xml version="1.0" encoding="utf-8"?>
-<p:notes xmlns:a="http://schemas.openxmlformats.org/drawingml/2006/main" xmlns:r="http://schemas.openxmlformats.org/officeDocument/2006/relationships" xmlns:mc="http://schemas.openxmlformats.org/markup-compatibility/2006" xmlns:mv="urn:schemas-microsoft-com:mac:vml" xmlns:p="http://schemas.openxmlformats.org/presentationml/2006/main" xmlns:c="http://schemas.openxmlformats.org/drawingml/2006/chart" xmlns:dgm="http://schemas.openxmlformats.org/drawingml/2006/diagram" xmlns:o="urn:schemas-microsoft-com:office:office" xmlns:v="urn:schemas-microsoft-com:vml" xmlns:pvml="urn:schemas-microsoft-com:office:powerpoint" xmlns:com="http://schemas.openxmlformats.org/drawingml/2006/compatibility" xmlns:p14="http://schemas.microsoft.com/office/powerpoint/2010/main" xmlns:p15="http://schemas.microsoft.com/office/powerpoint/2012/main" xmlns:ahyp="http://schemas.microsoft.com/office/drawing/2018/hyperlinkcolor" showMasterPhAnim="0" showMasterSp="0">
+<p:notes xmlns:a="http://schemas.openxmlformats.org/drawingml/2006/main" xmlns:r="http://schemas.openxmlformats.org/officeDocument/2006/relationships" xmlns:p="http://schemas.openxmlformats.org/presentationml/2006/main" showMasterSp="0" showMasterPhAnim="0">
   <p:cSld>
     <p:spTree>
       <p:nvGrpSpPr>
-        <p:cNvPr id="65" name="Shape 65"/>
+        <p:cNvPr id="1" name="Shape 70"/>
+        <p:cNvGrpSpPr/>
+        <p:nvPr/>
+      </p:nvGrpSpPr>
+      <p:grpSpPr>
+        <a:xfrm>
+          <a:off x="0" y="0"/>
+          <a:ext cx="0" cy="0"/>
+          <a:chOff x="0" y="0"/>
+          <a:chExt cx="0" cy="0"/>
+        </a:xfrm>
+      </p:grpSpPr>
+      <p:sp>
+        <p:nvSpPr>
+          <p:cNvPr id="71" name="Google Shape;71;g2b98cac9cd8_0_17:notes"/>
+          <p:cNvSpPr>
+            <a:spLocks noGrp="1" noRot="1" noChangeAspect="1"/>
+          </p:cNvSpPr>
+          <p:nvPr>
+            <p:ph type="sldImg" idx="2"/>
+          </p:nvPr>
+        </p:nvSpPr>
+        <p:spPr>
+          <a:xfrm>
+            <a:off x="381000" y="685800"/>
+            <a:ext cx="6096000" cy="3429000"/>
+          </a:xfrm>
+          <a:custGeom>
+            <a:avLst/>
+            <a:gdLst/>
+            <a:ahLst/>
+            <a:cxnLst/>
+            <a:rect l="l" t="t" r="r" b="b"/>
+            <a:pathLst>
+              <a:path w="120000" h="120000" extrusionOk="0">
+                <a:moveTo>
+                  <a:pt x="0" y="0"/>
+                </a:moveTo>
+                <a:lnTo>
+                  <a:pt x="120000" y="0"/>
+                </a:lnTo>
+                <a:lnTo>
+                  <a:pt x="120000" y="120000"/>
+                </a:lnTo>
+                <a:lnTo>
+                  <a:pt x="0" y="120000"/>
+                </a:lnTo>
+                <a:close/>
+              </a:path>
+            </a:pathLst>
+          </a:custGeom>
+        </p:spPr>
+      </p:sp>
+      <p:sp>
+        <p:nvSpPr>
+          <p:cNvPr id="72" name="Google Shape;72;g2b98cac9cd8_0_17:notes"/>
+          <p:cNvSpPr txBox="1">
+            <a:spLocks noGrp="1"/>
+          </p:cNvSpPr>
+          <p:nvPr>
+            <p:ph type="body" idx="1"/>
+          </p:nvPr>
+        </p:nvSpPr>
+        <p:spPr>
+          <a:xfrm>
+            <a:off x="685800" y="4343400"/>
+            <a:ext cx="5486400" cy="4114800"/>
+          </a:xfrm>
+          <a:prstGeom prst="rect">
+            <a:avLst/>
+          </a:prstGeom>
+        </p:spPr>
+        <p:txBody>
+          <a:bodyPr spcFirstLastPara="1" wrap="square" lIns="91425" tIns="91425" rIns="91425" bIns="91425" anchor="t" anchorCtr="0">
+            <a:noAutofit/>
+          </a:bodyPr>
+          <a:lstStyle/>
+          <a:p>
+            <a:pPr marL="0" lvl="0" indent="0" algn="l" rtl="0">
+              <a:spcBef>
+                <a:spcPts val="0"/>
+              </a:spcBef>
+              <a:spcAft>
+                <a:spcPts val="0"/>
+              </a:spcAft>
+              <a:buNone/>
+            </a:pPr>
+            <a:endParaRPr/>
+          </a:p>
+        </p:txBody>
+      </p:sp>
+    </p:spTree>
+  </p:cSld>
+  <p:clrMapOvr>
+    <a:masterClrMapping/>
+  </p:clrMapOvr>
+</p:notes>
+</file>
+
+<file path=ppt/notesSlides/notesSlide3.xml><?xml version="1.0" encoding="utf-8"?>
+<p:notes xmlns:a="http://schemas.openxmlformats.org/drawingml/2006/main" xmlns:r="http://schemas.openxmlformats.org/officeDocument/2006/relationships" xmlns:p="http://schemas.openxmlformats.org/presentationml/2006/main" showMasterSp="0" showMasterPhAnim="0">
+  <p:cSld>
+    <p:spTree>
+      <p:nvGrpSpPr>
+        <p:cNvPr id="1" name="Shape 76"/>
+        <p:cNvGrpSpPr/>
+        <p:nvPr/>
+      </p:nvGrpSpPr>
+      <p:grpSpPr>
+        <a:xfrm>
+          <a:off x="0" y="0"/>
+          <a:ext cx="0" cy="0"/>
+          <a:chOff x="0" y="0"/>
+          <a:chExt cx="0" cy="0"/>
+        </a:xfrm>
+      </p:grpSpPr>
+      <p:sp>
+        <p:nvSpPr>
+          <p:cNvPr id="77" name="Google Shape;77;g2b98cac9cd8_0_27:notes"/>
+          <p:cNvSpPr>
+            <a:spLocks noGrp="1" noRot="1" noChangeAspect="1"/>
+          </p:cNvSpPr>
+          <p:nvPr>
+            <p:ph type="sldImg" idx="2"/>
+          </p:nvPr>
+        </p:nvSpPr>
+        <p:spPr>
+          <a:xfrm>
+            <a:off x="381000" y="685800"/>
+            <a:ext cx="6096000" cy="3429000"/>
+          </a:xfrm>
+          <a:custGeom>
+            <a:avLst/>
+            <a:gdLst/>
+            <a:ahLst/>
+            <a:cxnLst/>
+            <a:rect l="l" t="t" r="r" b="b"/>
+            <a:pathLst>
+              <a:path w="120000" h="120000" extrusionOk="0">
+                <a:moveTo>
+                  <a:pt x="0" y="0"/>
+                </a:moveTo>
+                <a:lnTo>
+                  <a:pt x="120000" y="0"/>
+                </a:lnTo>
+                <a:lnTo>
+                  <a:pt x="120000" y="120000"/>
+                </a:lnTo>
+                <a:lnTo>
+                  <a:pt x="0" y="120000"/>
+                </a:lnTo>
+                <a:close/>
+              </a:path>
+            </a:pathLst>
+          </a:custGeom>
+        </p:spPr>
+      </p:sp>
+      <p:sp>
+        <p:nvSpPr>
+          <p:cNvPr id="78" name="Google Shape;78;g2b98cac9cd8_0_27:notes"/>
+          <p:cNvSpPr txBox="1">
+            <a:spLocks noGrp="1"/>
+          </p:cNvSpPr>
+          <p:nvPr>
+            <p:ph type="body" idx="1"/>
+          </p:nvPr>
+        </p:nvSpPr>
+        <p:spPr>
+          <a:xfrm>
+            <a:off x="685800" y="4343400"/>
+            <a:ext cx="5486400" cy="4114800"/>
+          </a:xfrm>
+          <a:prstGeom prst="rect">
+            <a:avLst/>
+          </a:prstGeom>
+        </p:spPr>
+        <p:txBody>
+          <a:bodyPr spcFirstLastPara="1" wrap="square" lIns="91425" tIns="91425" rIns="91425" bIns="91425" anchor="t" anchorCtr="0">
+            <a:noAutofit/>
+          </a:bodyPr>
+          <a:lstStyle/>
+          <a:p>
+            <a:pPr marL="0" lvl="0" indent="0" algn="l" rtl="0">
+              <a:spcBef>
+                <a:spcPts val="0"/>
+              </a:spcBef>
+              <a:spcAft>
+                <a:spcPts val="0"/>
+              </a:spcAft>
+              <a:buNone/>
+            </a:pPr>
+            <a:endParaRPr/>
+          </a:p>
+        </p:txBody>
+      </p:sp>
+    </p:spTree>
+  </p:cSld>
+  <p:clrMapOvr>
+    <a:masterClrMapping/>
+  </p:clrMapOvr>
+</p:notes>
+</file>
+
+<file path=ppt/notesSlides/notesSlide4.xml><?xml version="1.0" encoding="utf-8"?>
+<p:notes xmlns:a="http://schemas.openxmlformats.org/drawingml/2006/main" xmlns:r="http://schemas.openxmlformats.org/officeDocument/2006/relationships" xmlns:p="http://schemas.openxmlformats.org/presentationml/2006/main" showMasterSp="0" showMasterPhAnim="0">
+  <p:cSld>
+    <p:spTree>
+      <p:nvGrpSpPr>
+        <p:cNvPr id="1" name="Shape 82"/>
+        <p:cNvGrpSpPr/>
+        <p:nvPr/>
+      </p:nvGrpSpPr>
+      <p:grpSpPr>
+        <a:xfrm>
+          <a:off x="0" y="0"/>
+          <a:ext cx="0" cy="0"/>
+          <a:chOff x="0" y="0"/>
+          <a:chExt cx="0" cy="0"/>
+        </a:xfrm>
+      </p:grpSpPr>
+      <p:sp>
+        <p:nvSpPr>
+          <p:cNvPr id="83" name="Google Shape;83;g26902ce950f_0_0:notes"/>
+          <p:cNvSpPr>
+            <a:spLocks noGrp="1" noRot="1" noChangeAspect="1"/>
+          </p:cNvSpPr>
+          <p:nvPr>
+            <p:ph type="sldImg" idx="2"/>
+          </p:nvPr>
+        </p:nvSpPr>
+        <p:spPr>
+          <a:xfrm>
+            <a:off x="381000" y="685800"/>
+            <a:ext cx="6096000" cy="3429000"/>
+          </a:xfrm>
+          <a:custGeom>
+            <a:avLst/>
+            <a:gdLst/>
+            <a:ahLst/>
+            <a:cxnLst/>
+            <a:rect l="l" t="t" r="r" b="b"/>
+            <a:pathLst>
+              <a:path w="120000" h="120000" extrusionOk="0">
+                <a:moveTo>
+                  <a:pt x="0" y="0"/>
+                </a:moveTo>
+                <a:lnTo>
+                  <a:pt x="120000" y="0"/>
+                </a:lnTo>
+                <a:lnTo>
+                  <a:pt x="120000" y="120000"/>
+                </a:lnTo>
+                <a:lnTo>
+                  <a:pt x="0" y="120000"/>
+                </a:lnTo>
+                <a:close/>
+              </a:path>
+            </a:pathLst>
+          </a:custGeom>
+        </p:spPr>
+      </p:sp>
+      <p:sp>
+        <p:nvSpPr>
+          <p:cNvPr id="84" name="Google Shape;84;g26902ce950f_0_0:notes"/>
+          <p:cNvSpPr txBox="1">
+            <a:spLocks noGrp="1"/>
+          </p:cNvSpPr>
+          <p:nvPr>
+            <p:ph type="body" idx="1"/>
+          </p:nvPr>
+        </p:nvSpPr>
+        <p:spPr>
+          <a:xfrm>
+            <a:off x="685800" y="4343400"/>
+            <a:ext cx="5486400" cy="4114800"/>
+          </a:xfrm>
+          <a:prstGeom prst="rect">
+            <a:avLst/>
+          </a:prstGeom>
+        </p:spPr>
+        <p:txBody>
+          <a:bodyPr spcFirstLastPara="1" wrap="square" lIns="91425" tIns="91425" rIns="91425" bIns="91425" anchor="t" anchorCtr="0">
+            <a:noAutofit/>
+          </a:bodyPr>
+          <a:lstStyle/>
+          <a:p>
+            <a:pPr marL="0" lvl="0" indent="0" algn="l" rtl="0">
+              <a:spcBef>
+                <a:spcPts val="0"/>
+              </a:spcBef>
+              <a:spcAft>
+                <a:spcPts val="0"/>
+              </a:spcAft>
+              <a:buNone/>
+            </a:pPr>
+            <a:endParaRPr/>
+          </a:p>
+        </p:txBody>
+      </p:sp>
+    </p:spTree>
+  </p:cSld>
+  <p:clrMapOvr>
+    <a:masterClrMapping/>
+  </p:clrMapOvr>
+</p:notes>
+</file>
+
+<file path=ppt/notesSlides/notesSlide5.xml><?xml version="1.0" encoding="utf-8"?>
+<p:notes xmlns:a="http://schemas.openxmlformats.org/drawingml/2006/main" xmlns:r="http://schemas.openxmlformats.org/officeDocument/2006/relationships" xmlns:p="http://schemas.openxmlformats.org/presentationml/2006/main" showMasterSp="0" showMasterPhAnim="0">
+  <p:cSld>
+    <p:spTree>
+      <p:nvGrpSpPr>
+        <p:cNvPr id="1" name="Shape 65"/>
         <p:cNvGrpSpPr/>
         <p:nvPr/>
       </p:nvGrpSpPr>
@@ -809,9 +1141,11 @@
       <p:sp>
         <p:nvSpPr>
           <p:cNvPr id="66" name="Google Shape;66;g2b98cac9cd8_0_0:notes"/>
-          <p:cNvSpPr/>
+          <p:cNvSpPr>
+            <a:spLocks noGrp="1" noRot="1" noChangeAspect="1"/>
+          </p:cNvSpPr>
           <p:nvPr>
-            <p:ph idx="2" type="sldImg"/>
+            <p:ph type="sldImg" idx="2"/>
           </p:nvPr>
         </p:nvSpPr>
         <p:spPr>
@@ -820,9 +1154,13 @@
             <a:ext cx="6096000" cy="3429000"/>
           </a:xfrm>
           <a:custGeom>
-            <a:rect b="b" l="l" r="r" t="t"/>
+            <a:avLst/>
+            <a:gdLst/>
+            <a:ahLst/>
+            <a:cxnLst/>
+            <a:rect l="l" t="t" r="r" b="b"/>
             <a:pathLst>
-              <a:path extrusionOk="0" h="120000" w="120000">
+              <a:path w="120000" h="120000" extrusionOk="0">
                 <a:moveTo>
                   <a:pt x="0" y="0"/>
                 </a:moveTo>
@@ -844,9 +1182,11 @@
       <p:sp>
         <p:nvSpPr>
           <p:cNvPr id="67" name="Google Shape;67;g2b98cac9cd8_0_0:notes"/>
-          <p:cNvSpPr txBox="1"/>
+          <p:cNvSpPr txBox="1">
+            <a:spLocks noGrp="1"/>
+          </p:cNvSpPr>
           <p:nvPr>
-            <p:ph idx="1" type="body"/>
+            <p:ph type="body" idx="1"/>
           </p:nvPr>
         </p:nvSpPr>
         <p:spPr>
@@ -859,12 +1199,12 @@
           </a:prstGeom>
         </p:spPr>
         <p:txBody>
-          <a:bodyPr anchorCtr="0" anchor="t" bIns="91425" lIns="91425" spcFirstLastPara="1" rIns="91425" wrap="square" tIns="91425">
+          <a:bodyPr spcFirstLastPara="1" wrap="square" lIns="91425" tIns="91425" rIns="91425" bIns="91425" anchor="t" anchorCtr="0">
             <a:noAutofit/>
           </a:bodyPr>
           <a:lstStyle/>
           <a:p>
-            <a:pPr indent="0" lvl="0" marL="0" rtl="0" algn="l">
+            <a:pPr marL="0" lvl="0" indent="0" algn="l" rtl="0">
               <a:spcBef>
                 <a:spcPts val="0"/>
               </a:spcBef>
@@ -873,306 +1213,6 @@
               </a:spcAft>
               <a:buNone/>
             </a:pPr>
-            <a:r>
-              <a:t/>
-            </a:r>
-            <a:endParaRPr/>
-          </a:p>
-        </p:txBody>
-      </p:sp>
-    </p:spTree>
-  </p:cSld>
-  <p:clrMapOvr>
-    <a:masterClrMapping/>
-  </p:clrMapOvr>
-</p:notes>
-</file>
-
-<file path=ppt/notesSlides/notesSlide3.xml><?xml version="1.0" encoding="utf-8"?>
-<p:notes xmlns:a="http://schemas.openxmlformats.org/drawingml/2006/main" xmlns:r="http://schemas.openxmlformats.org/officeDocument/2006/relationships" xmlns:mc="http://schemas.openxmlformats.org/markup-compatibility/2006" xmlns:mv="urn:schemas-microsoft-com:mac:vml" xmlns:p="http://schemas.openxmlformats.org/presentationml/2006/main" xmlns:c="http://schemas.openxmlformats.org/drawingml/2006/chart" xmlns:dgm="http://schemas.openxmlformats.org/drawingml/2006/diagram" xmlns:o="urn:schemas-microsoft-com:office:office" xmlns:v="urn:schemas-microsoft-com:vml" xmlns:pvml="urn:schemas-microsoft-com:office:powerpoint" xmlns:com="http://schemas.openxmlformats.org/drawingml/2006/compatibility" xmlns:p14="http://schemas.microsoft.com/office/powerpoint/2010/main" xmlns:p15="http://schemas.microsoft.com/office/powerpoint/2012/main" xmlns:ahyp="http://schemas.microsoft.com/office/drawing/2018/hyperlinkcolor" showMasterPhAnim="0" showMasterSp="0">
-  <p:cSld>
-    <p:spTree>
-      <p:nvGrpSpPr>
-        <p:cNvPr id="70" name="Shape 70"/>
-        <p:cNvGrpSpPr/>
-        <p:nvPr/>
-      </p:nvGrpSpPr>
-      <p:grpSpPr>
-        <a:xfrm>
-          <a:off x="0" y="0"/>
-          <a:ext cx="0" cy="0"/>
-          <a:chOff x="0" y="0"/>
-          <a:chExt cx="0" cy="0"/>
-        </a:xfrm>
-      </p:grpSpPr>
-      <p:sp>
-        <p:nvSpPr>
-          <p:cNvPr id="71" name="Google Shape;71;g2b98cac9cd8_0_17:notes"/>
-          <p:cNvSpPr/>
-          <p:nvPr>
-            <p:ph idx="2" type="sldImg"/>
-          </p:nvPr>
-        </p:nvSpPr>
-        <p:spPr>
-          <a:xfrm>
-            <a:off x="381300" y="685800"/>
-            <a:ext cx="6096000" cy="3429000"/>
-          </a:xfrm>
-          <a:custGeom>
-            <a:rect b="b" l="l" r="r" t="t"/>
-            <a:pathLst>
-              <a:path extrusionOk="0" h="120000" w="120000">
-                <a:moveTo>
-                  <a:pt x="0" y="0"/>
-                </a:moveTo>
-                <a:lnTo>
-                  <a:pt x="120000" y="0"/>
-                </a:lnTo>
-                <a:lnTo>
-                  <a:pt x="120000" y="120000"/>
-                </a:lnTo>
-                <a:lnTo>
-                  <a:pt x="0" y="120000"/>
-                </a:lnTo>
-                <a:close/>
-              </a:path>
-            </a:pathLst>
-          </a:custGeom>
-        </p:spPr>
-      </p:sp>
-      <p:sp>
-        <p:nvSpPr>
-          <p:cNvPr id="72" name="Google Shape;72;g2b98cac9cd8_0_17:notes"/>
-          <p:cNvSpPr txBox="1"/>
-          <p:nvPr>
-            <p:ph idx="1" type="body"/>
-          </p:nvPr>
-        </p:nvSpPr>
-        <p:spPr>
-          <a:xfrm>
-            <a:off x="685800" y="4343400"/>
-            <a:ext cx="5486400" cy="4114800"/>
-          </a:xfrm>
-          <a:prstGeom prst="rect">
-            <a:avLst/>
-          </a:prstGeom>
-        </p:spPr>
-        <p:txBody>
-          <a:bodyPr anchorCtr="0" anchor="t" bIns="91425" lIns="91425" spcFirstLastPara="1" rIns="91425" wrap="square" tIns="91425">
-            <a:noAutofit/>
-          </a:bodyPr>
-          <a:lstStyle/>
-          <a:p>
-            <a:pPr indent="0" lvl="0" marL="0" rtl="0" algn="l">
-              <a:spcBef>
-                <a:spcPts val="0"/>
-              </a:spcBef>
-              <a:spcAft>
-                <a:spcPts val="0"/>
-              </a:spcAft>
-              <a:buNone/>
-            </a:pPr>
-            <a:r>
-              <a:t/>
-            </a:r>
-            <a:endParaRPr/>
-          </a:p>
-        </p:txBody>
-      </p:sp>
-    </p:spTree>
-  </p:cSld>
-  <p:clrMapOvr>
-    <a:masterClrMapping/>
-  </p:clrMapOvr>
-</p:notes>
-</file>
-
-<file path=ppt/notesSlides/notesSlide4.xml><?xml version="1.0" encoding="utf-8"?>
-<p:notes xmlns:a="http://schemas.openxmlformats.org/drawingml/2006/main" xmlns:r="http://schemas.openxmlformats.org/officeDocument/2006/relationships" xmlns:mc="http://schemas.openxmlformats.org/markup-compatibility/2006" xmlns:mv="urn:schemas-microsoft-com:mac:vml" xmlns:p="http://schemas.openxmlformats.org/presentationml/2006/main" xmlns:c="http://schemas.openxmlformats.org/drawingml/2006/chart" xmlns:dgm="http://schemas.openxmlformats.org/drawingml/2006/diagram" xmlns:o="urn:schemas-microsoft-com:office:office" xmlns:v="urn:schemas-microsoft-com:vml" xmlns:pvml="urn:schemas-microsoft-com:office:powerpoint" xmlns:com="http://schemas.openxmlformats.org/drawingml/2006/compatibility" xmlns:p14="http://schemas.microsoft.com/office/powerpoint/2010/main" xmlns:p15="http://schemas.microsoft.com/office/powerpoint/2012/main" xmlns:ahyp="http://schemas.microsoft.com/office/drawing/2018/hyperlinkcolor" showMasterPhAnim="0" showMasterSp="0">
-  <p:cSld>
-    <p:spTree>
-      <p:nvGrpSpPr>
-        <p:cNvPr id="76" name="Shape 76"/>
-        <p:cNvGrpSpPr/>
-        <p:nvPr/>
-      </p:nvGrpSpPr>
-      <p:grpSpPr>
-        <a:xfrm>
-          <a:off x="0" y="0"/>
-          <a:ext cx="0" cy="0"/>
-          <a:chOff x="0" y="0"/>
-          <a:chExt cx="0" cy="0"/>
-        </a:xfrm>
-      </p:grpSpPr>
-      <p:sp>
-        <p:nvSpPr>
-          <p:cNvPr id="77" name="Google Shape;77;g2b98cac9cd8_0_27:notes"/>
-          <p:cNvSpPr/>
-          <p:nvPr>
-            <p:ph idx="2" type="sldImg"/>
-          </p:nvPr>
-        </p:nvSpPr>
-        <p:spPr>
-          <a:xfrm>
-            <a:off x="381300" y="685800"/>
-            <a:ext cx="6096000" cy="3429000"/>
-          </a:xfrm>
-          <a:custGeom>
-            <a:rect b="b" l="l" r="r" t="t"/>
-            <a:pathLst>
-              <a:path extrusionOk="0" h="120000" w="120000">
-                <a:moveTo>
-                  <a:pt x="0" y="0"/>
-                </a:moveTo>
-                <a:lnTo>
-                  <a:pt x="120000" y="0"/>
-                </a:lnTo>
-                <a:lnTo>
-                  <a:pt x="120000" y="120000"/>
-                </a:lnTo>
-                <a:lnTo>
-                  <a:pt x="0" y="120000"/>
-                </a:lnTo>
-                <a:close/>
-              </a:path>
-            </a:pathLst>
-          </a:custGeom>
-        </p:spPr>
-      </p:sp>
-      <p:sp>
-        <p:nvSpPr>
-          <p:cNvPr id="78" name="Google Shape;78;g2b98cac9cd8_0_27:notes"/>
-          <p:cNvSpPr txBox="1"/>
-          <p:nvPr>
-            <p:ph idx="1" type="body"/>
-          </p:nvPr>
-        </p:nvSpPr>
-        <p:spPr>
-          <a:xfrm>
-            <a:off x="685800" y="4343400"/>
-            <a:ext cx="5486400" cy="4114800"/>
-          </a:xfrm>
-          <a:prstGeom prst="rect">
-            <a:avLst/>
-          </a:prstGeom>
-        </p:spPr>
-        <p:txBody>
-          <a:bodyPr anchorCtr="0" anchor="t" bIns="91425" lIns="91425" spcFirstLastPara="1" rIns="91425" wrap="square" tIns="91425">
-            <a:noAutofit/>
-          </a:bodyPr>
-          <a:lstStyle/>
-          <a:p>
-            <a:pPr indent="0" lvl="0" marL="0" rtl="0" algn="l">
-              <a:spcBef>
-                <a:spcPts val="0"/>
-              </a:spcBef>
-              <a:spcAft>
-                <a:spcPts val="0"/>
-              </a:spcAft>
-              <a:buNone/>
-            </a:pPr>
-            <a:r>
-              <a:t/>
-            </a:r>
-            <a:endParaRPr/>
-          </a:p>
-        </p:txBody>
-      </p:sp>
-    </p:spTree>
-  </p:cSld>
-  <p:clrMapOvr>
-    <a:masterClrMapping/>
-  </p:clrMapOvr>
-</p:notes>
-</file>
-
-<file path=ppt/notesSlides/notesSlide5.xml><?xml version="1.0" encoding="utf-8"?>
-<p:notes xmlns:a="http://schemas.openxmlformats.org/drawingml/2006/main" xmlns:r="http://schemas.openxmlformats.org/officeDocument/2006/relationships" xmlns:mc="http://schemas.openxmlformats.org/markup-compatibility/2006" xmlns:mv="urn:schemas-microsoft-com:mac:vml" xmlns:p="http://schemas.openxmlformats.org/presentationml/2006/main" xmlns:c="http://schemas.openxmlformats.org/drawingml/2006/chart" xmlns:dgm="http://schemas.openxmlformats.org/drawingml/2006/diagram" xmlns:o="urn:schemas-microsoft-com:office:office" xmlns:v="urn:schemas-microsoft-com:vml" xmlns:pvml="urn:schemas-microsoft-com:office:powerpoint" xmlns:com="http://schemas.openxmlformats.org/drawingml/2006/compatibility" xmlns:p14="http://schemas.microsoft.com/office/powerpoint/2010/main" xmlns:p15="http://schemas.microsoft.com/office/powerpoint/2012/main" xmlns:ahyp="http://schemas.microsoft.com/office/drawing/2018/hyperlinkcolor" showMasterPhAnim="0" showMasterSp="0">
-  <p:cSld>
-    <p:spTree>
-      <p:nvGrpSpPr>
-        <p:cNvPr id="82" name="Shape 82"/>
-        <p:cNvGrpSpPr/>
-        <p:nvPr/>
-      </p:nvGrpSpPr>
-      <p:grpSpPr>
-        <a:xfrm>
-          <a:off x="0" y="0"/>
-          <a:ext cx="0" cy="0"/>
-          <a:chOff x="0" y="0"/>
-          <a:chExt cx="0" cy="0"/>
-        </a:xfrm>
-      </p:grpSpPr>
-      <p:sp>
-        <p:nvSpPr>
-          <p:cNvPr id="83" name="Google Shape;83;g26902ce950f_0_0:notes"/>
-          <p:cNvSpPr/>
-          <p:nvPr>
-            <p:ph idx="2" type="sldImg"/>
-          </p:nvPr>
-        </p:nvSpPr>
-        <p:spPr>
-          <a:xfrm>
-            <a:off x="381300" y="685800"/>
-            <a:ext cx="6096000" cy="3429000"/>
-          </a:xfrm>
-          <a:custGeom>
-            <a:rect b="b" l="l" r="r" t="t"/>
-            <a:pathLst>
-              <a:path extrusionOk="0" h="120000" w="120000">
-                <a:moveTo>
-                  <a:pt x="0" y="0"/>
-                </a:moveTo>
-                <a:lnTo>
-                  <a:pt x="120000" y="0"/>
-                </a:lnTo>
-                <a:lnTo>
-                  <a:pt x="120000" y="120000"/>
-                </a:lnTo>
-                <a:lnTo>
-                  <a:pt x="0" y="120000"/>
-                </a:lnTo>
-                <a:close/>
-              </a:path>
-            </a:pathLst>
-          </a:custGeom>
-        </p:spPr>
-      </p:sp>
-      <p:sp>
-        <p:nvSpPr>
-          <p:cNvPr id="84" name="Google Shape;84;g26902ce950f_0_0:notes"/>
-          <p:cNvSpPr txBox="1"/>
-          <p:nvPr>
-            <p:ph idx="1" type="body"/>
-          </p:nvPr>
-        </p:nvSpPr>
-        <p:spPr>
-          <a:xfrm>
-            <a:off x="685800" y="4343400"/>
-            <a:ext cx="5486400" cy="4114800"/>
-          </a:xfrm>
-          <a:prstGeom prst="rect">
-            <a:avLst/>
-          </a:prstGeom>
-        </p:spPr>
-        <p:txBody>
-          <a:bodyPr anchorCtr="0" anchor="t" bIns="91425" lIns="91425" spcFirstLastPara="1" rIns="91425" wrap="square" tIns="91425">
-            <a:noAutofit/>
-          </a:bodyPr>
-          <a:lstStyle/>
-          <a:p>
-            <a:pPr indent="0" lvl="0" marL="0" rtl="0" algn="l">
-              <a:spcBef>
-                <a:spcPts val="0"/>
-              </a:spcBef>
-              <a:spcAft>
-                <a:spcPts val="0"/>
-              </a:spcAft>
-              <a:buNone/>
-            </a:pPr>
-            <a:r>
-              <a:t/>
-            </a:r>
             <a:endParaRPr/>
           </a:p>
         </p:txBody>
@@ -1186,11 +1226,11 @@
 </file>
 
 <file path=ppt/slideLayouts/slideLayout1.xml><?xml version="1.0" encoding="utf-8"?>
-<p:sldLayout xmlns:a="http://schemas.openxmlformats.org/drawingml/2006/main" xmlns:r="http://schemas.openxmlformats.org/officeDocument/2006/relationships" xmlns:mc="http://schemas.openxmlformats.org/markup-compatibility/2006" xmlns:mv="urn:schemas-microsoft-com:mac:vml" xmlns:p="http://schemas.openxmlformats.org/presentationml/2006/main" xmlns:c="http://schemas.openxmlformats.org/drawingml/2006/chart" xmlns:dgm="http://schemas.openxmlformats.org/drawingml/2006/diagram" xmlns:o="urn:schemas-microsoft-com:office:office" xmlns:v="urn:schemas-microsoft-com:vml" xmlns:pvml="urn:schemas-microsoft-com:office:powerpoint" xmlns:com="http://schemas.openxmlformats.org/drawingml/2006/compatibility" xmlns:p14="http://schemas.microsoft.com/office/powerpoint/2010/main" xmlns:p15="http://schemas.microsoft.com/office/powerpoint/2012/main" xmlns:ahyp="http://schemas.microsoft.com/office/drawing/2018/hyperlinkcolor" matchingName="Title slide" type="title">
+<p:sldLayout xmlns:a="http://schemas.openxmlformats.org/drawingml/2006/main" xmlns:r="http://schemas.openxmlformats.org/officeDocument/2006/relationships" xmlns:p="http://schemas.openxmlformats.org/presentationml/2006/main" matchingName="Title slide" type="title">
   <p:cSld name="TITLE">
     <p:spTree>
       <p:nvGrpSpPr>
-        <p:cNvPr id="10" name="Shape 10"/>
+        <p:cNvPr id="1" name="Shape 10"/>
         <p:cNvGrpSpPr/>
         <p:nvPr/>
       </p:nvGrpSpPr>
@@ -1212,7 +1252,7 @@
           <a:blip r:embed="rId2">
             <a:alphaModFix/>
           </a:blip>
-          <a:srcRect b="22311" l="0" r="0" t="0"/>
+          <a:srcRect b="22311"/>
           <a:stretch/>
         </p:blipFill>
         <p:spPr>
@@ -1232,7 +1272,9 @@
       <p:sp>
         <p:nvSpPr>
           <p:cNvPr id="12" name="Google Shape;12;p2"/>
-          <p:cNvSpPr txBox="1"/>
+          <p:cNvSpPr txBox="1">
+            <a:spLocks noGrp="1"/>
+          </p:cNvSpPr>
           <p:nvPr>
             <p:ph type="ctrTitle"/>
           </p:nvPr>
@@ -1247,7 +1289,7 @@
           </a:prstGeom>
         </p:spPr>
         <p:txBody>
-          <a:bodyPr anchorCtr="0" anchor="b" bIns="91425" lIns="91425" spcFirstLastPara="1" rIns="91425" wrap="square" tIns="91425">
+          <a:bodyPr spcFirstLastPara="1" wrap="square" lIns="91425" tIns="91425" rIns="91425" bIns="91425" anchor="b" anchorCtr="0">
             <a:normAutofit/>
           </a:bodyPr>
           <a:lstStyle>
@@ -1414,15 +1456,19 @@
               </a:defRPr>
             </a:lvl9pPr>
           </a:lstStyle>
-          <a:p/>
+          <a:p>
+            <a:endParaRPr/>
+          </a:p>
         </p:txBody>
       </p:sp>
       <p:sp>
         <p:nvSpPr>
           <p:cNvPr id="13" name="Google Shape;13;p2"/>
-          <p:cNvSpPr txBox="1"/>
+          <p:cNvSpPr txBox="1">
+            <a:spLocks noGrp="1"/>
+          </p:cNvSpPr>
           <p:nvPr>
-            <p:ph idx="1" type="subTitle"/>
+            <p:ph type="subTitle" idx="1"/>
           </p:nvPr>
         </p:nvSpPr>
         <p:spPr>
@@ -1435,7 +1481,7 @@
           </a:prstGeom>
         </p:spPr>
         <p:txBody>
-          <a:bodyPr anchorCtr="0" anchor="t" bIns="91425" lIns="91425" spcFirstLastPara="1" rIns="91425" wrap="square" tIns="91425">
+          <a:bodyPr spcFirstLastPara="1" wrap="square" lIns="91425" tIns="91425" rIns="91425" bIns="91425" anchor="t" anchorCtr="0">
             <a:normAutofit/>
           </a:bodyPr>
           <a:lstStyle>
@@ -1573,15 +1619,19 @@
               <a:defRPr sz="2800"/>
             </a:lvl9pPr>
           </a:lstStyle>
-          <a:p/>
+          <a:p>
+            <a:endParaRPr/>
+          </a:p>
         </p:txBody>
       </p:sp>
       <p:sp>
         <p:nvSpPr>
           <p:cNvPr id="14" name="Google Shape;14;p2"/>
-          <p:cNvSpPr txBox="1"/>
+          <p:cNvSpPr txBox="1">
+            <a:spLocks noGrp="1"/>
+          </p:cNvSpPr>
           <p:nvPr>
-            <p:ph idx="12" type="sldNum"/>
+            <p:ph type="sldNum" idx="12"/>
           </p:nvPr>
         </p:nvSpPr>
         <p:spPr>
@@ -1594,7 +1644,7 @@
           </a:prstGeom>
         </p:spPr>
         <p:txBody>
-          <a:bodyPr anchorCtr="0" anchor="ctr" bIns="91425" lIns="91425" spcFirstLastPara="1" rIns="91425" wrap="square" tIns="91425">
+          <a:bodyPr spcFirstLastPara="1" wrap="square" lIns="91425" tIns="91425" rIns="91425" bIns="91425" anchor="ctr" anchorCtr="0">
             <a:normAutofit/>
           </a:bodyPr>
           <a:lstStyle>
@@ -1636,7 +1686,7 @@
             </a:lvl9pPr>
           </a:lstStyle>
           <a:p>
-            <a:pPr indent="0" lvl="0" marL="0" rtl="0" algn="r">
+            <a:pPr marL="0" lvl="0" indent="0" algn="r" rtl="0">
               <a:spcBef>
                 <a:spcPts val="0"/>
               </a:spcBef>
@@ -1712,9 +1762,11 @@
       <p:sp>
         <p:nvSpPr>
           <p:cNvPr id="17" name="Google Shape;17;p2"/>
-          <p:cNvSpPr txBox="1"/>
+          <p:cNvSpPr txBox="1">
+            <a:spLocks noGrp="1"/>
+          </p:cNvSpPr>
           <p:nvPr>
-            <p:ph idx="2" type="subTitle"/>
+            <p:ph type="subTitle" idx="2"/>
           </p:nvPr>
         </p:nvSpPr>
         <p:spPr>
@@ -1727,11 +1779,11 @@
           </a:prstGeom>
         </p:spPr>
         <p:txBody>
-          <a:bodyPr anchorCtr="0" anchor="t" bIns="91425" lIns="91425" spcFirstLastPara="1" rIns="91425" wrap="square" tIns="91425">
+          <a:bodyPr spcFirstLastPara="1" wrap="square" lIns="91425" tIns="91425" rIns="91425" bIns="91425" anchor="t" anchorCtr="0">
             <a:normAutofit/>
           </a:bodyPr>
           <a:lstStyle>
-            <a:lvl1pPr lvl="0" rtl="0" algn="ctr">
+            <a:lvl1pPr lvl="0" algn="ctr" rtl="0">
               <a:lnSpc>
                 <a:spcPct val="100000"/>
               </a:lnSpc>
@@ -1746,13 +1798,13 @@
               </a:buClr>
               <a:buSzPts val="2000"/>
               <a:buNone/>
-              <a:defRPr i="1" sz="2000">
+              <a:defRPr sz="2000" i="1">
                 <a:solidFill>
                   <a:schemeClr val="lt1"/>
                 </a:solidFill>
               </a:defRPr>
             </a:lvl1pPr>
-            <a:lvl2pPr lvl="1" rtl="0" algn="ctr">
+            <a:lvl2pPr lvl="1" algn="ctr" rtl="0">
               <a:lnSpc>
                 <a:spcPct val="100000"/>
               </a:lnSpc>
@@ -1766,7 +1818,7 @@
               <a:buNone/>
               <a:defRPr sz="2800"/>
             </a:lvl2pPr>
-            <a:lvl3pPr lvl="2" rtl="0" algn="ctr">
+            <a:lvl3pPr lvl="2" algn="ctr" rtl="0">
               <a:lnSpc>
                 <a:spcPct val="100000"/>
               </a:lnSpc>
@@ -1780,7 +1832,7 @@
               <a:buNone/>
               <a:defRPr sz="2800"/>
             </a:lvl3pPr>
-            <a:lvl4pPr lvl="3" rtl="0" algn="ctr">
+            <a:lvl4pPr lvl="3" algn="ctr" rtl="0">
               <a:lnSpc>
                 <a:spcPct val="100000"/>
               </a:lnSpc>
@@ -1794,7 +1846,7 @@
               <a:buNone/>
               <a:defRPr sz="2800"/>
             </a:lvl4pPr>
-            <a:lvl5pPr lvl="4" rtl="0" algn="ctr">
+            <a:lvl5pPr lvl="4" algn="ctr" rtl="0">
               <a:lnSpc>
                 <a:spcPct val="100000"/>
               </a:lnSpc>
@@ -1808,7 +1860,7 @@
               <a:buNone/>
               <a:defRPr sz="2800"/>
             </a:lvl5pPr>
-            <a:lvl6pPr lvl="5" rtl="0" algn="ctr">
+            <a:lvl6pPr lvl="5" algn="ctr" rtl="0">
               <a:lnSpc>
                 <a:spcPct val="100000"/>
               </a:lnSpc>
@@ -1822,7 +1874,7 @@
               <a:buNone/>
               <a:defRPr sz="2800"/>
             </a:lvl6pPr>
-            <a:lvl7pPr lvl="6" rtl="0" algn="ctr">
+            <a:lvl7pPr lvl="6" algn="ctr" rtl="0">
               <a:lnSpc>
                 <a:spcPct val="100000"/>
               </a:lnSpc>
@@ -1836,7 +1888,7 @@
               <a:buNone/>
               <a:defRPr sz="2800"/>
             </a:lvl7pPr>
-            <a:lvl8pPr lvl="7" rtl="0" algn="ctr">
+            <a:lvl8pPr lvl="7" algn="ctr" rtl="0">
               <a:lnSpc>
                 <a:spcPct val="100000"/>
               </a:lnSpc>
@@ -1850,7 +1902,7 @@
               <a:buNone/>
               <a:defRPr sz="2800"/>
             </a:lvl8pPr>
-            <a:lvl9pPr lvl="8" rtl="0" algn="ctr">
+            <a:lvl9pPr lvl="8" algn="ctr" rtl="0">
               <a:lnSpc>
                 <a:spcPct val="100000"/>
               </a:lnSpc>
@@ -1865,7 +1917,9 @@
               <a:defRPr sz="2800"/>
             </a:lvl9pPr>
           </a:lstStyle>
-          <a:p/>
+          <a:p>
+            <a:endParaRPr/>
+          </a:p>
         </p:txBody>
       </p:sp>
     </p:spTree>
@@ -1877,11 +1931,11 @@
 </file>
 
 <file path=ppt/slideLayouts/slideLayout10.xml><?xml version="1.0" encoding="utf-8"?>
-<p:sldLayout xmlns:a="http://schemas.openxmlformats.org/drawingml/2006/main" xmlns:r="http://schemas.openxmlformats.org/officeDocument/2006/relationships" xmlns:mc="http://schemas.openxmlformats.org/markup-compatibility/2006" xmlns:mv="urn:schemas-microsoft-com:mac:vml" xmlns:p="http://schemas.openxmlformats.org/presentationml/2006/main" xmlns:c="http://schemas.openxmlformats.org/drawingml/2006/chart" xmlns:dgm="http://schemas.openxmlformats.org/drawingml/2006/diagram" xmlns:o="urn:schemas-microsoft-com:office:office" xmlns:v="urn:schemas-microsoft-com:vml" xmlns:pvml="urn:schemas-microsoft-com:office:powerpoint" xmlns:com="http://schemas.openxmlformats.org/drawingml/2006/compatibility" xmlns:p14="http://schemas.microsoft.com/office/powerpoint/2010/main" xmlns:p15="http://schemas.microsoft.com/office/powerpoint/2012/main" xmlns:ahyp="http://schemas.microsoft.com/office/drawing/2018/hyperlinkcolor" matchingName="Big number">
+<p:sldLayout xmlns:a="http://schemas.openxmlformats.org/drawingml/2006/main" xmlns:r="http://schemas.openxmlformats.org/officeDocument/2006/relationships" xmlns:p="http://schemas.openxmlformats.org/presentationml/2006/main" matchingName="Big number">
   <p:cSld name="BIG_NUMBER">
     <p:spTree>
       <p:nvGrpSpPr>
-        <p:cNvPr id="52" name="Shape 52"/>
+        <p:cNvPr id="1" name="Shape 52"/>
         <p:cNvGrpSpPr/>
         <p:nvPr/>
       </p:nvGrpSpPr>
@@ -1896,9 +1950,11 @@
       <p:sp>
         <p:nvSpPr>
           <p:cNvPr id="53" name="Google Shape;53;p11"/>
-          <p:cNvSpPr txBox="1"/>
+          <p:cNvSpPr txBox="1">
+            <a:spLocks noGrp="1"/>
+          </p:cNvSpPr>
           <p:nvPr>
-            <p:ph hasCustomPrompt="1" type="title"/>
+            <p:ph type="title" hasCustomPrompt="1"/>
           </p:nvPr>
         </p:nvSpPr>
         <p:spPr>
@@ -1911,7 +1967,7 @@
           </a:prstGeom>
         </p:spPr>
         <p:txBody>
-          <a:bodyPr anchorCtr="0" anchor="b" bIns="91425" lIns="91425" spcFirstLastPara="1" rIns="91425" wrap="square" tIns="91425">
+          <a:bodyPr spcFirstLastPara="1" wrap="square" lIns="91425" tIns="91425" rIns="91425" bIns="91425" anchor="b" anchorCtr="0">
             <a:normAutofit/>
           </a:bodyPr>
           <a:lstStyle>
@@ -2025,9 +2081,11 @@
       <p:sp>
         <p:nvSpPr>
           <p:cNvPr id="54" name="Google Shape;54;p11"/>
-          <p:cNvSpPr txBox="1"/>
+          <p:cNvSpPr txBox="1">
+            <a:spLocks noGrp="1"/>
+          </p:cNvSpPr>
           <p:nvPr>
-            <p:ph idx="1" type="body"/>
+            <p:ph type="body" idx="1"/>
           </p:nvPr>
         </p:nvSpPr>
         <p:spPr>
@@ -2040,11 +2098,11 @@
           </a:prstGeom>
         </p:spPr>
         <p:txBody>
-          <a:bodyPr anchorCtr="0" anchor="t" bIns="91425" lIns="91425" spcFirstLastPara="1" rIns="91425" wrap="square" tIns="91425">
+          <a:bodyPr spcFirstLastPara="1" wrap="square" lIns="91425" tIns="91425" rIns="91425" bIns="91425" anchor="t" anchorCtr="0">
             <a:normAutofit/>
           </a:bodyPr>
           <a:lstStyle>
-            <a:lvl1pPr indent="-342900" lvl="0" marL="457200" algn="ctr">
+            <a:lvl1pPr marL="457200" lvl="0" indent="-342900" algn="ctr">
               <a:spcBef>
                 <a:spcPts val="0"/>
               </a:spcBef>
@@ -2055,7 +2113,7 @@
               <a:buChar char="●"/>
               <a:defRPr/>
             </a:lvl1pPr>
-            <a:lvl2pPr indent="-317500" lvl="1" marL="914400" algn="ctr">
+            <a:lvl2pPr marL="914400" lvl="1" indent="-317500" algn="ctr">
               <a:spcBef>
                 <a:spcPts val="0"/>
               </a:spcBef>
@@ -2066,7 +2124,7 @@
               <a:buChar char="○"/>
               <a:defRPr/>
             </a:lvl2pPr>
-            <a:lvl3pPr indent="-317500" lvl="2" marL="1371600" algn="ctr">
+            <a:lvl3pPr marL="1371600" lvl="2" indent="-317500" algn="ctr">
               <a:spcBef>
                 <a:spcPts val="0"/>
               </a:spcBef>
@@ -2077,7 +2135,7 @@
               <a:buChar char="■"/>
               <a:defRPr/>
             </a:lvl3pPr>
-            <a:lvl4pPr indent="-317500" lvl="3" marL="1828800" algn="ctr">
+            <a:lvl4pPr marL="1828800" lvl="3" indent="-317500" algn="ctr">
               <a:spcBef>
                 <a:spcPts val="0"/>
               </a:spcBef>
@@ -2088,7 +2146,7 @@
               <a:buChar char="●"/>
               <a:defRPr/>
             </a:lvl4pPr>
-            <a:lvl5pPr indent="-317500" lvl="4" marL="2286000" algn="ctr">
+            <a:lvl5pPr marL="2286000" lvl="4" indent="-317500" algn="ctr">
               <a:spcBef>
                 <a:spcPts val="0"/>
               </a:spcBef>
@@ -2099,7 +2157,7 @@
               <a:buChar char="○"/>
               <a:defRPr/>
             </a:lvl5pPr>
-            <a:lvl6pPr indent="-317500" lvl="5" marL="2743200" algn="ctr">
+            <a:lvl6pPr marL="2743200" lvl="5" indent="-317500" algn="ctr">
               <a:spcBef>
                 <a:spcPts val="0"/>
               </a:spcBef>
@@ -2110,7 +2168,7 @@
               <a:buChar char="■"/>
               <a:defRPr/>
             </a:lvl6pPr>
-            <a:lvl7pPr indent="-317500" lvl="6" marL="3200400" algn="ctr">
+            <a:lvl7pPr marL="3200400" lvl="6" indent="-317500" algn="ctr">
               <a:spcBef>
                 <a:spcPts val="0"/>
               </a:spcBef>
@@ -2121,7 +2179,7 @@
               <a:buChar char="●"/>
               <a:defRPr/>
             </a:lvl7pPr>
-            <a:lvl8pPr indent="-317500" lvl="7" marL="3657600" algn="ctr">
+            <a:lvl8pPr marL="3657600" lvl="7" indent="-317500" algn="ctr">
               <a:spcBef>
                 <a:spcPts val="0"/>
               </a:spcBef>
@@ -2132,7 +2190,7 @@
               <a:buChar char="○"/>
               <a:defRPr/>
             </a:lvl8pPr>
-            <a:lvl9pPr indent="-317500" lvl="8" marL="4114800" algn="ctr">
+            <a:lvl9pPr marL="4114800" lvl="8" indent="-317500" algn="ctr">
               <a:spcBef>
                 <a:spcPts val="0"/>
               </a:spcBef>
@@ -2144,15 +2202,19 @@
               <a:defRPr/>
             </a:lvl9pPr>
           </a:lstStyle>
-          <a:p/>
+          <a:p>
+            <a:endParaRPr/>
+          </a:p>
         </p:txBody>
       </p:sp>
       <p:sp>
         <p:nvSpPr>
           <p:cNvPr id="55" name="Google Shape;55;p11"/>
-          <p:cNvSpPr txBox="1"/>
+          <p:cNvSpPr txBox="1">
+            <a:spLocks noGrp="1"/>
+          </p:cNvSpPr>
           <p:nvPr>
-            <p:ph idx="12" type="sldNum"/>
+            <p:ph type="sldNum" idx="12"/>
           </p:nvPr>
         </p:nvSpPr>
         <p:spPr>
@@ -2165,7 +2227,7 @@
           </a:prstGeom>
         </p:spPr>
         <p:txBody>
-          <a:bodyPr anchorCtr="0" anchor="ctr" bIns="91425" lIns="91425" spcFirstLastPara="1" rIns="91425" wrap="square" tIns="91425">
+          <a:bodyPr spcFirstLastPara="1" wrap="square" lIns="91425" tIns="91425" rIns="91425" bIns="91425" anchor="ctr" anchorCtr="0">
             <a:normAutofit/>
           </a:bodyPr>
           <a:lstStyle>
@@ -2207,7 +2269,7 @@
             </a:lvl9pPr>
           </a:lstStyle>
           <a:p>
-            <a:pPr indent="0" lvl="0" marL="0" rtl="0" algn="r">
+            <a:pPr marL="0" lvl="0" indent="0" algn="r" rtl="0">
               <a:spcBef>
                 <a:spcPts val="0"/>
               </a:spcBef>
@@ -2233,11 +2295,11 @@
 </file>
 
 <file path=ppt/slideLayouts/slideLayout11.xml><?xml version="1.0" encoding="utf-8"?>
-<p:sldLayout xmlns:a="http://schemas.openxmlformats.org/drawingml/2006/main" xmlns:r="http://schemas.openxmlformats.org/officeDocument/2006/relationships" xmlns:mc="http://schemas.openxmlformats.org/markup-compatibility/2006" xmlns:mv="urn:schemas-microsoft-com:mac:vml" xmlns:p="http://schemas.openxmlformats.org/presentationml/2006/main" xmlns:c="http://schemas.openxmlformats.org/drawingml/2006/chart" xmlns:dgm="http://schemas.openxmlformats.org/drawingml/2006/diagram" xmlns:o="urn:schemas-microsoft-com:office:office" xmlns:v="urn:schemas-microsoft-com:vml" xmlns:pvml="urn:schemas-microsoft-com:office:powerpoint" xmlns:com="http://schemas.openxmlformats.org/drawingml/2006/compatibility" xmlns:p14="http://schemas.microsoft.com/office/powerpoint/2010/main" xmlns:p15="http://schemas.microsoft.com/office/powerpoint/2012/main" xmlns:ahyp="http://schemas.microsoft.com/office/drawing/2018/hyperlinkcolor" matchingName="Blank" type="blank">
+<p:sldLayout xmlns:a="http://schemas.openxmlformats.org/drawingml/2006/main" xmlns:r="http://schemas.openxmlformats.org/officeDocument/2006/relationships" xmlns:p="http://schemas.openxmlformats.org/presentationml/2006/main" matchingName="Blank" type="blank">
   <p:cSld name="BLANK">
     <p:spTree>
       <p:nvGrpSpPr>
-        <p:cNvPr id="56" name="Shape 56"/>
+        <p:cNvPr id="1" name="Shape 56"/>
         <p:cNvGrpSpPr/>
         <p:nvPr/>
       </p:nvGrpSpPr>
@@ -2252,9 +2314,11 @@
       <p:sp>
         <p:nvSpPr>
           <p:cNvPr id="57" name="Google Shape;57;p12"/>
-          <p:cNvSpPr txBox="1"/>
+          <p:cNvSpPr txBox="1">
+            <a:spLocks noGrp="1"/>
+          </p:cNvSpPr>
           <p:nvPr>
-            <p:ph idx="12" type="sldNum"/>
+            <p:ph type="sldNum" idx="12"/>
           </p:nvPr>
         </p:nvSpPr>
         <p:spPr>
@@ -2267,7 +2331,7 @@
           </a:prstGeom>
         </p:spPr>
         <p:txBody>
-          <a:bodyPr anchorCtr="0" anchor="ctr" bIns="91425" lIns="91425" spcFirstLastPara="1" rIns="91425" wrap="square" tIns="91425">
+          <a:bodyPr spcFirstLastPara="1" wrap="square" lIns="91425" tIns="91425" rIns="91425" bIns="91425" anchor="ctr" anchorCtr="0">
             <a:normAutofit/>
           </a:bodyPr>
           <a:lstStyle>
@@ -2309,7 +2373,7 @@
             </a:lvl9pPr>
           </a:lstStyle>
           <a:p>
-            <a:pPr indent="0" lvl="0" marL="0" rtl="0" algn="r">
+            <a:pPr marL="0" lvl="0" indent="0" algn="r" rtl="0">
               <a:spcBef>
                 <a:spcPts val="0"/>
               </a:spcBef>
@@ -2335,18 +2399,19 @@
 </file>
 
 <file path=ppt/slideLayouts/slideLayout2.xml><?xml version="1.0" encoding="utf-8"?>
-<p:sldLayout xmlns:a="http://schemas.openxmlformats.org/drawingml/2006/main" xmlns:r="http://schemas.openxmlformats.org/officeDocument/2006/relationships" xmlns:mc="http://schemas.openxmlformats.org/markup-compatibility/2006" xmlns:mv="urn:schemas-microsoft-com:mac:vml" xmlns:p="http://schemas.openxmlformats.org/presentationml/2006/main" xmlns:c="http://schemas.openxmlformats.org/drawingml/2006/chart" xmlns:dgm="http://schemas.openxmlformats.org/drawingml/2006/diagram" xmlns:o="urn:schemas-microsoft-com:office:office" xmlns:v="urn:schemas-microsoft-com:vml" xmlns:pvml="urn:schemas-microsoft-com:office:powerpoint" xmlns:com="http://schemas.openxmlformats.org/drawingml/2006/compatibility" xmlns:p14="http://schemas.microsoft.com/office/powerpoint/2010/main" xmlns:p15="http://schemas.microsoft.com/office/powerpoint/2012/main" xmlns:ahyp="http://schemas.microsoft.com/office/drawing/2018/hyperlinkcolor" matchingName="Section header" type="secHead">
+<p:sldLayout xmlns:a="http://schemas.openxmlformats.org/drawingml/2006/main" xmlns:r="http://schemas.openxmlformats.org/officeDocument/2006/relationships" xmlns:p="http://schemas.openxmlformats.org/presentationml/2006/main" matchingName="Section header" type="secHead">
   <p:cSld name="SECTION_HEADER">
     <p:bg>
       <p:bgPr>
         <a:solidFill>
           <a:schemeClr val="lt1"/>
         </a:solidFill>
+        <a:effectLst/>
       </p:bgPr>
     </p:bg>
     <p:spTree>
       <p:nvGrpSpPr>
-        <p:cNvPr id="18" name="Shape 18"/>
+        <p:cNvPr id="1" name="Shape 18"/>
         <p:cNvGrpSpPr/>
         <p:nvPr/>
       </p:nvGrpSpPr>
@@ -2368,7 +2433,7 @@
           <a:blip r:embed="rId2">
             <a:alphaModFix/>
           </a:blip>
-          <a:srcRect b="22311" l="0" r="0" t="0"/>
+          <a:srcRect b="22311"/>
           <a:stretch/>
         </p:blipFill>
         <p:spPr>
@@ -2388,7 +2453,9 @@
       <p:sp>
         <p:nvSpPr>
           <p:cNvPr id="20" name="Google Shape;20;p3"/>
-          <p:cNvSpPr txBox="1"/>
+          <p:cNvSpPr txBox="1">
+            <a:spLocks noGrp="1"/>
+          </p:cNvSpPr>
           <p:nvPr>
             <p:ph type="title"/>
           </p:nvPr>
@@ -2403,7 +2470,7 @@
           </a:prstGeom>
         </p:spPr>
         <p:txBody>
-          <a:bodyPr anchorCtr="0" anchor="ctr" bIns="91425" lIns="91425" spcFirstLastPara="1" rIns="91425" wrap="square" tIns="91425">
+          <a:bodyPr spcFirstLastPara="1" wrap="square" lIns="91425" tIns="91425" rIns="91425" bIns="91425" anchor="ctr" anchorCtr="0">
             <a:normAutofit/>
           </a:bodyPr>
           <a:lstStyle>
@@ -2419,7 +2486,7 @@
               </a:buClr>
               <a:buSzPts val="3600"/>
               <a:buNone/>
-              <a:defRPr b="1" sz="3600">
+              <a:defRPr sz="3600" b="1">
                 <a:solidFill>
                   <a:schemeClr val="lt1"/>
                 </a:solidFill>
@@ -2514,15 +2581,19 @@
               <a:defRPr sz="3600"/>
             </a:lvl9pPr>
           </a:lstStyle>
-          <a:p/>
+          <a:p>
+            <a:endParaRPr/>
+          </a:p>
         </p:txBody>
       </p:sp>
       <p:sp>
         <p:nvSpPr>
           <p:cNvPr id="21" name="Google Shape;21;p3"/>
-          <p:cNvSpPr txBox="1"/>
+          <p:cNvSpPr txBox="1">
+            <a:spLocks noGrp="1"/>
+          </p:cNvSpPr>
           <p:nvPr>
-            <p:ph idx="12" type="sldNum"/>
+            <p:ph type="sldNum" idx="12"/>
           </p:nvPr>
         </p:nvSpPr>
         <p:spPr>
@@ -2535,7 +2606,7 @@
           </a:prstGeom>
         </p:spPr>
         <p:txBody>
-          <a:bodyPr anchorCtr="0" anchor="ctr" bIns="91425" lIns="91425" spcFirstLastPara="1" rIns="91425" wrap="square" tIns="91425">
+          <a:bodyPr spcFirstLastPara="1" wrap="square" lIns="91425" tIns="91425" rIns="91425" bIns="91425" anchor="ctr" anchorCtr="0">
             <a:normAutofit/>
           </a:bodyPr>
           <a:lstStyle>
@@ -2577,7 +2648,7 @@
             </a:lvl9pPr>
           </a:lstStyle>
           <a:p>
-            <a:pPr indent="0" lvl="0" marL="0" rtl="0" algn="r">
+            <a:pPr marL="0" lvl="0" indent="0" algn="r" rtl="0">
               <a:spcBef>
                 <a:spcPts val="0"/>
               </a:spcBef>
@@ -2659,11 +2730,11 @@
 </file>
 
 <file path=ppt/slideLayouts/slideLayout3.xml><?xml version="1.0" encoding="utf-8"?>
-<p:sldLayout xmlns:a="http://schemas.openxmlformats.org/drawingml/2006/main" xmlns:r="http://schemas.openxmlformats.org/officeDocument/2006/relationships" xmlns:mc="http://schemas.openxmlformats.org/markup-compatibility/2006" xmlns:mv="urn:schemas-microsoft-com:mac:vml" xmlns:p="http://schemas.openxmlformats.org/presentationml/2006/main" xmlns:c="http://schemas.openxmlformats.org/drawingml/2006/chart" xmlns:dgm="http://schemas.openxmlformats.org/drawingml/2006/diagram" xmlns:o="urn:schemas-microsoft-com:office:office" xmlns:v="urn:schemas-microsoft-com:vml" xmlns:pvml="urn:schemas-microsoft-com:office:powerpoint" xmlns:com="http://schemas.openxmlformats.org/drawingml/2006/compatibility" xmlns:p14="http://schemas.microsoft.com/office/powerpoint/2010/main" xmlns:p15="http://schemas.microsoft.com/office/powerpoint/2012/main" xmlns:ahyp="http://schemas.microsoft.com/office/drawing/2018/hyperlinkcolor" matchingName="Title and body" type="tx">
+<p:sldLayout xmlns:a="http://schemas.openxmlformats.org/drawingml/2006/main" xmlns:r="http://schemas.openxmlformats.org/officeDocument/2006/relationships" xmlns:p="http://schemas.openxmlformats.org/presentationml/2006/main" matchingName="Title and body" type="tx">
   <p:cSld name="TITLE_AND_BODY">
     <p:spTree>
       <p:nvGrpSpPr>
-        <p:cNvPr id="24" name="Shape 24"/>
+        <p:cNvPr id="1" name="Shape 24"/>
         <p:cNvGrpSpPr/>
         <p:nvPr/>
       </p:nvGrpSpPr>
@@ -2678,7 +2749,9 @@
       <p:sp>
         <p:nvSpPr>
           <p:cNvPr id="25" name="Google Shape;25;p4"/>
-          <p:cNvSpPr txBox="1"/>
+          <p:cNvSpPr txBox="1">
+            <a:spLocks noGrp="1"/>
+          </p:cNvSpPr>
           <p:nvPr>
             <p:ph type="title"/>
           </p:nvPr>
@@ -2693,7 +2766,7 @@
           </a:prstGeom>
         </p:spPr>
         <p:txBody>
-          <a:bodyPr anchorCtr="0" anchor="t" bIns="91425" lIns="91425" spcFirstLastPara="1" rIns="91425" wrap="square" tIns="91425">
+          <a:bodyPr spcFirstLastPara="1" wrap="square" lIns="91425" tIns="91425" rIns="91425" bIns="91425" anchor="t" anchorCtr="0">
             <a:normAutofit/>
           </a:bodyPr>
           <a:lstStyle>
@@ -2797,15 +2870,19 @@
               <a:defRPr/>
             </a:lvl9pPr>
           </a:lstStyle>
-          <a:p/>
+          <a:p>
+            <a:endParaRPr/>
+          </a:p>
         </p:txBody>
       </p:sp>
       <p:sp>
         <p:nvSpPr>
           <p:cNvPr id="26" name="Google Shape;26;p4"/>
-          <p:cNvSpPr txBox="1"/>
+          <p:cNvSpPr txBox="1">
+            <a:spLocks noGrp="1"/>
+          </p:cNvSpPr>
           <p:nvPr>
-            <p:ph idx="1" type="body"/>
+            <p:ph type="body" idx="1"/>
           </p:nvPr>
         </p:nvSpPr>
         <p:spPr>
@@ -2818,11 +2895,11 @@
           </a:prstGeom>
         </p:spPr>
         <p:txBody>
-          <a:bodyPr anchorCtr="0" anchor="t" bIns="91425" lIns="91425" spcFirstLastPara="1" rIns="91425" wrap="square" tIns="91425">
+          <a:bodyPr spcFirstLastPara="1" wrap="square" lIns="91425" tIns="91425" rIns="91425" bIns="91425" anchor="t" anchorCtr="0">
             <a:normAutofit/>
           </a:bodyPr>
           <a:lstStyle>
-            <a:lvl1pPr indent="-342900" lvl="0" marL="457200">
+            <a:lvl1pPr marL="457200" lvl="0" indent="-342900">
               <a:spcBef>
                 <a:spcPts val="0"/>
               </a:spcBef>
@@ -2833,7 +2910,7 @@
               <a:buChar char="●"/>
               <a:defRPr/>
             </a:lvl1pPr>
-            <a:lvl2pPr indent="-317500" lvl="1" marL="914400">
+            <a:lvl2pPr marL="914400" lvl="1" indent="-317500">
               <a:spcBef>
                 <a:spcPts val="0"/>
               </a:spcBef>
@@ -2844,7 +2921,7 @@
               <a:buChar char="○"/>
               <a:defRPr/>
             </a:lvl2pPr>
-            <a:lvl3pPr indent="-317500" lvl="2" marL="1371600">
+            <a:lvl3pPr marL="1371600" lvl="2" indent="-317500">
               <a:spcBef>
                 <a:spcPts val="0"/>
               </a:spcBef>
@@ -2855,7 +2932,7 @@
               <a:buChar char="■"/>
               <a:defRPr/>
             </a:lvl3pPr>
-            <a:lvl4pPr indent="-317500" lvl="3" marL="1828800">
+            <a:lvl4pPr marL="1828800" lvl="3" indent="-317500">
               <a:spcBef>
                 <a:spcPts val="0"/>
               </a:spcBef>
@@ -2866,7 +2943,7 @@
               <a:buChar char="●"/>
               <a:defRPr/>
             </a:lvl4pPr>
-            <a:lvl5pPr indent="-317500" lvl="4" marL="2286000">
+            <a:lvl5pPr marL="2286000" lvl="4" indent="-317500">
               <a:spcBef>
                 <a:spcPts val="0"/>
               </a:spcBef>
@@ -2877,7 +2954,7 @@
               <a:buChar char="○"/>
               <a:defRPr/>
             </a:lvl5pPr>
-            <a:lvl6pPr indent="-317500" lvl="5" marL="2743200">
+            <a:lvl6pPr marL="2743200" lvl="5" indent="-317500">
               <a:spcBef>
                 <a:spcPts val="0"/>
               </a:spcBef>
@@ -2888,7 +2965,7 @@
               <a:buChar char="■"/>
               <a:defRPr/>
             </a:lvl6pPr>
-            <a:lvl7pPr indent="-317500" lvl="6" marL="3200400">
+            <a:lvl7pPr marL="3200400" lvl="6" indent="-317500">
               <a:spcBef>
                 <a:spcPts val="0"/>
               </a:spcBef>
@@ -2899,7 +2976,7 @@
               <a:buChar char="●"/>
               <a:defRPr/>
             </a:lvl7pPr>
-            <a:lvl8pPr indent="-317500" lvl="7" marL="3657600">
+            <a:lvl8pPr marL="3657600" lvl="7" indent="-317500">
               <a:spcBef>
                 <a:spcPts val="0"/>
               </a:spcBef>
@@ -2910,7 +2987,7 @@
               <a:buChar char="○"/>
               <a:defRPr/>
             </a:lvl8pPr>
-            <a:lvl9pPr indent="-317500" lvl="8" marL="4114800">
+            <a:lvl9pPr marL="4114800" lvl="8" indent="-317500">
               <a:spcBef>
                 <a:spcPts val="0"/>
               </a:spcBef>
@@ -2922,15 +2999,19 @@
               <a:defRPr/>
             </a:lvl9pPr>
           </a:lstStyle>
-          <a:p/>
+          <a:p>
+            <a:endParaRPr/>
+          </a:p>
         </p:txBody>
       </p:sp>
       <p:sp>
         <p:nvSpPr>
           <p:cNvPr id="27" name="Google Shape;27;p4"/>
-          <p:cNvSpPr txBox="1"/>
+          <p:cNvSpPr txBox="1">
+            <a:spLocks noGrp="1"/>
+          </p:cNvSpPr>
           <p:nvPr>
-            <p:ph idx="12" type="sldNum"/>
+            <p:ph type="sldNum" idx="12"/>
           </p:nvPr>
         </p:nvSpPr>
         <p:spPr>
@@ -2943,7 +3024,7 @@
           </a:prstGeom>
         </p:spPr>
         <p:txBody>
-          <a:bodyPr anchorCtr="0" anchor="ctr" bIns="91425" lIns="91425" spcFirstLastPara="1" rIns="91425" wrap="square" tIns="91425">
+          <a:bodyPr spcFirstLastPara="1" wrap="square" lIns="91425" tIns="91425" rIns="91425" bIns="91425" anchor="ctr" anchorCtr="0">
             <a:normAutofit/>
           </a:bodyPr>
           <a:lstStyle>
@@ -2985,7 +3066,7 @@
             </a:lvl9pPr>
           </a:lstStyle>
           <a:p>
-            <a:pPr indent="0" lvl="0" marL="0" rtl="0" algn="r">
+            <a:pPr marL="0" lvl="0" indent="0" algn="r" rtl="0">
               <a:spcBef>
                 <a:spcPts val="0"/>
               </a:spcBef>
@@ -3011,11 +3092,11 @@
 </file>
 
 <file path=ppt/slideLayouts/slideLayout4.xml><?xml version="1.0" encoding="utf-8"?>
-<p:sldLayout xmlns:a="http://schemas.openxmlformats.org/drawingml/2006/main" xmlns:r="http://schemas.openxmlformats.org/officeDocument/2006/relationships" xmlns:mc="http://schemas.openxmlformats.org/markup-compatibility/2006" xmlns:mv="urn:schemas-microsoft-com:mac:vml" xmlns:p="http://schemas.openxmlformats.org/presentationml/2006/main" xmlns:c="http://schemas.openxmlformats.org/drawingml/2006/chart" xmlns:dgm="http://schemas.openxmlformats.org/drawingml/2006/diagram" xmlns:o="urn:schemas-microsoft-com:office:office" xmlns:v="urn:schemas-microsoft-com:vml" xmlns:pvml="urn:schemas-microsoft-com:office:powerpoint" xmlns:com="http://schemas.openxmlformats.org/drawingml/2006/compatibility" xmlns:p14="http://schemas.microsoft.com/office/powerpoint/2010/main" xmlns:p15="http://schemas.microsoft.com/office/powerpoint/2012/main" xmlns:ahyp="http://schemas.microsoft.com/office/drawing/2018/hyperlinkcolor" matchingName="Title and two columns" type="twoColTx">
+<p:sldLayout xmlns:a="http://schemas.openxmlformats.org/drawingml/2006/main" xmlns:r="http://schemas.openxmlformats.org/officeDocument/2006/relationships" xmlns:p="http://schemas.openxmlformats.org/presentationml/2006/main" matchingName="Title and two columns" type="twoColTx">
   <p:cSld name="TITLE_AND_TWO_COLUMNS">
     <p:spTree>
       <p:nvGrpSpPr>
-        <p:cNvPr id="28" name="Shape 28"/>
+        <p:cNvPr id="1" name="Shape 28"/>
         <p:cNvGrpSpPr/>
         <p:nvPr/>
       </p:nvGrpSpPr>
@@ -3030,7 +3111,9 @@
       <p:sp>
         <p:nvSpPr>
           <p:cNvPr id="29" name="Google Shape;29;p5"/>
-          <p:cNvSpPr txBox="1"/>
+          <p:cNvSpPr txBox="1">
+            <a:spLocks noGrp="1"/>
+          </p:cNvSpPr>
           <p:nvPr>
             <p:ph type="title"/>
           </p:nvPr>
@@ -3045,7 +3128,7 @@
           </a:prstGeom>
         </p:spPr>
         <p:txBody>
-          <a:bodyPr anchorCtr="0" anchor="t" bIns="91425" lIns="91425" spcFirstLastPara="1" rIns="91425" wrap="square" tIns="91425">
+          <a:bodyPr spcFirstLastPara="1" wrap="square" lIns="91425" tIns="91425" rIns="91425" bIns="91425" anchor="t" anchorCtr="0">
             <a:normAutofit/>
           </a:bodyPr>
           <a:lstStyle>
@@ -3149,15 +3232,19 @@
               <a:defRPr/>
             </a:lvl9pPr>
           </a:lstStyle>
-          <a:p/>
+          <a:p>
+            <a:endParaRPr/>
+          </a:p>
         </p:txBody>
       </p:sp>
       <p:sp>
         <p:nvSpPr>
           <p:cNvPr id="30" name="Google Shape;30;p5"/>
-          <p:cNvSpPr txBox="1"/>
+          <p:cNvSpPr txBox="1">
+            <a:spLocks noGrp="1"/>
+          </p:cNvSpPr>
           <p:nvPr>
-            <p:ph idx="1" type="body"/>
+            <p:ph type="body" idx="1"/>
           </p:nvPr>
         </p:nvSpPr>
         <p:spPr>
@@ -3170,11 +3257,11 @@
           </a:prstGeom>
         </p:spPr>
         <p:txBody>
-          <a:bodyPr anchorCtr="0" anchor="t" bIns="91425" lIns="91425" spcFirstLastPara="1" rIns="91425" wrap="square" tIns="91425">
+          <a:bodyPr spcFirstLastPara="1" wrap="square" lIns="91425" tIns="91425" rIns="91425" bIns="91425" anchor="t" anchorCtr="0">
             <a:normAutofit/>
           </a:bodyPr>
           <a:lstStyle>
-            <a:lvl1pPr indent="-317500" lvl="0" marL="457200">
+            <a:lvl1pPr marL="457200" lvl="0" indent="-317500">
               <a:spcBef>
                 <a:spcPts val="0"/>
               </a:spcBef>
@@ -3185,7 +3272,7 @@
               <a:buChar char="●"/>
               <a:defRPr sz="1400"/>
             </a:lvl1pPr>
-            <a:lvl2pPr indent="-304800" lvl="1" marL="914400">
+            <a:lvl2pPr marL="914400" lvl="1" indent="-304800">
               <a:spcBef>
                 <a:spcPts val="0"/>
               </a:spcBef>
@@ -3196,7 +3283,7 @@
               <a:buChar char="○"/>
               <a:defRPr sz="1200"/>
             </a:lvl2pPr>
-            <a:lvl3pPr indent="-304800" lvl="2" marL="1371600">
+            <a:lvl3pPr marL="1371600" lvl="2" indent="-304800">
               <a:spcBef>
                 <a:spcPts val="0"/>
               </a:spcBef>
@@ -3207,7 +3294,7 @@
               <a:buChar char="■"/>
               <a:defRPr sz="1200"/>
             </a:lvl3pPr>
-            <a:lvl4pPr indent="-304800" lvl="3" marL="1828800">
+            <a:lvl4pPr marL="1828800" lvl="3" indent="-304800">
               <a:spcBef>
                 <a:spcPts val="0"/>
               </a:spcBef>
@@ -3218,7 +3305,7 @@
               <a:buChar char="●"/>
               <a:defRPr sz="1200"/>
             </a:lvl4pPr>
-            <a:lvl5pPr indent="-304800" lvl="4" marL="2286000">
+            <a:lvl5pPr marL="2286000" lvl="4" indent="-304800">
               <a:spcBef>
                 <a:spcPts val="0"/>
               </a:spcBef>
@@ -3229,7 +3316,7 @@
               <a:buChar char="○"/>
               <a:defRPr sz="1200"/>
             </a:lvl5pPr>
-            <a:lvl6pPr indent="-304800" lvl="5" marL="2743200">
+            <a:lvl6pPr marL="2743200" lvl="5" indent="-304800">
               <a:spcBef>
                 <a:spcPts val="0"/>
               </a:spcBef>
@@ -3240,7 +3327,7 @@
               <a:buChar char="■"/>
               <a:defRPr sz="1200"/>
             </a:lvl6pPr>
-            <a:lvl7pPr indent="-304800" lvl="6" marL="3200400">
+            <a:lvl7pPr marL="3200400" lvl="6" indent="-304800">
               <a:spcBef>
                 <a:spcPts val="0"/>
               </a:spcBef>
@@ -3251,7 +3338,7 @@
               <a:buChar char="●"/>
               <a:defRPr sz="1200"/>
             </a:lvl7pPr>
-            <a:lvl8pPr indent="-304800" lvl="7" marL="3657600">
+            <a:lvl8pPr marL="3657600" lvl="7" indent="-304800">
               <a:spcBef>
                 <a:spcPts val="0"/>
               </a:spcBef>
@@ -3262,7 +3349,7 @@
               <a:buChar char="○"/>
               <a:defRPr sz="1200"/>
             </a:lvl8pPr>
-            <a:lvl9pPr indent="-304800" lvl="8" marL="4114800">
+            <a:lvl9pPr marL="4114800" lvl="8" indent="-304800">
               <a:spcBef>
                 <a:spcPts val="0"/>
               </a:spcBef>
@@ -3274,15 +3361,19 @@
               <a:defRPr sz="1200"/>
             </a:lvl9pPr>
           </a:lstStyle>
-          <a:p/>
+          <a:p>
+            <a:endParaRPr/>
+          </a:p>
         </p:txBody>
       </p:sp>
       <p:sp>
         <p:nvSpPr>
           <p:cNvPr id="31" name="Google Shape;31;p5"/>
-          <p:cNvSpPr txBox="1"/>
+          <p:cNvSpPr txBox="1">
+            <a:spLocks noGrp="1"/>
+          </p:cNvSpPr>
           <p:nvPr>
-            <p:ph idx="2" type="body"/>
+            <p:ph type="body" idx="2"/>
           </p:nvPr>
         </p:nvSpPr>
         <p:spPr>
@@ -3295,11 +3386,11 @@
           </a:prstGeom>
         </p:spPr>
         <p:txBody>
-          <a:bodyPr anchorCtr="0" anchor="t" bIns="91425" lIns="91425" spcFirstLastPara="1" rIns="91425" wrap="square" tIns="91425">
+          <a:bodyPr spcFirstLastPara="1" wrap="square" lIns="91425" tIns="91425" rIns="91425" bIns="91425" anchor="t" anchorCtr="0">
             <a:normAutofit/>
           </a:bodyPr>
           <a:lstStyle>
-            <a:lvl1pPr indent="-317500" lvl="0" marL="457200">
+            <a:lvl1pPr marL="457200" lvl="0" indent="-317500">
               <a:spcBef>
                 <a:spcPts val="0"/>
               </a:spcBef>
@@ -3310,7 +3401,7 @@
               <a:buChar char="●"/>
               <a:defRPr sz="1400"/>
             </a:lvl1pPr>
-            <a:lvl2pPr indent="-304800" lvl="1" marL="914400">
+            <a:lvl2pPr marL="914400" lvl="1" indent="-304800">
               <a:spcBef>
                 <a:spcPts val="0"/>
               </a:spcBef>
@@ -3321,7 +3412,7 @@
               <a:buChar char="○"/>
               <a:defRPr sz="1200"/>
             </a:lvl2pPr>
-            <a:lvl3pPr indent="-304800" lvl="2" marL="1371600">
+            <a:lvl3pPr marL="1371600" lvl="2" indent="-304800">
               <a:spcBef>
                 <a:spcPts val="0"/>
               </a:spcBef>
@@ -3332,7 +3423,7 @@
               <a:buChar char="■"/>
               <a:defRPr sz="1200"/>
             </a:lvl3pPr>
-            <a:lvl4pPr indent="-304800" lvl="3" marL="1828800">
+            <a:lvl4pPr marL="1828800" lvl="3" indent="-304800">
               <a:spcBef>
                 <a:spcPts val="0"/>
               </a:spcBef>
@@ -3343,7 +3434,7 @@
               <a:buChar char="●"/>
               <a:defRPr sz="1200"/>
             </a:lvl4pPr>
-            <a:lvl5pPr indent="-304800" lvl="4" marL="2286000">
+            <a:lvl5pPr marL="2286000" lvl="4" indent="-304800">
               <a:spcBef>
                 <a:spcPts val="0"/>
               </a:spcBef>
@@ -3354,7 +3445,7 @@
               <a:buChar char="○"/>
               <a:defRPr sz="1200"/>
             </a:lvl5pPr>
-            <a:lvl6pPr indent="-304800" lvl="5" marL="2743200">
+            <a:lvl6pPr marL="2743200" lvl="5" indent="-304800">
               <a:spcBef>
                 <a:spcPts val="0"/>
               </a:spcBef>
@@ -3365,7 +3456,7 @@
               <a:buChar char="■"/>
               <a:defRPr sz="1200"/>
             </a:lvl6pPr>
-            <a:lvl7pPr indent="-304800" lvl="6" marL="3200400">
+            <a:lvl7pPr marL="3200400" lvl="6" indent="-304800">
               <a:spcBef>
                 <a:spcPts val="0"/>
               </a:spcBef>
@@ -3376,7 +3467,7 @@
               <a:buChar char="●"/>
               <a:defRPr sz="1200"/>
             </a:lvl7pPr>
-            <a:lvl8pPr indent="-304800" lvl="7" marL="3657600">
+            <a:lvl8pPr marL="3657600" lvl="7" indent="-304800">
               <a:spcBef>
                 <a:spcPts val="0"/>
               </a:spcBef>
@@ -3387,7 +3478,7 @@
               <a:buChar char="○"/>
               <a:defRPr sz="1200"/>
             </a:lvl8pPr>
-            <a:lvl9pPr indent="-304800" lvl="8" marL="4114800">
+            <a:lvl9pPr marL="4114800" lvl="8" indent="-304800">
               <a:spcBef>
                 <a:spcPts val="0"/>
               </a:spcBef>
@@ -3399,15 +3490,19 @@
               <a:defRPr sz="1200"/>
             </a:lvl9pPr>
           </a:lstStyle>
-          <a:p/>
+          <a:p>
+            <a:endParaRPr/>
+          </a:p>
         </p:txBody>
       </p:sp>
       <p:sp>
         <p:nvSpPr>
           <p:cNvPr id="32" name="Google Shape;32;p5"/>
-          <p:cNvSpPr txBox="1"/>
+          <p:cNvSpPr txBox="1">
+            <a:spLocks noGrp="1"/>
+          </p:cNvSpPr>
           <p:nvPr>
-            <p:ph idx="12" type="sldNum"/>
+            <p:ph type="sldNum" idx="12"/>
           </p:nvPr>
         </p:nvSpPr>
         <p:spPr>
@@ -3420,7 +3515,7 @@
           </a:prstGeom>
         </p:spPr>
         <p:txBody>
-          <a:bodyPr anchorCtr="0" anchor="ctr" bIns="91425" lIns="91425" spcFirstLastPara="1" rIns="91425" wrap="square" tIns="91425">
+          <a:bodyPr spcFirstLastPara="1" wrap="square" lIns="91425" tIns="91425" rIns="91425" bIns="91425" anchor="ctr" anchorCtr="0">
             <a:normAutofit/>
           </a:bodyPr>
           <a:lstStyle>
@@ -3462,7 +3557,7 @@
             </a:lvl9pPr>
           </a:lstStyle>
           <a:p>
-            <a:pPr indent="0" lvl="0" marL="0" rtl="0" algn="r">
+            <a:pPr marL="0" lvl="0" indent="0" algn="r" rtl="0">
               <a:spcBef>
                 <a:spcPts val="0"/>
               </a:spcBef>
@@ -3488,11 +3583,11 @@
 </file>
 
 <file path=ppt/slideLayouts/slideLayout5.xml><?xml version="1.0" encoding="utf-8"?>
-<p:sldLayout xmlns:a="http://schemas.openxmlformats.org/drawingml/2006/main" xmlns:r="http://schemas.openxmlformats.org/officeDocument/2006/relationships" xmlns:mc="http://schemas.openxmlformats.org/markup-compatibility/2006" xmlns:mv="urn:schemas-microsoft-com:mac:vml" xmlns:p="http://schemas.openxmlformats.org/presentationml/2006/main" xmlns:c="http://schemas.openxmlformats.org/drawingml/2006/chart" xmlns:dgm="http://schemas.openxmlformats.org/drawingml/2006/diagram" xmlns:o="urn:schemas-microsoft-com:office:office" xmlns:v="urn:schemas-microsoft-com:vml" xmlns:pvml="urn:schemas-microsoft-com:office:powerpoint" xmlns:com="http://schemas.openxmlformats.org/drawingml/2006/compatibility" xmlns:p14="http://schemas.microsoft.com/office/powerpoint/2010/main" xmlns:p15="http://schemas.microsoft.com/office/powerpoint/2012/main" xmlns:ahyp="http://schemas.microsoft.com/office/drawing/2018/hyperlinkcolor" matchingName="Title only" type="titleOnly">
+<p:sldLayout xmlns:a="http://schemas.openxmlformats.org/drawingml/2006/main" xmlns:r="http://schemas.openxmlformats.org/officeDocument/2006/relationships" xmlns:p="http://schemas.openxmlformats.org/presentationml/2006/main" matchingName="Title only" type="titleOnly">
   <p:cSld name="TITLE_ONLY">
     <p:spTree>
       <p:nvGrpSpPr>
-        <p:cNvPr id="33" name="Shape 33"/>
+        <p:cNvPr id="1" name="Shape 33"/>
         <p:cNvGrpSpPr/>
         <p:nvPr/>
       </p:nvGrpSpPr>
@@ -3507,7 +3602,9 @@
       <p:sp>
         <p:nvSpPr>
           <p:cNvPr id="34" name="Google Shape;34;p6"/>
-          <p:cNvSpPr txBox="1"/>
+          <p:cNvSpPr txBox="1">
+            <a:spLocks noGrp="1"/>
+          </p:cNvSpPr>
           <p:nvPr>
             <p:ph type="title"/>
           </p:nvPr>
@@ -3522,7 +3619,7 @@
           </a:prstGeom>
         </p:spPr>
         <p:txBody>
-          <a:bodyPr anchorCtr="0" anchor="t" bIns="91425" lIns="91425" spcFirstLastPara="1" rIns="91425" wrap="square" tIns="91425">
+          <a:bodyPr spcFirstLastPara="1" wrap="square" lIns="91425" tIns="91425" rIns="91425" bIns="91425" anchor="t" anchorCtr="0">
             <a:normAutofit/>
           </a:bodyPr>
           <a:lstStyle>
@@ -3626,15 +3723,19 @@
               <a:defRPr/>
             </a:lvl9pPr>
           </a:lstStyle>
-          <a:p/>
+          <a:p>
+            <a:endParaRPr/>
+          </a:p>
         </p:txBody>
       </p:sp>
       <p:sp>
         <p:nvSpPr>
           <p:cNvPr id="35" name="Google Shape;35;p6"/>
-          <p:cNvSpPr txBox="1"/>
+          <p:cNvSpPr txBox="1">
+            <a:spLocks noGrp="1"/>
+          </p:cNvSpPr>
           <p:nvPr>
-            <p:ph idx="12" type="sldNum"/>
+            <p:ph type="sldNum" idx="12"/>
           </p:nvPr>
         </p:nvSpPr>
         <p:spPr>
@@ -3647,7 +3748,7 @@
           </a:prstGeom>
         </p:spPr>
         <p:txBody>
-          <a:bodyPr anchorCtr="0" anchor="ctr" bIns="91425" lIns="91425" spcFirstLastPara="1" rIns="91425" wrap="square" tIns="91425">
+          <a:bodyPr spcFirstLastPara="1" wrap="square" lIns="91425" tIns="91425" rIns="91425" bIns="91425" anchor="ctr" anchorCtr="0">
             <a:normAutofit/>
           </a:bodyPr>
           <a:lstStyle>
@@ -3689,7 +3790,7 @@
             </a:lvl9pPr>
           </a:lstStyle>
           <a:p>
-            <a:pPr indent="0" lvl="0" marL="0" rtl="0" algn="r">
+            <a:pPr marL="0" lvl="0" indent="0" algn="r" rtl="0">
               <a:spcBef>
                 <a:spcPts val="0"/>
               </a:spcBef>
@@ -3715,11 +3816,11 @@
 </file>
 
 <file path=ppt/slideLayouts/slideLayout6.xml><?xml version="1.0" encoding="utf-8"?>
-<p:sldLayout xmlns:a="http://schemas.openxmlformats.org/drawingml/2006/main" xmlns:r="http://schemas.openxmlformats.org/officeDocument/2006/relationships" xmlns:mc="http://schemas.openxmlformats.org/markup-compatibility/2006" xmlns:mv="urn:schemas-microsoft-com:mac:vml" xmlns:p="http://schemas.openxmlformats.org/presentationml/2006/main" xmlns:c="http://schemas.openxmlformats.org/drawingml/2006/chart" xmlns:dgm="http://schemas.openxmlformats.org/drawingml/2006/diagram" xmlns:o="urn:schemas-microsoft-com:office:office" xmlns:v="urn:schemas-microsoft-com:vml" xmlns:pvml="urn:schemas-microsoft-com:office:powerpoint" xmlns:com="http://schemas.openxmlformats.org/drawingml/2006/compatibility" xmlns:p14="http://schemas.microsoft.com/office/powerpoint/2010/main" xmlns:p15="http://schemas.microsoft.com/office/powerpoint/2012/main" xmlns:ahyp="http://schemas.microsoft.com/office/drawing/2018/hyperlinkcolor" matchingName="One column text">
+<p:sldLayout xmlns:a="http://schemas.openxmlformats.org/drawingml/2006/main" xmlns:r="http://schemas.openxmlformats.org/officeDocument/2006/relationships" xmlns:p="http://schemas.openxmlformats.org/presentationml/2006/main" matchingName="One column text">
   <p:cSld name="ONE_COLUMN_TEXT">
     <p:spTree>
       <p:nvGrpSpPr>
-        <p:cNvPr id="36" name="Shape 36"/>
+        <p:cNvPr id="1" name="Shape 36"/>
         <p:cNvGrpSpPr/>
         <p:nvPr/>
       </p:nvGrpSpPr>
@@ -3734,7 +3835,9 @@
       <p:sp>
         <p:nvSpPr>
           <p:cNvPr id="37" name="Google Shape;37;p7"/>
-          <p:cNvSpPr txBox="1"/>
+          <p:cNvSpPr txBox="1">
+            <a:spLocks noGrp="1"/>
+          </p:cNvSpPr>
           <p:nvPr>
             <p:ph type="title"/>
           </p:nvPr>
@@ -3749,7 +3852,7 @@
           </a:prstGeom>
         </p:spPr>
         <p:txBody>
-          <a:bodyPr anchorCtr="0" anchor="b" bIns="91425" lIns="91425" spcFirstLastPara="1" rIns="91425" wrap="square" tIns="91425">
+          <a:bodyPr spcFirstLastPara="1" wrap="square" lIns="91425" tIns="91425" rIns="91425" bIns="91425" anchor="b" anchorCtr="0">
             <a:normAutofit/>
           </a:bodyPr>
           <a:lstStyle>
@@ -3762,7 +3865,7 @@
               </a:spcAft>
               <a:buSzPts val="2400"/>
               <a:buNone/>
-              <a:defRPr b="1" sz="2400"/>
+              <a:defRPr sz="2400" b="1"/>
             </a:lvl1pPr>
             <a:lvl2pPr lvl="1">
               <a:spcBef>
@@ -3853,15 +3956,19 @@
               <a:defRPr sz="2400"/>
             </a:lvl9pPr>
           </a:lstStyle>
-          <a:p/>
+          <a:p>
+            <a:endParaRPr/>
+          </a:p>
         </p:txBody>
       </p:sp>
       <p:sp>
         <p:nvSpPr>
           <p:cNvPr id="38" name="Google Shape;38;p7"/>
-          <p:cNvSpPr txBox="1"/>
+          <p:cNvSpPr txBox="1">
+            <a:spLocks noGrp="1"/>
+          </p:cNvSpPr>
           <p:nvPr>
-            <p:ph idx="1" type="body"/>
+            <p:ph type="body" idx="1"/>
           </p:nvPr>
         </p:nvSpPr>
         <p:spPr>
@@ -3874,11 +3981,11 @@
           </a:prstGeom>
         </p:spPr>
         <p:txBody>
-          <a:bodyPr anchorCtr="0" anchor="t" bIns="91425" lIns="91425" spcFirstLastPara="1" rIns="91425" wrap="square" tIns="91425">
+          <a:bodyPr spcFirstLastPara="1" wrap="square" lIns="91425" tIns="91425" rIns="91425" bIns="91425" anchor="t" anchorCtr="0">
             <a:normAutofit/>
           </a:bodyPr>
           <a:lstStyle>
-            <a:lvl1pPr indent="-304800" lvl="0" marL="457200">
+            <a:lvl1pPr marL="457200" lvl="0" indent="-304800">
               <a:spcBef>
                 <a:spcPts val="0"/>
               </a:spcBef>
@@ -3889,7 +3996,7 @@
               <a:buChar char="●"/>
               <a:defRPr sz="1200"/>
             </a:lvl1pPr>
-            <a:lvl2pPr indent="-304800" lvl="1" marL="914400">
+            <a:lvl2pPr marL="914400" lvl="1" indent="-304800">
               <a:spcBef>
                 <a:spcPts val="0"/>
               </a:spcBef>
@@ -3900,7 +4007,7 @@
               <a:buChar char="○"/>
               <a:defRPr sz="1200"/>
             </a:lvl2pPr>
-            <a:lvl3pPr indent="-304800" lvl="2" marL="1371600">
+            <a:lvl3pPr marL="1371600" lvl="2" indent="-304800">
               <a:spcBef>
                 <a:spcPts val="0"/>
               </a:spcBef>
@@ -3911,7 +4018,7 @@
               <a:buChar char="■"/>
               <a:defRPr sz="1200"/>
             </a:lvl3pPr>
-            <a:lvl4pPr indent="-304800" lvl="3" marL="1828800">
+            <a:lvl4pPr marL="1828800" lvl="3" indent="-304800">
               <a:spcBef>
                 <a:spcPts val="0"/>
               </a:spcBef>
@@ -3922,7 +4029,7 @@
               <a:buChar char="●"/>
               <a:defRPr sz="1200"/>
             </a:lvl4pPr>
-            <a:lvl5pPr indent="-304800" lvl="4" marL="2286000">
+            <a:lvl5pPr marL="2286000" lvl="4" indent="-304800">
               <a:spcBef>
                 <a:spcPts val="0"/>
               </a:spcBef>
@@ -3933,7 +4040,7 @@
               <a:buChar char="○"/>
               <a:defRPr sz="1200"/>
             </a:lvl5pPr>
-            <a:lvl6pPr indent="-304800" lvl="5" marL="2743200">
+            <a:lvl6pPr marL="2743200" lvl="5" indent="-304800">
               <a:spcBef>
                 <a:spcPts val="0"/>
               </a:spcBef>
@@ -3944,7 +4051,7 @@
               <a:buChar char="■"/>
               <a:defRPr sz="1200"/>
             </a:lvl6pPr>
-            <a:lvl7pPr indent="-304800" lvl="6" marL="3200400">
+            <a:lvl7pPr marL="3200400" lvl="6" indent="-304800">
               <a:spcBef>
                 <a:spcPts val="0"/>
               </a:spcBef>
@@ -3955,7 +4062,7 @@
               <a:buChar char="●"/>
               <a:defRPr sz="1200"/>
             </a:lvl7pPr>
-            <a:lvl8pPr indent="-304800" lvl="7" marL="3657600">
+            <a:lvl8pPr marL="3657600" lvl="7" indent="-304800">
               <a:spcBef>
                 <a:spcPts val="0"/>
               </a:spcBef>
@@ -3966,7 +4073,7 @@
               <a:buChar char="○"/>
               <a:defRPr sz="1200"/>
             </a:lvl8pPr>
-            <a:lvl9pPr indent="-304800" lvl="8" marL="4114800">
+            <a:lvl9pPr marL="4114800" lvl="8" indent="-304800">
               <a:spcBef>
                 <a:spcPts val="0"/>
               </a:spcBef>
@@ -3978,15 +4085,19 @@
               <a:defRPr sz="1200"/>
             </a:lvl9pPr>
           </a:lstStyle>
-          <a:p/>
+          <a:p>
+            <a:endParaRPr/>
+          </a:p>
         </p:txBody>
       </p:sp>
       <p:sp>
         <p:nvSpPr>
           <p:cNvPr id="39" name="Google Shape;39;p7"/>
-          <p:cNvSpPr txBox="1"/>
+          <p:cNvSpPr txBox="1">
+            <a:spLocks noGrp="1"/>
+          </p:cNvSpPr>
           <p:nvPr>
-            <p:ph idx="12" type="sldNum"/>
+            <p:ph type="sldNum" idx="12"/>
           </p:nvPr>
         </p:nvSpPr>
         <p:spPr>
@@ -3999,7 +4110,7 @@
           </a:prstGeom>
         </p:spPr>
         <p:txBody>
-          <a:bodyPr anchorCtr="0" anchor="ctr" bIns="91425" lIns="91425" spcFirstLastPara="1" rIns="91425" wrap="square" tIns="91425">
+          <a:bodyPr spcFirstLastPara="1" wrap="square" lIns="91425" tIns="91425" rIns="91425" bIns="91425" anchor="ctr" anchorCtr="0">
             <a:normAutofit/>
           </a:bodyPr>
           <a:lstStyle>
@@ -4041,7 +4152,7 @@
             </a:lvl9pPr>
           </a:lstStyle>
           <a:p>
-            <a:pPr indent="0" lvl="0" marL="0" rtl="0" algn="r">
+            <a:pPr marL="0" lvl="0" indent="0" algn="r" rtl="0">
               <a:spcBef>
                 <a:spcPts val="0"/>
               </a:spcBef>
@@ -4067,11 +4178,11 @@
 </file>
 
 <file path=ppt/slideLayouts/slideLayout7.xml><?xml version="1.0" encoding="utf-8"?>
-<p:sldLayout xmlns:a="http://schemas.openxmlformats.org/drawingml/2006/main" xmlns:r="http://schemas.openxmlformats.org/officeDocument/2006/relationships" xmlns:mc="http://schemas.openxmlformats.org/markup-compatibility/2006" xmlns:mv="urn:schemas-microsoft-com:mac:vml" xmlns:p="http://schemas.openxmlformats.org/presentationml/2006/main" xmlns:c="http://schemas.openxmlformats.org/drawingml/2006/chart" xmlns:dgm="http://schemas.openxmlformats.org/drawingml/2006/diagram" xmlns:o="urn:schemas-microsoft-com:office:office" xmlns:v="urn:schemas-microsoft-com:vml" xmlns:pvml="urn:schemas-microsoft-com:office:powerpoint" xmlns:com="http://schemas.openxmlformats.org/drawingml/2006/compatibility" xmlns:p14="http://schemas.microsoft.com/office/powerpoint/2010/main" xmlns:p15="http://schemas.microsoft.com/office/powerpoint/2012/main" xmlns:ahyp="http://schemas.microsoft.com/office/drawing/2018/hyperlinkcolor" matchingName="Main point">
+<p:sldLayout xmlns:a="http://schemas.openxmlformats.org/drawingml/2006/main" xmlns:r="http://schemas.openxmlformats.org/officeDocument/2006/relationships" xmlns:p="http://schemas.openxmlformats.org/presentationml/2006/main" matchingName="Main point">
   <p:cSld name="MAIN_POINT">
     <p:spTree>
       <p:nvGrpSpPr>
-        <p:cNvPr id="40" name="Shape 40"/>
+        <p:cNvPr id="1" name="Shape 40"/>
         <p:cNvGrpSpPr/>
         <p:nvPr/>
       </p:nvGrpSpPr>
@@ -4086,7 +4197,9 @@
       <p:sp>
         <p:nvSpPr>
           <p:cNvPr id="41" name="Google Shape;41;p8"/>
-          <p:cNvSpPr txBox="1"/>
+          <p:cNvSpPr txBox="1">
+            <a:spLocks noGrp="1"/>
+          </p:cNvSpPr>
           <p:nvPr>
             <p:ph type="title"/>
           </p:nvPr>
@@ -4101,7 +4214,7 @@
           </a:prstGeom>
         </p:spPr>
         <p:txBody>
-          <a:bodyPr anchorCtr="0" anchor="ctr" bIns="91425" lIns="91425" spcFirstLastPara="1" rIns="91425" wrap="square" tIns="91425">
+          <a:bodyPr spcFirstLastPara="1" wrap="square" lIns="91425" tIns="91425" rIns="91425" bIns="91425" anchor="ctr" anchorCtr="0">
             <a:normAutofit/>
           </a:bodyPr>
           <a:lstStyle>
@@ -4205,15 +4318,19 @@
               <a:defRPr sz="4800"/>
             </a:lvl9pPr>
           </a:lstStyle>
-          <a:p/>
+          <a:p>
+            <a:endParaRPr/>
+          </a:p>
         </p:txBody>
       </p:sp>
       <p:sp>
         <p:nvSpPr>
           <p:cNvPr id="42" name="Google Shape;42;p8"/>
-          <p:cNvSpPr txBox="1"/>
+          <p:cNvSpPr txBox="1">
+            <a:spLocks noGrp="1"/>
+          </p:cNvSpPr>
           <p:nvPr>
-            <p:ph idx="12" type="sldNum"/>
+            <p:ph type="sldNum" idx="12"/>
           </p:nvPr>
         </p:nvSpPr>
         <p:spPr>
@@ -4226,7 +4343,7 @@
           </a:prstGeom>
         </p:spPr>
         <p:txBody>
-          <a:bodyPr anchorCtr="0" anchor="ctr" bIns="91425" lIns="91425" spcFirstLastPara="1" rIns="91425" wrap="square" tIns="91425">
+          <a:bodyPr spcFirstLastPara="1" wrap="square" lIns="91425" tIns="91425" rIns="91425" bIns="91425" anchor="ctr" anchorCtr="0">
             <a:normAutofit/>
           </a:bodyPr>
           <a:lstStyle>
@@ -4268,7 +4385,7 @@
             </a:lvl9pPr>
           </a:lstStyle>
           <a:p>
-            <a:pPr indent="0" lvl="0" marL="0" rtl="0" algn="r">
+            <a:pPr marL="0" lvl="0" indent="0" algn="r" rtl="0">
               <a:spcBef>
                 <a:spcPts val="0"/>
               </a:spcBef>
@@ -4294,11 +4411,11 @@
 </file>
 
 <file path=ppt/slideLayouts/slideLayout8.xml><?xml version="1.0" encoding="utf-8"?>
-<p:sldLayout xmlns:a="http://schemas.openxmlformats.org/drawingml/2006/main" xmlns:r="http://schemas.openxmlformats.org/officeDocument/2006/relationships" xmlns:mc="http://schemas.openxmlformats.org/markup-compatibility/2006" xmlns:mv="urn:schemas-microsoft-com:mac:vml" xmlns:p="http://schemas.openxmlformats.org/presentationml/2006/main" xmlns:c="http://schemas.openxmlformats.org/drawingml/2006/chart" xmlns:dgm="http://schemas.openxmlformats.org/drawingml/2006/diagram" xmlns:o="urn:schemas-microsoft-com:office:office" xmlns:v="urn:schemas-microsoft-com:vml" xmlns:pvml="urn:schemas-microsoft-com:office:powerpoint" xmlns:com="http://schemas.openxmlformats.org/drawingml/2006/compatibility" xmlns:p14="http://schemas.microsoft.com/office/powerpoint/2010/main" xmlns:p15="http://schemas.microsoft.com/office/powerpoint/2012/main" xmlns:ahyp="http://schemas.microsoft.com/office/drawing/2018/hyperlinkcolor" matchingName="Section title and description">
+<p:sldLayout xmlns:a="http://schemas.openxmlformats.org/drawingml/2006/main" xmlns:r="http://schemas.openxmlformats.org/officeDocument/2006/relationships" xmlns:p="http://schemas.openxmlformats.org/presentationml/2006/main" matchingName="Section title and description">
   <p:cSld name="SECTION_TITLE_AND_DESCRIPTION">
     <p:spTree>
       <p:nvGrpSpPr>
-        <p:cNvPr id="43" name="Shape 43"/>
+        <p:cNvPr id="1" name="Shape 43"/>
         <p:cNvGrpSpPr/>
         <p:nvPr/>
       </p:nvGrpSpPr>
@@ -4332,12 +4449,12 @@
           </a:ln>
         </p:spPr>
         <p:txBody>
-          <a:bodyPr anchorCtr="0" anchor="ctr" bIns="91425" lIns="91425" spcFirstLastPara="1" rIns="91425" wrap="square" tIns="91425">
+          <a:bodyPr spcFirstLastPara="1" wrap="square" lIns="91425" tIns="91425" rIns="91425" bIns="91425" anchor="ctr" anchorCtr="0">
             <a:noAutofit/>
           </a:bodyPr>
           <a:lstStyle/>
           <a:p>
-            <a:pPr indent="0" lvl="0" marL="0" rtl="0" algn="l">
+            <a:pPr marL="0" lvl="0" indent="0" algn="l" rtl="0">
               <a:spcBef>
                 <a:spcPts val="0"/>
               </a:spcBef>
@@ -4346,9 +4463,6 @@
               </a:spcAft>
               <a:buNone/>
             </a:pPr>
-            <a:r>
-              <a:t/>
-            </a:r>
             <a:endParaRPr/>
           </a:p>
         </p:txBody>
@@ -4356,7 +4470,9 @@
       <p:sp>
         <p:nvSpPr>
           <p:cNvPr id="45" name="Google Shape;45;p9"/>
-          <p:cNvSpPr txBox="1"/>
+          <p:cNvSpPr txBox="1">
+            <a:spLocks noGrp="1"/>
+          </p:cNvSpPr>
           <p:nvPr>
             <p:ph type="title"/>
           </p:nvPr>
@@ -4371,7 +4487,7 @@
           </a:prstGeom>
         </p:spPr>
         <p:txBody>
-          <a:bodyPr anchorCtr="0" anchor="b" bIns="91425" lIns="91425" spcFirstLastPara="1" rIns="91425" wrap="square" tIns="91425">
+          <a:bodyPr spcFirstLastPara="1" wrap="square" lIns="91425" tIns="91425" rIns="91425" bIns="91425" anchor="b" anchorCtr="0">
             <a:normAutofit/>
           </a:bodyPr>
           <a:lstStyle>
@@ -4475,15 +4591,19 @@
               <a:defRPr sz="4200"/>
             </a:lvl9pPr>
           </a:lstStyle>
-          <a:p/>
+          <a:p>
+            <a:endParaRPr/>
+          </a:p>
         </p:txBody>
       </p:sp>
       <p:sp>
         <p:nvSpPr>
           <p:cNvPr id="46" name="Google Shape;46;p9"/>
-          <p:cNvSpPr txBox="1"/>
+          <p:cNvSpPr txBox="1">
+            <a:spLocks noGrp="1"/>
+          </p:cNvSpPr>
           <p:nvPr>
-            <p:ph idx="1" type="subTitle"/>
+            <p:ph type="subTitle" idx="1"/>
           </p:nvPr>
         </p:nvSpPr>
         <p:spPr>
@@ -4496,7 +4616,7 @@
           </a:prstGeom>
         </p:spPr>
         <p:txBody>
-          <a:bodyPr anchorCtr="0" anchor="t" bIns="91425" lIns="91425" spcFirstLastPara="1" rIns="91425" wrap="square" tIns="91425">
+          <a:bodyPr spcFirstLastPara="1" wrap="square" lIns="91425" tIns="91425" rIns="91425" bIns="91425" anchor="t" anchorCtr="0">
             <a:normAutofit/>
           </a:bodyPr>
           <a:lstStyle>
@@ -4627,15 +4747,19 @@
               <a:defRPr sz="2100"/>
             </a:lvl9pPr>
           </a:lstStyle>
-          <a:p/>
+          <a:p>
+            <a:endParaRPr/>
+          </a:p>
         </p:txBody>
       </p:sp>
       <p:sp>
         <p:nvSpPr>
           <p:cNvPr id="47" name="Google Shape;47;p9"/>
-          <p:cNvSpPr txBox="1"/>
+          <p:cNvSpPr txBox="1">
+            <a:spLocks noGrp="1"/>
+          </p:cNvSpPr>
           <p:nvPr>
-            <p:ph idx="2" type="body"/>
+            <p:ph type="body" idx="2"/>
           </p:nvPr>
         </p:nvSpPr>
         <p:spPr>
@@ -4648,11 +4772,11 @@
           </a:prstGeom>
         </p:spPr>
         <p:txBody>
-          <a:bodyPr anchorCtr="0" anchor="ctr" bIns="91425" lIns="91425" spcFirstLastPara="1" rIns="91425" wrap="square" tIns="91425">
+          <a:bodyPr spcFirstLastPara="1" wrap="square" lIns="91425" tIns="91425" rIns="91425" bIns="91425" anchor="ctr" anchorCtr="0">
             <a:normAutofit/>
           </a:bodyPr>
           <a:lstStyle>
-            <a:lvl1pPr indent="-342900" lvl="0" marL="457200">
+            <a:lvl1pPr marL="457200" lvl="0" indent="-342900">
               <a:spcBef>
                 <a:spcPts val="0"/>
               </a:spcBef>
@@ -4663,7 +4787,7 @@
               <a:buChar char="●"/>
               <a:defRPr/>
             </a:lvl1pPr>
-            <a:lvl2pPr indent="-317500" lvl="1" marL="914400">
+            <a:lvl2pPr marL="914400" lvl="1" indent="-317500">
               <a:spcBef>
                 <a:spcPts val="0"/>
               </a:spcBef>
@@ -4674,7 +4798,7 @@
               <a:buChar char="○"/>
               <a:defRPr/>
             </a:lvl2pPr>
-            <a:lvl3pPr indent="-317500" lvl="2" marL="1371600">
+            <a:lvl3pPr marL="1371600" lvl="2" indent="-317500">
               <a:spcBef>
                 <a:spcPts val="0"/>
               </a:spcBef>
@@ -4685,7 +4809,7 @@
               <a:buChar char="■"/>
               <a:defRPr/>
             </a:lvl3pPr>
-            <a:lvl4pPr indent="-317500" lvl="3" marL="1828800">
+            <a:lvl4pPr marL="1828800" lvl="3" indent="-317500">
               <a:spcBef>
                 <a:spcPts val="0"/>
               </a:spcBef>
@@ -4696,7 +4820,7 @@
               <a:buChar char="●"/>
               <a:defRPr/>
             </a:lvl4pPr>
-            <a:lvl5pPr indent="-317500" lvl="4" marL="2286000">
+            <a:lvl5pPr marL="2286000" lvl="4" indent="-317500">
               <a:spcBef>
                 <a:spcPts val="0"/>
               </a:spcBef>
@@ -4707,7 +4831,7 @@
               <a:buChar char="○"/>
               <a:defRPr/>
             </a:lvl5pPr>
-            <a:lvl6pPr indent="-317500" lvl="5" marL="2743200">
+            <a:lvl6pPr marL="2743200" lvl="5" indent="-317500">
               <a:spcBef>
                 <a:spcPts val="0"/>
               </a:spcBef>
@@ -4718,7 +4842,7 @@
               <a:buChar char="■"/>
               <a:defRPr/>
             </a:lvl6pPr>
-            <a:lvl7pPr indent="-317500" lvl="6" marL="3200400">
+            <a:lvl7pPr marL="3200400" lvl="6" indent="-317500">
               <a:spcBef>
                 <a:spcPts val="0"/>
               </a:spcBef>
@@ -4729,7 +4853,7 @@
               <a:buChar char="●"/>
               <a:defRPr/>
             </a:lvl7pPr>
-            <a:lvl8pPr indent="-317500" lvl="7" marL="3657600">
+            <a:lvl8pPr marL="3657600" lvl="7" indent="-317500">
               <a:spcBef>
                 <a:spcPts val="0"/>
               </a:spcBef>
@@ -4740,7 +4864,7 @@
               <a:buChar char="○"/>
               <a:defRPr/>
             </a:lvl8pPr>
-            <a:lvl9pPr indent="-317500" lvl="8" marL="4114800">
+            <a:lvl9pPr marL="4114800" lvl="8" indent="-317500">
               <a:spcBef>
                 <a:spcPts val="0"/>
               </a:spcBef>
@@ -4752,15 +4876,19 @@
               <a:defRPr/>
             </a:lvl9pPr>
           </a:lstStyle>
-          <a:p/>
+          <a:p>
+            <a:endParaRPr/>
+          </a:p>
         </p:txBody>
       </p:sp>
       <p:sp>
         <p:nvSpPr>
           <p:cNvPr id="48" name="Google Shape;48;p9"/>
-          <p:cNvSpPr txBox="1"/>
+          <p:cNvSpPr txBox="1">
+            <a:spLocks noGrp="1"/>
+          </p:cNvSpPr>
           <p:nvPr>
-            <p:ph idx="12" type="sldNum"/>
+            <p:ph type="sldNum" idx="12"/>
           </p:nvPr>
         </p:nvSpPr>
         <p:spPr>
@@ -4773,7 +4901,7 @@
           </a:prstGeom>
         </p:spPr>
         <p:txBody>
-          <a:bodyPr anchorCtr="0" anchor="ctr" bIns="91425" lIns="91425" spcFirstLastPara="1" rIns="91425" wrap="square" tIns="91425">
+          <a:bodyPr spcFirstLastPara="1" wrap="square" lIns="91425" tIns="91425" rIns="91425" bIns="91425" anchor="ctr" anchorCtr="0">
             <a:normAutofit/>
           </a:bodyPr>
           <a:lstStyle>
@@ -4815,7 +4943,7 @@
             </a:lvl9pPr>
           </a:lstStyle>
           <a:p>
-            <a:pPr indent="0" lvl="0" marL="0" rtl="0" algn="r">
+            <a:pPr marL="0" lvl="0" indent="0" algn="r" rtl="0">
               <a:spcBef>
                 <a:spcPts val="0"/>
               </a:spcBef>
@@ -4841,11 +4969,11 @@
 </file>
 
 <file path=ppt/slideLayouts/slideLayout9.xml><?xml version="1.0" encoding="utf-8"?>
-<p:sldLayout xmlns:a="http://schemas.openxmlformats.org/drawingml/2006/main" xmlns:r="http://schemas.openxmlformats.org/officeDocument/2006/relationships" xmlns:mc="http://schemas.openxmlformats.org/markup-compatibility/2006" xmlns:mv="urn:schemas-microsoft-com:mac:vml" xmlns:p="http://schemas.openxmlformats.org/presentationml/2006/main" xmlns:c="http://schemas.openxmlformats.org/drawingml/2006/chart" xmlns:dgm="http://schemas.openxmlformats.org/drawingml/2006/diagram" xmlns:o="urn:schemas-microsoft-com:office:office" xmlns:v="urn:schemas-microsoft-com:vml" xmlns:pvml="urn:schemas-microsoft-com:office:powerpoint" xmlns:com="http://schemas.openxmlformats.org/drawingml/2006/compatibility" xmlns:p14="http://schemas.microsoft.com/office/powerpoint/2010/main" xmlns:p15="http://schemas.microsoft.com/office/powerpoint/2012/main" xmlns:ahyp="http://schemas.microsoft.com/office/drawing/2018/hyperlinkcolor" matchingName="Caption">
+<p:sldLayout xmlns:a="http://schemas.openxmlformats.org/drawingml/2006/main" xmlns:r="http://schemas.openxmlformats.org/officeDocument/2006/relationships" xmlns:p="http://schemas.openxmlformats.org/presentationml/2006/main" matchingName="Caption">
   <p:cSld name="CAPTION_ONLY">
     <p:spTree>
       <p:nvGrpSpPr>
-        <p:cNvPr id="49" name="Shape 49"/>
+        <p:cNvPr id="1" name="Shape 49"/>
         <p:cNvGrpSpPr/>
         <p:nvPr/>
       </p:nvGrpSpPr>
@@ -4860,9 +4988,11 @@
       <p:sp>
         <p:nvSpPr>
           <p:cNvPr id="50" name="Google Shape;50;p10"/>
-          <p:cNvSpPr txBox="1"/>
+          <p:cNvSpPr txBox="1">
+            <a:spLocks noGrp="1"/>
+          </p:cNvSpPr>
           <p:nvPr>
-            <p:ph idx="1" type="body"/>
+            <p:ph type="body" idx="1"/>
           </p:nvPr>
         </p:nvSpPr>
         <p:spPr>
@@ -4875,11 +5005,11 @@
           </a:prstGeom>
         </p:spPr>
         <p:txBody>
-          <a:bodyPr anchorCtr="0" anchor="ctr" bIns="91425" lIns="91425" spcFirstLastPara="1" rIns="91425" wrap="square" tIns="91425">
+          <a:bodyPr spcFirstLastPara="1" wrap="square" lIns="91425" tIns="91425" rIns="91425" bIns="91425" anchor="ctr" anchorCtr="0">
             <a:normAutofit/>
           </a:bodyPr>
           <a:lstStyle>
-            <a:lvl1pPr indent="-228600" lvl="0" marL="457200">
+            <a:lvl1pPr marL="457200" lvl="0" indent="-228600">
               <a:lnSpc>
                 <a:spcPct val="100000"/>
               </a:lnSpc>
@@ -4894,15 +5024,19 @@
               <a:defRPr/>
             </a:lvl1pPr>
           </a:lstStyle>
-          <a:p/>
+          <a:p>
+            <a:endParaRPr/>
+          </a:p>
         </p:txBody>
       </p:sp>
       <p:sp>
         <p:nvSpPr>
           <p:cNvPr id="51" name="Google Shape;51;p10"/>
-          <p:cNvSpPr txBox="1"/>
+          <p:cNvSpPr txBox="1">
+            <a:spLocks noGrp="1"/>
+          </p:cNvSpPr>
           <p:nvPr>
-            <p:ph idx="12" type="sldNum"/>
+            <p:ph type="sldNum" idx="12"/>
           </p:nvPr>
         </p:nvSpPr>
         <p:spPr>
@@ -4915,7 +5049,7 @@
           </a:prstGeom>
         </p:spPr>
         <p:txBody>
-          <a:bodyPr anchorCtr="0" anchor="ctr" bIns="91425" lIns="91425" spcFirstLastPara="1" rIns="91425" wrap="square" tIns="91425">
+          <a:bodyPr spcFirstLastPara="1" wrap="square" lIns="91425" tIns="91425" rIns="91425" bIns="91425" anchor="ctr" anchorCtr="0">
             <a:normAutofit/>
           </a:bodyPr>
           <a:lstStyle>
@@ -4957,7 +5091,7 @@
             </a:lvl9pPr>
           </a:lstStyle>
           <a:p>
-            <a:pPr indent="0" lvl="0" marL="0" rtl="0" algn="r">
+            <a:pPr marL="0" lvl="0" indent="0" algn="r" rtl="0">
               <a:spcBef>
                 <a:spcPts val="0"/>
               </a:spcBef>
@@ -4983,18 +5117,19 @@
 </file>
 
 <file path=ppt/slideMasters/slideMaster1.xml><?xml version="1.0" encoding="utf-8"?>
-<p:sldMaster xmlns:a="http://schemas.openxmlformats.org/drawingml/2006/main" xmlns:r="http://schemas.openxmlformats.org/officeDocument/2006/relationships" xmlns:mc="http://schemas.openxmlformats.org/markup-compatibility/2006" xmlns:mv="urn:schemas-microsoft-com:mac:vml" xmlns:p="http://schemas.openxmlformats.org/presentationml/2006/main" xmlns:c="http://schemas.openxmlformats.org/drawingml/2006/chart" xmlns:dgm="http://schemas.openxmlformats.org/drawingml/2006/diagram" xmlns:o="urn:schemas-microsoft-com:office:office" xmlns:v="urn:schemas-microsoft-com:vml" xmlns:pvml="urn:schemas-microsoft-com:office:powerpoint" xmlns:com="http://schemas.openxmlformats.org/drawingml/2006/compatibility" xmlns:p14="http://schemas.microsoft.com/office/powerpoint/2010/main" xmlns:p15="http://schemas.microsoft.com/office/powerpoint/2012/main" xmlns:ahyp="http://schemas.microsoft.com/office/drawing/2018/hyperlinkcolor">
+<p:sldMaster xmlns:a="http://schemas.openxmlformats.org/drawingml/2006/main" xmlns:r="http://schemas.openxmlformats.org/officeDocument/2006/relationships" xmlns:p="http://schemas.openxmlformats.org/presentationml/2006/main">
   <p:cSld name="simple-light-2">
     <p:bg>
       <p:bgPr>
         <a:solidFill>
           <a:schemeClr val="lt1"/>
         </a:solidFill>
+        <a:effectLst/>
       </p:bgPr>
     </p:bg>
     <p:spTree>
       <p:nvGrpSpPr>
-        <p:cNvPr id="5" name="Shape 5"/>
+        <p:cNvPr id="1" name="Shape 5"/>
         <p:cNvGrpSpPr/>
         <p:nvPr/>
       </p:nvGrpSpPr>
@@ -5009,7 +5144,9 @@
       <p:sp>
         <p:nvSpPr>
           <p:cNvPr id="6" name="Google Shape;6;p1"/>
-          <p:cNvSpPr txBox="1"/>
+          <p:cNvSpPr txBox="1">
+            <a:spLocks noGrp="1"/>
+          </p:cNvSpPr>
           <p:nvPr>
             <p:ph type="title"/>
           </p:nvPr>
@@ -5028,7 +5165,7 @@
           </a:ln>
         </p:spPr>
         <p:txBody>
-          <a:bodyPr anchorCtr="0" anchor="t" bIns="91425" lIns="91425" spcFirstLastPara="1" rIns="91425" wrap="square" tIns="91425">
+          <a:bodyPr spcFirstLastPara="1" wrap="square" lIns="91425" tIns="91425" rIns="91425" bIns="91425" anchor="t" anchorCtr="0">
             <a:normAutofit/>
           </a:bodyPr>
           <a:lstStyle>
@@ -5195,15 +5332,19 @@
               </a:defRPr>
             </a:lvl9pPr>
           </a:lstStyle>
-          <a:p/>
+          <a:p>
+            <a:endParaRPr/>
+          </a:p>
         </p:txBody>
       </p:sp>
       <p:sp>
         <p:nvSpPr>
           <p:cNvPr id="7" name="Google Shape;7;p1"/>
-          <p:cNvSpPr txBox="1"/>
+          <p:cNvSpPr txBox="1">
+            <a:spLocks noGrp="1"/>
+          </p:cNvSpPr>
           <p:nvPr>
-            <p:ph idx="1" type="body"/>
+            <p:ph type="body" idx="1"/>
           </p:nvPr>
         </p:nvSpPr>
         <p:spPr>
@@ -5220,11 +5361,11 @@
           </a:ln>
         </p:spPr>
         <p:txBody>
-          <a:bodyPr anchorCtr="0" anchor="t" bIns="91425" lIns="91425" spcFirstLastPara="1" rIns="91425" wrap="square" tIns="91425">
+          <a:bodyPr spcFirstLastPara="1" wrap="square" lIns="91425" tIns="91425" rIns="91425" bIns="91425" anchor="t" anchorCtr="0">
             <a:normAutofit/>
           </a:bodyPr>
           <a:lstStyle>
-            <a:lvl1pPr indent="-342900" lvl="0" marL="457200">
+            <a:lvl1pPr marL="457200" lvl="0" indent="-342900">
               <a:lnSpc>
                 <a:spcPct val="115000"/>
               </a:lnSpc>
@@ -5245,7 +5386,7 @@
                 </a:solidFill>
               </a:defRPr>
             </a:lvl1pPr>
-            <a:lvl2pPr indent="-317500" lvl="1" marL="914400">
+            <a:lvl2pPr marL="914400" lvl="1" indent="-317500">
               <a:lnSpc>
                 <a:spcPct val="115000"/>
               </a:lnSpc>
@@ -5266,7 +5407,7 @@
                 </a:solidFill>
               </a:defRPr>
             </a:lvl2pPr>
-            <a:lvl3pPr indent="-317500" lvl="2" marL="1371600">
+            <a:lvl3pPr marL="1371600" lvl="2" indent="-317500">
               <a:lnSpc>
                 <a:spcPct val="115000"/>
               </a:lnSpc>
@@ -5287,7 +5428,7 @@
                 </a:solidFill>
               </a:defRPr>
             </a:lvl3pPr>
-            <a:lvl4pPr indent="-317500" lvl="3" marL="1828800">
+            <a:lvl4pPr marL="1828800" lvl="3" indent="-317500">
               <a:lnSpc>
                 <a:spcPct val="115000"/>
               </a:lnSpc>
@@ -5308,7 +5449,7 @@
                 </a:solidFill>
               </a:defRPr>
             </a:lvl4pPr>
-            <a:lvl5pPr indent="-317500" lvl="4" marL="2286000">
+            <a:lvl5pPr marL="2286000" lvl="4" indent="-317500">
               <a:lnSpc>
                 <a:spcPct val="115000"/>
               </a:lnSpc>
@@ -5329,7 +5470,7 @@
                 </a:solidFill>
               </a:defRPr>
             </a:lvl5pPr>
-            <a:lvl6pPr indent="-317500" lvl="5" marL="2743200">
+            <a:lvl6pPr marL="2743200" lvl="5" indent="-317500">
               <a:lnSpc>
                 <a:spcPct val="115000"/>
               </a:lnSpc>
@@ -5350,7 +5491,7 @@
                 </a:solidFill>
               </a:defRPr>
             </a:lvl6pPr>
-            <a:lvl7pPr indent="-317500" lvl="6" marL="3200400">
+            <a:lvl7pPr marL="3200400" lvl="6" indent="-317500">
               <a:lnSpc>
                 <a:spcPct val="115000"/>
               </a:lnSpc>
@@ -5371,7 +5512,7 @@
                 </a:solidFill>
               </a:defRPr>
             </a:lvl7pPr>
-            <a:lvl8pPr indent="-317500" lvl="7" marL="3657600">
+            <a:lvl8pPr marL="3657600" lvl="7" indent="-317500">
               <a:lnSpc>
                 <a:spcPct val="115000"/>
               </a:lnSpc>
@@ -5392,7 +5533,7 @@
                 </a:solidFill>
               </a:defRPr>
             </a:lvl8pPr>
-            <a:lvl9pPr indent="-317500" lvl="8" marL="4114800">
+            <a:lvl9pPr marL="4114800" lvl="8" indent="-317500">
               <a:lnSpc>
                 <a:spcPct val="115000"/>
               </a:lnSpc>
@@ -5414,15 +5555,19 @@
               </a:defRPr>
             </a:lvl9pPr>
           </a:lstStyle>
-          <a:p/>
+          <a:p>
+            <a:endParaRPr/>
+          </a:p>
         </p:txBody>
       </p:sp>
       <p:sp>
         <p:nvSpPr>
           <p:cNvPr id="8" name="Google Shape;8;p1"/>
-          <p:cNvSpPr txBox="1"/>
+          <p:cNvSpPr txBox="1">
+            <a:spLocks noGrp="1"/>
+          </p:cNvSpPr>
           <p:nvPr>
-            <p:ph idx="12" type="sldNum"/>
+            <p:ph type="sldNum" idx="12"/>
           </p:nvPr>
         </p:nvSpPr>
         <p:spPr>
@@ -5439,7 +5584,7 @@
           </a:ln>
         </p:spPr>
         <p:txBody>
-          <a:bodyPr anchorCtr="0" anchor="ctr" bIns="91425" lIns="91425" spcFirstLastPara="1" rIns="91425" wrap="square" tIns="91425">
+          <a:bodyPr spcFirstLastPara="1" wrap="square" lIns="91425" tIns="91425" rIns="91425" bIns="91425" anchor="ctr" anchorCtr="0">
             <a:normAutofit/>
           </a:bodyPr>
           <a:lstStyle>
@@ -5517,7 +5662,7 @@
             </a:lvl9pPr>
           </a:lstStyle>
           <a:p>
-            <a:pPr indent="0" lvl="0" marL="0" rtl="0" algn="r">
+            <a:pPr marL="0" lvl="0" indent="0" algn="r" rtl="0">
               <a:spcBef>
                 <a:spcPts val="0"/>
               </a:spcBef>
@@ -5541,7 +5686,7 @@
           <p:nvPr/>
         </p:nvPicPr>
         <p:blipFill>
-          <a:blip r:embed="rId1">
+          <a:blip r:embed="rId13">
             <a:alphaModFix/>
           </a:blip>
           <a:stretch>
@@ -5564,24 +5709,24 @@
       </p:pic>
     </p:spTree>
   </p:cSld>
-  <p:clrMap accent1="accent1" accent2="accent2" accent3="accent3" accent4="accent4" accent5="accent5" accent6="accent6" bg1="lt1" bg2="dk2" tx1="dk1" tx2="lt2" folHlink="folHlink" hlink="hlink"/>
+  <p:clrMap bg1="lt1" tx1="dk1" bg2="dk2" tx2="lt2" accent1="accent1" accent2="accent2" accent3="accent3" accent4="accent4" accent5="accent5" accent6="accent6" hlink="hlink" folHlink="folHlink"/>
   <p:sldLayoutIdLst>
-    <p:sldLayoutId id="2147483648" r:id="rId2"/>
-    <p:sldLayoutId id="2147483649" r:id="rId3"/>
-    <p:sldLayoutId id="2147483650" r:id="rId4"/>
-    <p:sldLayoutId id="2147483651" r:id="rId5"/>
-    <p:sldLayoutId id="2147483652" r:id="rId6"/>
-    <p:sldLayoutId id="2147483653" r:id="rId7"/>
-    <p:sldLayoutId id="2147483654" r:id="rId8"/>
-    <p:sldLayoutId id="2147483655" r:id="rId9"/>
-    <p:sldLayoutId id="2147483656" r:id="rId10"/>
-    <p:sldLayoutId id="2147483657" r:id="rId11"/>
-    <p:sldLayoutId id="2147483658" r:id="rId12"/>
+    <p:sldLayoutId id="2147483648" r:id="rId1"/>
+    <p:sldLayoutId id="2147483649" r:id="rId2"/>
+    <p:sldLayoutId id="2147483650" r:id="rId3"/>
+    <p:sldLayoutId id="2147483651" r:id="rId4"/>
+    <p:sldLayoutId id="2147483652" r:id="rId5"/>
+    <p:sldLayoutId id="2147483653" r:id="rId6"/>
+    <p:sldLayoutId id="2147483654" r:id="rId7"/>
+    <p:sldLayoutId id="2147483655" r:id="rId8"/>
+    <p:sldLayoutId id="2147483656" r:id="rId9"/>
+    <p:sldLayoutId id="2147483657" r:id="rId10"/>
+    <p:sldLayoutId id="2147483658" r:id="rId11"/>
   </p:sldLayoutIdLst>
-  <p:hf dt="0" ftr="0" hdr="0" sldNum="0"/>
+  <p:hf sldNum="0" hdr="0" ftr="0" dt="0"/>
   <p:txStyles>
     <p:titleStyle>
-      <a:defPPr lvl="0" marR="0" rtl="0" algn="l">
+      <a:defPPr marR="0" lvl="0" algn="l" rtl="0">
         <a:lnSpc>
           <a:spcPct val="100000"/>
         </a:lnSpc>
@@ -5592,7 +5737,7 @@
           <a:spcPts val="0"/>
         </a:spcAft>
       </a:defPPr>
-      <a:lvl1pPr lvl="0" marR="0" rtl="0" algn="l">
+      <a:lvl1pPr marR="0" lvl="0" algn="l" rtl="0">
         <a:lnSpc>
           <a:spcPct val="100000"/>
         </a:lnSpc>
@@ -5606,7 +5751,7 @@
           <a:srgbClr val="000000"/>
         </a:buClr>
         <a:buFont typeface="Arial"/>
-        <a:defRPr b="0" i="0" sz="1400" u="none" cap="none" strike="noStrike">
+        <a:defRPr sz="1400" b="0" i="0" u="none" strike="noStrike" cap="none">
           <a:solidFill>
             <a:srgbClr val="000000"/>
           </a:solidFill>
@@ -5616,7 +5761,7 @@
           <a:sym typeface="Arial"/>
         </a:defRPr>
       </a:lvl1pPr>
-      <a:lvl2pPr lvl="1" marR="0" rtl="0" algn="l">
+      <a:lvl2pPr marR="0" lvl="1" algn="l" rtl="0">
         <a:lnSpc>
           <a:spcPct val="100000"/>
         </a:lnSpc>
@@ -5630,7 +5775,7 @@
           <a:srgbClr val="000000"/>
         </a:buClr>
         <a:buFont typeface="Arial"/>
-        <a:defRPr b="0" i="0" sz="1400" u="none" cap="none" strike="noStrike">
+        <a:defRPr sz="1400" b="0" i="0" u="none" strike="noStrike" cap="none">
           <a:solidFill>
             <a:srgbClr val="000000"/>
           </a:solidFill>
@@ -5640,7 +5785,7 @@
           <a:sym typeface="Arial"/>
         </a:defRPr>
       </a:lvl2pPr>
-      <a:lvl3pPr lvl="2" marR="0" rtl="0" algn="l">
+      <a:lvl3pPr marR="0" lvl="2" algn="l" rtl="0">
         <a:lnSpc>
           <a:spcPct val="100000"/>
         </a:lnSpc>
@@ -5654,7 +5799,7 @@
           <a:srgbClr val="000000"/>
         </a:buClr>
         <a:buFont typeface="Arial"/>
-        <a:defRPr b="0" i="0" sz="1400" u="none" cap="none" strike="noStrike">
+        <a:defRPr sz="1400" b="0" i="0" u="none" strike="noStrike" cap="none">
           <a:solidFill>
             <a:srgbClr val="000000"/>
           </a:solidFill>
@@ -5664,7 +5809,7 @@
           <a:sym typeface="Arial"/>
         </a:defRPr>
       </a:lvl3pPr>
-      <a:lvl4pPr lvl="3" marR="0" rtl="0" algn="l">
+      <a:lvl4pPr marR="0" lvl="3" algn="l" rtl="0">
         <a:lnSpc>
           <a:spcPct val="100000"/>
         </a:lnSpc>
@@ -5678,7 +5823,7 @@
           <a:srgbClr val="000000"/>
         </a:buClr>
         <a:buFont typeface="Arial"/>
-        <a:defRPr b="0" i="0" sz="1400" u="none" cap="none" strike="noStrike">
+        <a:defRPr sz="1400" b="0" i="0" u="none" strike="noStrike" cap="none">
           <a:solidFill>
             <a:srgbClr val="000000"/>
           </a:solidFill>
@@ -5688,7 +5833,7 @@
           <a:sym typeface="Arial"/>
         </a:defRPr>
       </a:lvl4pPr>
-      <a:lvl5pPr lvl="4" marR="0" rtl="0" algn="l">
+      <a:lvl5pPr marR="0" lvl="4" algn="l" rtl="0">
         <a:lnSpc>
           <a:spcPct val="100000"/>
         </a:lnSpc>
@@ -5702,7 +5847,7 @@
           <a:srgbClr val="000000"/>
         </a:buClr>
         <a:buFont typeface="Arial"/>
-        <a:defRPr b="0" i="0" sz="1400" u="none" cap="none" strike="noStrike">
+        <a:defRPr sz="1400" b="0" i="0" u="none" strike="noStrike" cap="none">
           <a:solidFill>
             <a:srgbClr val="000000"/>
           </a:solidFill>
@@ -5712,7 +5857,7 @@
           <a:sym typeface="Arial"/>
         </a:defRPr>
       </a:lvl5pPr>
-      <a:lvl6pPr lvl="5" marR="0" rtl="0" algn="l">
+      <a:lvl6pPr marR="0" lvl="5" algn="l" rtl="0">
         <a:lnSpc>
           <a:spcPct val="100000"/>
         </a:lnSpc>
@@ -5726,7 +5871,7 @@
           <a:srgbClr val="000000"/>
         </a:buClr>
         <a:buFont typeface="Arial"/>
-        <a:defRPr b="0" i="0" sz="1400" u="none" cap="none" strike="noStrike">
+        <a:defRPr sz="1400" b="0" i="0" u="none" strike="noStrike" cap="none">
           <a:solidFill>
             <a:srgbClr val="000000"/>
           </a:solidFill>
@@ -5736,7 +5881,7 @@
           <a:sym typeface="Arial"/>
         </a:defRPr>
       </a:lvl6pPr>
-      <a:lvl7pPr lvl="6" marR="0" rtl="0" algn="l">
+      <a:lvl7pPr marR="0" lvl="6" algn="l" rtl="0">
         <a:lnSpc>
           <a:spcPct val="100000"/>
         </a:lnSpc>
@@ -5750,7 +5895,7 @@
           <a:srgbClr val="000000"/>
         </a:buClr>
         <a:buFont typeface="Arial"/>
-        <a:defRPr b="0" i="0" sz="1400" u="none" cap="none" strike="noStrike">
+        <a:defRPr sz="1400" b="0" i="0" u="none" strike="noStrike" cap="none">
           <a:solidFill>
             <a:srgbClr val="000000"/>
           </a:solidFill>
@@ -5760,7 +5905,7 @@
           <a:sym typeface="Arial"/>
         </a:defRPr>
       </a:lvl7pPr>
-      <a:lvl8pPr lvl="7" marR="0" rtl="0" algn="l">
+      <a:lvl8pPr marR="0" lvl="7" algn="l" rtl="0">
         <a:lnSpc>
           <a:spcPct val="100000"/>
         </a:lnSpc>
@@ -5774,7 +5919,7 @@
           <a:srgbClr val="000000"/>
         </a:buClr>
         <a:buFont typeface="Arial"/>
-        <a:defRPr b="0" i="0" sz="1400" u="none" cap="none" strike="noStrike">
+        <a:defRPr sz="1400" b="0" i="0" u="none" strike="noStrike" cap="none">
           <a:solidFill>
             <a:srgbClr val="000000"/>
           </a:solidFill>
@@ -5784,7 +5929,7 @@
           <a:sym typeface="Arial"/>
         </a:defRPr>
       </a:lvl8pPr>
-      <a:lvl9pPr lvl="8" marR="0" rtl="0" algn="l">
+      <a:lvl9pPr marR="0" lvl="8" algn="l" rtl="0">
         <a:lnSpc>
           <a:spcPct val="100000"/>
         </a:lnSpc>
@@ -5798,7 +5943,7 @@
           <a:srgbClr val="000000"/>
         </a:buClr>
         <a:buFont typeface="Arial"/>
-        <a:defRPr b="0" i="0" sz="1400" u="none" cap="none" strike="noStrike">
+        <a:defRPr sz="1400" b="0" i="0" u="none" strike="noStrike" cap="none">
           <a:solidFill>
             <a:srgbClr val="000000"/>
           </a:solidFill>
@@ -5810,7 +5955,7 @@
       </a:lvl9pPr>
     </p:titleStyle>
     <p:bodyStyle>
-      <a:defPPr lvl="0" marR="0" rtl="0" algn="l">
+      <a:defPPr marR="0" lvl="0" algn="l" rtl="0">
         <a:lnSpc>
           <a:spcPct val="100000"/>
         </a:lnSpc>
@@ -5821,7 +5966,7 @@
           <a:spcPts val="0"/>
         </a:spcAft>
       </a:defPPr>
-      <a:lvl1pPr lvl="0" marR="0" rtl="0" algn="l">
+      <a:lvl1pPr marR="0" lvl="0" algn="l" rtl="0">
         <a:lnSpc>
           <a:spcPct val="100000"/>
         </a:lnSpc>
@@ -5835,7 +5980,7 @@
           <a:srgbClr val="000000"/>
         </a:buClr>
         <a:buFont typeface="Arial"/>
-        <a:defRPr b="0" i="0" sz="1400" u="none" cap="none" strike="noStrike">
+        <a:defRPr sz="1400" b="0" i="0" u="none" strike="noStrike" cap="none">
           <a:solidFill>
             <a:srgbClr val="000000"/>
           </a:solidFill>
@@ -5845,7 +5990,7 @@
           <a:sym typeface="Arial"/>
         </a:defRPr>
       </a:lvl1pPr>
-      <a:lvl2pPr lvl="1" marR="0" rtl="0" algn="l">
+      <a:lvl2pPr marR="0" lvl="1" algn="l" rtl="0">
         <a:lnSpc>
           <a:spcPct val="100000"/>
         </a:lnSpc>
@@ -5859,7 +6004,7 @@
           <a:srgbClr val="000000"/>
         </a:buClr>
         <a:buFont typeface="Arial"/>
-        <a:defRPr b="0" i="0" sz="1400" u="none" cap="none" strike="noStrike">
+        <a:defRPr sz="1400" b="0" i="0" u="none" strike="noStrike" cap="none">
           <a:solidFill>
             <a:srgbClr val="000000"/>
           </a:solidFill>
@@ -5869,7 +6014,7 @@
           <a:sym typeface="Arial"/>
         </a:defRPr>
       </a:lvl2pPr>
-      <a:lvl3pPr lvl="2" marR="0" rtl="0" algn="l">
+      <a:lvl3pPr marR="0" lvl="2" algn="l" rtl="0">
         <a:lnSpc>
           <a:spcPct val="100000"/>
         </a:lnSpc>
@@ -5883,7 +6028,7 @@
           <a:srgbClr val="000000"/>
         </a:buClr>
         <a:buFont typeface="Arial"/>
-        <a:defRPr b="0" i="0" sz="1400" u="none" cap="none" strike="noStrike">
+        <a:defRPr sz="1400" b="0" i="0" u="none" strike="noStrike" cap="none">
           <a:solidFill>
             <a:srgbClr val="000000"/>
           </a:solidFill>
@@ -5893,7 +6038,7 @@
           <a:sym typeface="Arial"/>
         </a:defRPr>
       </a:lvl3pPr>
-      <a:lvl4pPr lvl="3" marR="0" rtl="0" algn="l">
+      <a:lvl4pPr marR="0" lvl="3" algn="l" rtl="0">
         <a:lnSpc>
           <a:spcPct val="100000"/>
         </a:lnSpc>
@@ -5907,7 +6052,7 @@
           <a:srgbClr val="000000"/>
         </a:buClr>
         <a:buFont typeface="Arial"/>
-        <a:defRPr b="0" i="0" sz="1400" u="none" cap="none" strike="noStrike">
+        <a:defRPr sz="1400" b="0" i="0" u="none" strike="noStrike" cap="none">
           <a:solidFill>
             <a:srgbClr val="000000"/>
           </a:solidFill>
@@ -5917,7 +6062,7 @@
           <a:sym typeface="Arial"/>
         </a:defRPr>
       </a:lvl4pPr>
-      <a:lvl5pPr lvl="4" marR="0" rtl="0" algn="l">
+      <a:lvl5pPr marR="0" lvl="4" algn="l" rtl="0">
         <a:lnSpc>
           <a:spcPct val="100000"/>
         </a:lnSpc>
@@ -5931,7 +6076,7 @@
           <a:srgbClr val="000000"/>
         </a:buClr>
         <a:buFont typeface="Arial"/>
-        <a:defRPr b="0" i="0" sz="1400" u="none" cap="none" strike="noStrike">
+        <a:defRPr sz="1400" b="0" i="0" u="none" strike="noStrike" cap="none">
           <a:solidFill>
             <a:srgbClr val="000000"/>
           </a:solidFill>
@@ -5941,7 +6086,7 @@
           <a:sym typeface="Arial"/>
         </a:defRPr>
       </a:lvl5pPr>
-      <a:lvl6pPr lvl="5" marR="0" rtl="0" algn="l">
+      <a:lvl6pPr marR="0" lvl="5" algn="l" rtl="0">
         <a:lnSpc>
           <a:spcPct val="100000"/>
         </a:lnSpc>
@@ -5955,7 +6100,7 @@
           <a:srgbClr val="000000"/>
         </a:buClr>
         <a:buFont typeface="Arial"/>
-        <a:defRPr b="0" i="0" sz="1400" u="none" cap="none" strike="noStrike">
+        <a:defRPr sz="1400" b="0" i="0" u="none" strike="noStrike" cap="none">
           <a:solidFill>
             <a:srgbClr val="000000"/>
           </a:solidFill>
@@ -5965,7 +6110,7 @@
           <a:sym typeface="Arial"/>
         </a:defRPr>
       </a:lvl6pPr>
-      <a:lvl7pPr lvl="6" marR="0" rtl="0" algn="l">
+      <a:lvl7pPr marR="0" lvl="6" algn="l" rtl="0">
         <a:lnSpc>
           <a:spcPct val="100000"/>
         </a:lnSpc>
@@ -5979,7 +6124,7 @@
           <a:srgbClr val="000000"/>
         </a:buClr>
         <a:buFont typeface="Arial"/>
-        <a:defRPr b="0" i="0" sz="1400" u="none" cap="none" strike="noStrike">
+        <a:defRPr sz="1400" b="0" i="0" u="none" strike="noStrike" cap="none">
           <a:solidFill>
             <a:srgbClr val="000000"/>
           </a:solidFill>
@@ -5989,7 +6134,7 @@
           <a:sym typeface="Arial"/>
         </a:defRPr>
       </a:lvl7pPr>
-      <a:lvl8pPr lvl="7" marR="0" rtl="0" algn="l">
+      <a:lvl8pPr marR="0" lvl="7" algn="l" rtl="0">
         <a:lnSpc>
           <a:spcPct val="100000"/>
         </a:lnSpc>
@@ -6003,7 +6148,7 @@
           <a:srgbClr val="000000"/>
         </a:buClr>
         <a:buFont typeface="Arial"/>
-        <a:defRPr b="0" i="0" sz="1400" u="none" cap="none" strike="noStrike">
+        <a:defRPr sz="1400" b="0" i="0" u="none" strike="noStrike" cap="none">
           <a:solidFill>
             <a:srgbClr val="000000"/>
           </a:solidFill>
@@ -6013,7 +6158,7 @@
           <a:sym typeface="Arial"/>
         </a:defRPr>
       </a:lvl8pPr>
-      <a:lvl9pPr lvl="8" marR="0" rtl="0" algn="l">
+      <a:lvl9pPr marR="0" lvl="8" algn="l" rtl="0">
         <a:lnSpc>
           <a:spcPct val="100000"/>
         </a:lnSpc>
@@ -6027,7 +6172,7 @@
           <a:srgbClr val="000000"/>
         </a:buClr>
         <a:buFont typeface="Arial"/>
-        <a:defRPr b="0" i="0" sz="1400" u="none" cap="none" strike="noStrike">
+        <a:defRPr sz="1400" b="0" i="0" u="none" strike="noStrike" cap="none">
           <a:solidFill>
             <a:srgbClr val="000000"/>
           </a:solidFill>
@@ -6039,7 +6184,7 @@
       </a:lvl9pPr>
     </p:bodyStyle>
     <p:otherStyle>
-      <a:defPPr lvl="0" marR="0" rtl="0" algn="l">
+      <a:defPPr marR="0" lvl="0" algn="l" rtl="0">
         <a:lnSpc>
           <a:spcPct val="100000"/>
         </a:lnSpc>
@@ -6050,7 +6195,7 @@
           <a:spcPts val="0"/>
         </a:spcAft>
       </a:defPPr>
-      <a:lvl1pPr lvl="0" marR="0" rtl="0" algn="l">
+      <a:lvl1pPr marR="0" lvl="0" algn="l" rtl="0">
         <a:lnSpc>
           <a:spcPct val="100000"/>
         </a:lnSpc>
@@ -6064,7 +6209,7 @@
           <a:srgbClr val="000000"/>
         </a:buClr>
         <a:buFont typeface="Arial"/>
-        <a:defRPr b="0" i="0" sz="1400" u="none" cap="none" strike="noStrike">
+        <a:defRPr sz="1400" b="0" i="0" u="none" strike="noStrike" cap="none">
           <a:solidFill>
             <a:srgbClr val="000000"/>
           </a:solidFill>
@@ -6074,7 +6219,7 @@
           <a:sym typeface="Arial"/>
         </a:defRPr>
       </a:lvl1pPr>
-      <a:lvl2pPr lvl="1" marR="0" rtl="0" algn="l">
+      <a:lvl2pPr marR="0" lvl="1" algn="l" rtl="0">
         <a:lnSpc>
           <a:spcPct val="100000"/>
         </a:lnSpc>
@@ -6088,7 +6233,7 @@
           <a:srgbClr val="000000"/>
         </a:buClr>
         <a:buFont typeface="Arial"/>
-        <a:defRPr b="0" i="0" sz="1400" u="none" cap="none" strike="noStrike">
+        <a:defRPr sz="1400" b="0" i="0" u="none" strike="noStrike" cap="none">
           <a:solidFill>
             <a:srgbClr val="000000"/>
           </a:solidFill>
@@ -6098,7 +6243,7 @@
           <a:sym typeface="Arial"/>
         </a:defRPr>
       </a:lvl2pPr>
-      <a:lvl3pPr lvl="2" marR="0" rtl="0" algn="l">
+      <a:lvl3pPr marR="0" lvl="2" algn="l" rtl="0">
         <a:lnSpc>
           <a:spcPct val="100000"/>
         </a:lnSpc>
@@ -6112,7 +6257,7 @@
           <a:srgbClr val="000000"/>
         </a:buClr>
         <a:buFont typeface="Arial"/>
-        <a:defRPr b="0" i="0" sz="1400" u="none" cap="none" strike="noStrike">
+        <a:defRPr sz="1400" b="0" i="0" u="none" strike="noStrike" cap="none">
           <a:solidFill>
             <a:srgbClr val="000000"/>
           </a:solidFill>
@@ -6122,7 +6267,7 @@
           <a:sym typeface="Arial"/>
         </a:defRPr>
       </a:lvl3pPr>
-      <a:lvl4pPr lvl="3" marR="0" rtl="0" algn="l">
+      <a:lvl4pPr marR="0" lvl="3" algn="l" rtl="0">
         <a:lnSpc>
           <a:spcPct val="100000"/>
         </a:lnSpc>
@@ -6136,7 +6281,7 @@
           <a:srgbClr val="000000"/>
         </a:buClr>
         <a:buFont typeface="Arial"/>
-        <a:defRPr b="0" i="0" sz="1400" u="none" cap="none" strike="noStrike">
+        <a:defRPr sz="1400" b="0" i="0" u="none" strike="noStrike" cap="none">
           <a:solidFill>
             <a:srgbClr val="000000"/>
           </a:solidFill>
@@ -6146,7 +6291,7 @@
           <a:sym typeface="Arial"/>
         </a:defRPr>
       </a:lvl4pPr>
-      <a:lvl5pPr lvl="4" marR="0" rtl="0" algn="l">
+      <a:lvl5pPr marR="0" lvl="4" algn="l" rtl="0">
         <a:lnSpc>
           <a:spcPct val="100000"/>
         </a:lnSpc>
@@ -6160,7 +6305,7 @@
           <a:srgbClr val="000000"/>
         </a:buClr>
         <a:buFont typeface="Arial"/>
-        <a:defRPr b="0" i="0" sz="1400" u="none" cap="none" strike="noStrike">
+        <a:defRPr sz="1400" b="0" i="0" u="none" strike="noStrike" cap="none">
           <a:solidFill>
             <a:srgbClr val="000000"/>
           </a:solidFill>
@@ -6170,7 +6315,7 @@
           <a:sym typeface="Arial"/>
         </a:defRPr>
       </a:lvl5pPr>
-      <a:lvl6pPr lvl="5" marR="0" rtl="0" algn="l">
+      <a:lvl6pPr marR="0" lvl="5" algn="l" rtl="0">
         <a:lnSpc>
           <a:spcPct val="100000"/>
         </a:lnSpc>
@@ -6184,7 +6329,7 @@
           <a:srgbClr val="000000"/>
         </a:buClr>
         <a:buFont typeface="Arial"/>
-        <a:defRPr b="0" i="0" sz="1400" u="none" cap="none" strike="noStrike">
+        <a:defRPr sz="1400" b="0" i="0" u="none" strike="noStrike" cap="none">
           <a:solidFill>
             <a:srgbClr val="000000"/>
           </a:solidFill>
@@ -6194,7 +6339,7 @@
           <a:sym typeface="Arial"/>
         </a:defRPr>
       </a:lvl6pPr>
-      <a:lvl7pPr lvl="6" marR="0" rtl="0" algn="l">
+      <a:lvl7pPr marR="0" lvl="6" algn="l" rtl="0">
         <a:lnSpc>
           <a:spcPct val="100000"/>
         </a:lnSpc>
@@ -6208,7 +6353,7 @@
           <a:srgbClr val="000000"/>
         </a:buClr>
         <a:buFont typeface="Arial"/>
-        <a:defRPr b="0" i="0" sz="1400" u="none" cap="none" strike="noStrike">
+        <a:defRPr sz="1400" b="0" i="0" u="none" strike="noStrike" cap="none">
           <a:solidFill>
             <a:srgbClr val="000000"/>
           </a:solidFill>
@@ -6218,7 +6363,7 @@
           <a:sym typeface="Arial"/>
         </a:defRPr>
       </a:lvl7pPr>
-      <a:lvl8pPr lvl="7" marR="0" rtl="0" algn="l">
+      <a:lvl8pPr marR="0" lvl="7" algn="l" rtl="0">
         <a:lnSpc>
           <a:spcPct val="100000"/>
         </a:lnSpc>
@@ -6232,7 +6377,7 @@
           <a:srgbClr val="000000"/>
         </a:buClr>
         <a:buFont typeface="Arial"/>
-        <a:defRPr b="0" i="0" sz="1400" u="none" cap="none" strike="noStrike">
+        <a:defRPr sz="1400" b="0" i="0" u="none" strike="noStrike" cap="none">
           <a:solidFill>
             <a:srgbClr val="000000"/>
           </a:solidFill>
@@ -6242,7 +6387,7 @@
           <a:sym typeface="Arial"/>
         </a:defRPr>
       </a:lvl8pPr>
-      <a:lvl9pPr lvl="8" marR="0" rtl="0" algn="l">
+      <a:lvl9pPr marR="0" lvl="8" algn="l" rtl="0">
         <a:lnSpc>
           <a:spcPct val="100000"/>
         </a:lnSpc>
@@ -6256,7 +6401,7 @@
           <a:srgbClr val="000000"/>
         </a:buClr>
         <a:buFont typeface="Arial"/>
-        <a:defRPr b="0" i="0" sz="1400" u="none" cap="none" strike="noStrike">
+        <a:defRPr sz="1400" b="0" i="0" u="none" strike="noStrike" cap="none">
           <a:solidFill>
             <a:srgbClr val="000000"/>
           </a:solidFill>
@@ -6272,11 +6417,11 @@
 </file>
 
 <file path=ppt/slides/slide1.xml><?xml version="1.0" encoding="utf-8"?>
-<p:sld xmlns:a="http://schemas.openxmlformats.org/drawingml/2006/main" xmlns:r="http://schemas.openxmlformats.org/officeDocument/2006/relationships" xmlns:mc="http://schemas.openxmlformats.org/markup-compatibility/2006" xmlns:mv="urn:schemas-microsoft-com:mac:vml" xmlns:p="http://schemas.openxmlformats.org/presentationml/2006/main" xmlns:c="http://schemas.openxmlformats.org/drawingml/2006/chart" xmlns:dgm="http://schemas.openxmlformats.org/drawingml/2006/diagram" xmlns:o="urn:schemas-microsoft-com:office:office" xmlns:v="urn:schemas-microsoft-com:vml" xmlns:pvml="urn:schemas-microsoft-com:office:powerpoint" xmlns:com="http://schemas.openxmlformats.org/drawingml/2006/compatibility" xmlns:p14="http://schemas.microsoft.com/office/powerpoint/2010/main" xmlns:p15="http://schemas.microsoft.com/office/powerpoint/2012/main" xmlns:ahyp="http://schemas.microsoft.com/office/drawing/2018/hyperlinkcolor">
+<p:sld xmlns:a="http://schemas.openxmlformats.org/drawingml/2006/main" xmlns:r="http://schemas.openxmlformats.org/officeDocument/2006/relationships" xmlns:p="http://schemas.openxmlformats.org/presentationml/2006/main">
   <p:cSld>
     <p:spTree>
       <p:nvGrpSpPr>
-        <p:cNvPr id="61" name="Shape 61"/>
+        <p:cNvPr id="1" name="Shape 61"/>
         <p:cNvGrpSpPr/>
         <p:nvPr/>
       </p:nvGrpSpPr>
@@ -6291,7 +6436,9 @@
       <p:sp>
         <p:nvSpPr>
           <p:cNvPr id="62" name="Google Shape;62;p13"/>
-          <p:cNvSpPr txBox="1"/>
+          <p:cNvSpPr txBox="1">
+            <a:spLocks noGrp="1"/>
+          </p:cNvSpPr>
           <p:nvPr>
             <p:ph type="ctrTitle"/>
           </p:nvPr>
@@ -6306,12 +6453,12 @@
           </a:prstGeom>
         </p:spPr>
         <p:txBody>
-          <a:bodyPr anchorCtr="0" anchor="b" bIns="91425" lIns="91425" spcFirstLastPara="1" rIns="91425" wrap="square" tIns="91425">
+          <a:bodyPr spcFirstLastPara="1" wrap="square" lIns="91425" tIns="91425" rIns="91425" bIns="91425" anchor="b" anchorCtr="0">
             <a:normAutofit/>
           </a:bodyPr>
           <a:lstStyle/>
           <a:p>
-            <a:pPr indent="0" lvl="0" marL="0" rtl="0" algn="ctr">
+            <a:pPr marL="0" lvl="0" indent="0" algn="ctr" rtl="0">
               <a:spcBef>
                 <a:spcPts val="0"/>
               </a:spcBef>
@@ -6331,9 +6478,11 @@
       <p:sp>
         <p:nvSpPr>
           <p:cNvPr id="63" name="Google Shape;63;p13"/>
-          <p:cNvSpPr txBox="1"/>
+          <p:cNvSpPr txBox="1">
+            <a:spLocks noGrp="1"/>
+          </p:cNvSpPr>
           <p:nvPr>
-            <p:ph idx="1" type="subTitle"/>
+            <p:ph type="subTitle" idx="1"/>
           </p:nvPr>
         </p:nvSpPr>
         <p:spPr>
@@ -6346,12 +6495,12 @@
           </a:prstGeom>
         </p:spPr>
         <p:txBody>
-          <a:bodyPr anchorCtr="0" anchor="t" bIns="91425" lIns="91425" spcFirstLastPara="1" rIns="91425" wrap="square" tIns="91425">
+          <a:bodyPr spcFirstLastPara="1" wrap="square" lIns="91425" tIns="91425" rIns="91425" bIns="91425" anchor="t" anchorCtr="0">
             <a:normAutofit/>
           </a:bodyPr>
           <a:lstStyle/>
           <a:p>
-            <a:pPr indent="0" lvl="0" marL="0" rtl="0" algn="ctr">
+            <a:pPr marL="0" lvl="0" indent="0" algn="ctr" rtl="0">
               <a:spcBef>
                 <a:spcPts val="0"/>
               </a:spcBef>
@@ -6371,9 +6520,11 @@
       <p:sp>
         <p:nvSpPr>
           <p:cNvPr id="64" name="Google Shape;64;p13"/>
-          <p:cNvSpPr txBox="1"/>
+          <p:cNvSpPr txBox="1">
+            <a:spLocks noGrp="1"/>
+          </p:cNvSpPr>
           <p:nvPr>
-            <p:ph idx="2" type="subTitle"/>
+            <p:ph type="subTitle" idx="2"/>
           </p:nvPr>
         </p:nvSpPr>
         <p:spPr>
@@ -6386,12 +6537,12 @@
           </a:prstGeom>
         </p:spPr>
         <p:txBody>
-          <a:bodyPr anchorCtr="0" anchor="t" bIns="91425" lIns="91425" spcFirstLastPara="1" rIns="91425" wrap="square" tIns="91425">
+          <a:bodyPr spcFirstLastPara="1" wrap="square" lIns="91425" tIns="91425" rIns="91425" bIns="91425" anchor="t" anchorCtr="0">
             <a:normAutofit fontScale="77500" lnSpcReduction="20000"/>
           </a:bodyPr>
           <a:lstStyle/>
           <a:p>
-            <a:pPr indent="0" lvl="0" marL="0" rtl="0" algn="ctr">
+            <a:pPr marL="0" lvl="0" indent="0" algn="ctr" rtl="0">
               <a:spcBef>
                 <a:spcPts val="0"/>
               </a:spcBef>
@@ -6406,13 +6557,13 @@
               <a:buNone/>
             </a:pPr>
             <a:r>
-              <a:rPr lang="en"/>
-              <a:t>Melissa Winstanley</a:t>
+              <a:rPr lang="en-US" dirty="0"/>
+              <a:t>Naomi Alterman</a:t>
             </a:r>
-            <a:endParaRPr/>
+            <a:endParaRPr dirty="0"/>
           </a:p>
           <a:p>
-            <a:pPr indent="0" lvl="0" marL="0" rtl="0" algn="ctr">
+            <a:pPr marL="0" lvl="0" indent="0" algn="ctr" rtl="0">
               <a:spcBef>
                 <a:spcPts val="0"/>
               </a:spcBef>
@@ -6427,13 +6578,13 @@
               <a:buNone/>
             </a:pPr>
             <a:r>
-              <a:rPr lang="en"/>
+              <a:rPr lang="en" dirty="0"/>
               <a:t>University of Washington</a:t>
             </a:r>
-            <a:endParaRPr/>
+            <a:endParaRPr dirty="0"/>
           </a:p>
           <a:p>
-            <a:pPr indent="0" lvl="0" marL="0" rtl="0" algn="ctr">
+            <a:pPr marL="0" lvl="0" indent="0" algn="ctr" rtl="0">
               <a:spcBef>
                 <a:spcPts val="0"/>
               </a:spcBef>
@@ -6448,10 +6599,10 @@
               <a:buNone/>
             </a:pPr>
             <a:r>
-              <a:rPr lang="en"/>
-              <a:t>February 20, 2025</a:t>
+              <a:rPr lang="en" dirty="0"/>
+              <a:t>February 17, 2026</a:t>
             </a:r>
-            <a:endParaRPr/>
+            <a:endParaRPr dirty="0"/>
           </a:p>
         </p:txBody>
       </p:sp>
@@ -6464,11 +6615,615 @@
 </file>
 
 <file path=ppt/slides/slide2.xml><?xml version="1.0" encoding="utf-8"?>
-<p:sld xmlns:a="http://schemas.openxmlformats.org/drawingml/2006/main" xmlns:r="http://schemas.openxmlformats.org/officeDocument/2006/relationships" xmlns:mc="http://schemas.openxmlformats.org/markup-compatibility/2006" xmlns:mv="urn:schemas-microsoft-com:mac:vml" xmlns:p="http://schemas.openxmlformats.org/presentationml/2006/main" xmlns:c="http://schemas.openxmlformats.org/drawingml/2006/chart" xmlns:dgm="http://schemas.openxmlformats.org/drawingml/2006/diagram" xmlns:o="urn:schemas-microsoft-com:office:office" xmlns:v="urn:schemas-microsoft-com:vml" xmlns:pvml="urn:schemas-microsoft-com:office:powerpoint" xmlns:com="http://schemas.openxmlformats.org/drawingml/2006/compatibility" xmlns:p14="http://schemas.microsoft.com/office/powerpoint/2010/main" xmlns:p15="http://schemas.microsoft.com/office/powerpoint/2012/main" xmlns:ahyp="http://schemas.microsoft.com/office/drawing/2018/hyperlinkcolor">
+<p:sld xmlns:a="http://schemas.openxmlformats.org/drawingml/2006/main" xmlns:r="http://schemas.openxmlformats.org/officeDocument/2006/relationships" xmlns:p="http://schemas.openxmlformats.org/presentationml/2006/main">
   <p:cSld>
     <p:spTree>
       <p:nvGrpSpPr>
-        <p:cNvPr id="68" name="Shape 68"/>
+        <p:cNvPr id="1" name="Shape 73"/>
+        <p:cNvGrpSpPr/>
+        <p:nvPr/>
+      </p:nvGrpSpPr>
+      <p:grpSpPr>
+        <a:xfrm>
+          <a:off x="0" y="0"/>
+          <a:ext cx="0" cy="0"/>
+          <a:chOff x="0" y="0"/>
+          <a:chExt cx="0" cy="0"/>
+        </a:xfrm>
+      </p:grpSpPr>
+      <p:sp>
+        <p:nvSpPr>
+          <p:cNvPr id="74" name="Google Shape;74;p15"/>
+          <p:cNvSpPr txBox="1">
+            <a:spLocks noGrp="1"/>
+          </p:cNvSpPr>
+          <p:nvPr>
+            <p:ph type="title"/>
+          </p:nvPr>
+        </p:nvSpPr>
+        <p:spPr>
+          <a:xfrm>
+            <a:off x="311700" y="445025"/>
+            <a:ext cx="8520600" cy="572700"/>
+          </a:xfrm>
+          <a:prstGeom prst="rect">
+            <a:avLst/>
+          </a:prstGeom>
+        </p:spPr>
+        <p:txBody>
+          <a:bodyPr spcFirstLastPara="1" wrap="square" lIns="91425" tIns="91425" rIns="91425" bIns="91425" anchor="t" anchorCtr="0">
+            <a:normAutofit fontScale="90000"/>
+          </a:bodyPr>
+          <a:lstStyle/>
+          <a:p>
+            <a:pPr marL="0" lvl="0" indent="0" algn="l" rtl="0">
+              <a:spcBef>
+                <a:spcPts val="0"/>
+              </a:spcBef>
+              <a:spcAft>
+                <a:spcPts val="0"/>
+              </a:spcAft>
+              <a:buNone/>
+            </a:pPr>
+            <a:r>
+              <a:rPr lang="en" dirty="0"/>
+              <a:t>Final Presentation Details</a:t>
+            </a:r>
+            <a:endParaRPr dirty="0"/>
+          </a:p>
+        </p:txBody>
+      </p:sp>
+      <p:sp>
+        <p:nvSpPr>
+          <p:cNvPr id="75" name="Google Shape;75;p15"/>
+          <p:cNvSpPr txBox="1">
+            <a:spLocks noGrp="1"/>
+          </p:cNvSpPr>
+          <p:nvPr>
+            <p:ph type="body" idx="1"/>
+          </p:nvPr>
+        </p:nvSpPr>
+        <p:spPr>
+          <a:xfrm>
+            <a:off x="311700" y="1152475"/>
+            <a:ext cx="8520600" cy="3416400"/>
+          </a:xfrm>
+          <a:prstGeom prst="rect">
+            <a:avLst/>
+          </a:prstGeom>
+        </p:spPr>
+        <p:txBody>
+          <a:bodyPr spcFirstLastPara="1" wrap="square" lIns="91425" tIns="91425" rIns="91425" bIns="91425" anchor="t" anchorCtr="0">
+            <a:normAutofit/>
+          </a:bodyPr>
+          <a:lstStyle/>
+          <a:p>
+            <a:pPr marL="0" lvl="0" indent="0" algn="l" rtl="0">
+              <a:spcBef>
+                <a:spcPts val="0"/>
+              </a:spcBef>
+              <a:spcAft>
+                <a:spcPts val="0"/>
+              </a:spcAft>
+              <a:buNone/>
+            </a:pPr>
+            <a:r>
+              <a:rPr lang="en" dirty="0"/>
+              <a:t>We realized that final project presentations conflicted with the Capstone Project fair (whic</a:t>
+            </a:r>
+            <a:r>
+              <a:rPr lang="en-US" dirty="0"/>
+              <a:t>h</a:t>
+            </a:r>
+            <a:r>
+              <a:rPr lang="en" dirty="0"/>
+              <a:t> we want you to be able to attend!!) so we moved our class’s final presentations up a day earlier:</a:t>
+            </a:r>
+          </a:p>
+          <a:p>
+            <a:pPr marL="0" lvl="0" indent="0" algn="l" rtl="0">
+              <a:spcBef>
+                <a:spcPts val="0"/>
+              </a:spcBef>
+              <a:spcAft>
+                <a:spcPts val="0"/>
+              </a:spcAft>
+              <a:buNone/>
+            </a:pPr>
+            <a:endParaRPr lang="en" dirty="0"/>
+          </a:p>
+          <a:p>
+            <a:pPr marL="0" lvl="0" indent="0" algn="l" rtl="0">
+              <a:spcBef>
+                <a:spcPts val="0"/>
+              </a:spcBef>
+              <a:spcAft>
+                <a:spcPts val="0"/>
+              </a:spcAft>
+              <a:buNone/>
+            </a:pPr>
+            <a:r>
+              <a:rPr lang="en" b="1" dirty="0"/>
+              <a:t>Final presentations will be Monday March 16, 5-8pm</a:t>
+            </a:r>
+            <a:r>
+              <a:rPr lang="en" dirty="0"/>
+              <a:t>, which is now properly updated on the calendar and course website.</a:t>
+            </a:r>
+            <a:endParaRPr dirty="0"/>
+          </a:p>
+          <a:p>
+            <a:pPr marL="0" lvl="0" indent="0" algn="l" rtl="0">
+              <a:spcBef>
+                <a:spcPts val="1200"/>
+              </a:spcBef>
+              <a:spcAft>
+                <a:spcPts val="0"/>
+              </a:spcAft>
+              <a:buNone/>
+            </a:pPr>
+            <a:r>
+              <a:rPr lang="en" dirty="0"/>
+              <a:t>	</a:t>
+            </a:r>
+            <a:r>
+              <a:rPr lang="en" b="1" dirty="0"/>
+              <a:t>NOT as on MyUW</a:t>
+            </a:r>
+            <a:endParaRPr b="1" dirty="0"/>
+          </a:p>
+          <a:p>
+            <a:pPr marL="0" lvl="0" indent="0" algn="l" rtl="0">
+              <a:spcBef>
+                <a:spcPts val="1200"/>
+              </a:spcBef>
+              <a:spcAft>
+                <a:spcPts val="1200"/>
+              </a:spcAft>
+              <a:buNone/>
+            </a:pPr>
+            <a:r>
+              <a:rPr lang="en" b="1" dirty="0"/>
+              <a:t>Let me know now </a:t>
+            </a:r>
+            <a:r>
+              <a:rPr lang="en" dirty="0"/>
+              <a:t>if you have issues with the scheduling!</a:t>
+            </a:r>
+            <a:endParaRPr dirty="0"/>
+          </a:p>
+        </p:txBody>
+      </p:sp>
+    </p:spTree>
+  </p:cSld>
+  <p:clrMapOvr>
+    <a:masterClrMapping/>
+  </p:clrMapOvr>
+</p:sld>
+</file>
+
+<file path=ppt/slides/slide3.xml><?xml version="1.0" encoding="utf-8"?>
+<p:sld xmlns:a="http://schemas.openxmlformats.org/drawingml/2006/main" xmlns:r="http://schemas.openxmlformats.org/officeDocument/2006/relationships" xmlns:p="http://schemas.openxmlformats.org/presentationml/2006/main">
+  <p:cSld>
+    <p:spTree>
+      <p:nvGrpSpPr>
+        <p:cNvPr id="1" name="Shape 79"/>
+        <p:cNvGrpSpPr/>
+        <p:nvPr/>
+      </p:nvGrpSpPr>
+      <p:grpSpPr>
+        <a:xfrm>
+          <a:off x="0" y="0"/>
+          <a:ext cx="0" cy="0"/>
+          <a:chOff x="0" y="0"/>
+          <a:chExt cx="0" cy="0"/>
+        </a:xfrm>
+      </p:grpSpPr>
+      <p:sp>
+        <p:nvSpPr>
+          <p:cNvPr id="80" name="Google Shape;80;p16"/>
+          <p:cNvSpPr txBox="1">
+            <a:spLocks noGrp="1"/>
+          </p:cNvSpPr>
+          <p:nvPr>
+            <p:ph type="title"/>
+          </p:nvPr>
+        </p:nvSpPr>
+        <p:spPr>
+          <a:xfrm>
+            <a:off x="311700" y="445025"/>
+            <a:ext cx="8520600" cy="572700"/>
+          </a:xfrm>
+          <a:prstGeom prst="rect">
+            <a:avLst/>
+          </a:prstGeom>
+        </p:spPr>
+        <p:txBody>
+          <a:bodyPr spcFirstLastPara="1" wrap="square" lIns="91425" tIns="91425" rIns="91425" bIns="91425" anchor="t" anchorCtr="0">
+            <a:normAutofit fontScale="90000"/>
+          </a:bodyPr>
+          <a:lstStyle/>
+          <a:p>
+            <a:pPr marL="0" lvl="0" indent="0" algn="l" rtl="0">
+              <a:spcBef>
+                <a:spcPts val="0"/>
+              </a:spcBef>
+              <a:spcAft>
+                <a:spcPts val="0"/>
+              </a:spcAft>
+              <a:buNone/>
+            </a:pPr>
+            <a:r>
+              <a:rPr lang="en"/>
+              <a:t>Due today: project software design exercise</a:t>
+            </a:r>
+            <a:endParaRPr/>
+          </a:p>
+        </p:txBody>
+      </p:sp>
+      <p:sp>
+        <p:nvSpPr>
+          <p:cNvPr id="81" name="Google Shape;81;p16"/>
+          <p:cNvSpPr txBox="1">
+            <a:spLocks noGrp="1"/>
+          </p:cNvSpPr>
+          <p:nvPr>
+            <p:ph type="body" idx="1"/>
+          </p:nvPr>
+        </p:nvSpPr>
+        <p:spPr>
+          <a:xfrm>
+            <a:off x="305074" y="1152475"/>
+            <a:ext cx="8520600" cy="3416400"/>
+          </a:xfrm>
+          <a:prstGeom prst="rect">
+            <a:avLst/>
+          </a:prstGeom>
+        </p:spPr>
+        <p:txBody>
+          <a:bodyPr spcFirstLastPara="1" wrap="square" lIns="91425" tIns="91425" rIns="91425" bIns="91425" anchor="t" anchorCtr="0">
+            <a:normAutofit/>
+          </a:bodyPr>
+          <a:lstStyle/>
+          <a:p>
+            <a:pPr marL="457200" lvl="0" indent="-368300" algn="l" rtl="0">
+              <a:spcBef>
+                <a:spcPts val="0"/>
+              </a:spcBef>
+              <a:spcAft>
+                <a:spcPts val="0"/>
+              </a:spcAft>
+              <a:buSzPts val="2200"/>
+              <a:buChar char="●"/>
+            </a:pPr>
+            <a:r>
+              <a:rPr lang="en" sz="2200" dirty="0"/>
+              <a:t>You’ve uploaded to GitHub, right</a:t>
+            </a:r>
+            <a:r>
+              <a:rPr lang="en-US" sz="2200" dirty="0"/>
+              <a:t>😉</a:t>
+            </a:r>
+            <a:r>
+              <a:rPr lang="en" sz="2200" dirty="0"/>
+              <a:t>?</a:t>
+            </a:r>
+            <a:endParaRPr sz="2200" dirty="0"/>
+          </a:p>
+          <a:p>
+            <a:pPr marL="457200" lvl="0" indent="-368300" algn="l" rtl="0">
+              <a:spcBef>
+                <a:spcPts val="0"/>
+              </a:spcBef>
+              <a:spcAft>
+                <a:spcPts val="0"/>
+              </a:spcAft>
+              <a:buSzPts val="2200"/>
+              <a:buChar char="●"/>
+            </a:pPr>
+            <a:r>
+              <a:rPr lang="en" sz="2200" dirty="0"/>
+              <a:t>We’ll take a look and give you a grade, as well as any notes on your proposed design.</a:t>
+            </a:r>
+            <a:endParaRPr sz="2200" dirty="0"/>
+          </a:p>
+          <a:p>
+            <a:pPr marL="457200" lvl="0" indent="-368300" algn="l" rtl="0">
+              <a:spcBef>
+                <a:spcPts val="0"/>
+              </a:spcBef>
+              <a:spcAft>
+                <a:spcPts val="0"/>
+              </a:spcAft>
+              <a:buSzPts val="2200"/>
+              <a:buChar char="●"/>
+            </a:pPr>
+            <a:r>
+              <a:rPr lang="en" sz="2200" dirty="0"/>
+              <a:t>You may fix any issues for regrade during the final project evaluation</a:t>
+            </a:r>
+            <a:endParaRPr sz="2200" dirty="0"/>
+          </a:p>
+        </p:txBody>
+      </p:sp>
+    </p:spTree>
+  </p:cSld>
+  <p:clrMapOvr>
+    <a:masterClrMapping/>
+  </p:clrMapOvr>
+</p:sld>
+</file>
+
+<file path=ppt/slides/slide4.xml><?xml version="1.0" encoding="utf-8"?>
+<p:sld xmlns:a="http://schemas.openxmlformats.org/drawingml/2006/main" xmlns:r="http://schemas.openxmlformats.org/officeDocument/2006/relationships" xmlns:p="http://schemas.openxmlformats.org/presentationml/2006/main">
+  <p:cSld>
+    <p:spTree>
+      <p:nvGrpSpPr>
+        <p:cNvPr id="1" name="Shape 85"/>
+        <p:cNvGrpSpPr/>
+        <p:nvPr/>
+      </p:nvGrpSpPr>
+      <p:grpSpPr>
+        <a:xfrm>
+          <a:off x="0" y="0"/>
+          <a:ext cx="0" cy="0"/>
+          <a:chOff x="0" y="0"/>
+          <a:chExt cx="0" cy="0"/>
+        </a:xfrm>
+      </p:grpSpPr>
+      <p:sp>
+        <p:nvSpPr>
+          <p:cNvPr id="86" name="Google Shape;86;p17"/>
+          <p:cNvSpPr txBox="1">
+            <a:spLocks noGrp="1"/>
+          </p:cNvSpPr>
+          <p:nvPr>
+            <p:ph type="title"/>
+          </p:nvPr>
+        </p:nvSpPr>
+        <p:spPr>
+          <a:xfrm>
+            <a:off x="311700" y="445025"/>
+            <a:ext cx="8520600" cy="572700"/>
+          </a:xfrm>
+          <a:prstGeom prst="rect">
+            <a:avLst/>
+          </a:prstGeom>
+        </p:spPr>
+        <p:txBody>
+          <a:bodyPr spcFirstLastPara="1" wrap="square" lIns="91425" tIns="91425" rIns="91425" bIns="91425" anchor="t" anchorCtr="0">
+            <a:normAutofit fontScale="90000"/>
+          </a:bodyPr>
+          <a:lstStyle/>
+          <a:p>
+            <a:pPr marL="0" lvl="0" indent="0" algn="l" rtl="0">
+              <a:spcBef>
+                <a:spcPts val="0"/>
+              </a:spcBef>
+              <a:spcAft>
+                <a:spcPts val="0"/>
+              </a:spcAft>
+              <a:buNone/>
+            </a:pPr>
+            <a:r>
+              <a:rPr lang="en"/>
+              <a:t>Next week: initial project demo</a:t>
+            </a:r>
+            <a:endParaRPr/>
+          </a:p>
+        </p:txBody>
+      </p:sp>
+      <p:sp>
+        <p:nvSpPr>
+          <p:cNvPr id="87" name="Google Shape;87;p17"/>
+          <p:cNvSpPr txBox="1">
+            <a:spLocks noGrp="1"/>
+          </p:cNvSpPr>
+          <p:nvPr>
+            <p:ph type="body" idx="1"/>
+          </p:nvPr>
+        </p:nvSpPr>
+        <p:spPr>
+          <a:xfrm>
+            <a:off x="311700" y="1152475"/>
+            <a:ext cx="8520600" cy="3837300"/>
+          </a:xfrm>
+          <a:prstGeom prst="rect">
+            <a:avLst/>
+          </a:prstGeom>
+        </p:spPr>
+        <p:txBody>
+          <a:bodyPr spcFirstLastPara="1" wrap="square" lIns="91425" tIns="91425" rIns="91425" bIns="91425" anchor="t" anchorCtr="0">
+            <a:normAutofit/>
+          </a:bodyPr>
+          <a:lstStyle/>
+          <a:p>
+            <a:pPr marL="457200" lvl="0" indent="-368300" algn="l" rtl="0">
+              <a:spcBef>
+                <a:spcPts val="0"/>
+              </a:spcBef>
+              <a:spcAft>
+                <a:spcPts val="0"/>
+              </a:spcAft>
+              <a:buSzPts val="2200"/>
+              <a:buChar char="●"/>
+            </a:pPr>
+            <a:r>
+              <a:rPr lang="en" sz="2200" dirty="0"/>
+              <a:t>Goal: show off what you’ve done so far + Technology Review</a:t>
+            </a:r>
+            <a:endParaRPr sz="2200" dirty="0"/>
+          </a:p>
+          <a:p>
+            <a:pPr lvl="1" indent="-342900">
+              <a:buSzPts val="1800"/>
+            </a:pPr>
+            <a:r>
+              <a:rPr lang="en" sz="1800" dirty="0"/>
+              <a:t>…you’ve done something so far, right</a:t>
+            </a:r>
+            <a:r>
+              <a:rPr lang="en-US" sz="1800" dirty="0"/>
+              <a:t> 😉😮</a:t>
+            </a:r>
+            <a:r>
+              <a:rPr lang="en" sz="1800" dirty="0"/>
+              <a:t>?</a:t>
+            </a:r>
+            <a:endParaRPr sz="1800" dirty="0"/>
+          </a:p>
+          <a:p>
+            <a:pPr marL="914400" lvl="1" indent="-342900" algn="l" rtl="0">
+              <a:spcBef>
+                <a:spcPts val="0"/>
+              </a:spcBef>
+              <a:spcAft>
+                <a:spcPts val="0"/>
+              </a:spcAft>
+              <a:buSzPts val="1800"/>
+              <a:buChar char="○"/>
+            </a:pPr>
+            <a:r>
+              <a:rPr lang="en" sz="1800" dirty="0"/>
+              <a:t>It doesn’t have to be anywhere near complete!</a:t>
+            </a:r>
+            <a:endParaRPr sz="1800" dirty="0"/>
+          </a:p>
+          <a:p>
+            <a:pPr marL="914400" lvl="1" indent="-342900" algn="l" rtl="0">
+              <a:spcBef>
+                <a:spcPts val="0"/>
+              </a:spcBef>
+              <a:spcAft>
+                <a:spcPts val="0"/>
+              </a:spcAft>
+              <a:buSzPts val="1800"/>
+              <a:buChar char="○"/>
+            </a:pPr>
+            <a:r>
+              <a:rPr lang="en" sz="1800" dirty="0"/>
+              <a:t>But it should do something</a:t>
+            </a:r>
+            <a:endParaRPr sz="1800" dirty="0"/>
+          </a:p>
+          <a:p>
+            <a:pPr marL="914400" lvl="1" indent="-342900" algn="l" rtl="0">
+              <a:spcBef>
+                <a:spcPts val="0"/>
+              </a:spcBef>
+              <a:spcAft>
+                <a:spcPts val="0"/>
+              </a:spcAft>
+              <a:buSzPts val="1800"/>
+              <a:buChar char="○"/>
+            </a:pPr>
+            <a:r>
+              <a:rPr lang="en" sz="1800" dirty="0"/>
+              <a:t>Be prepared to talk through your Technology Review</a:t>
+            </a:r>
+            <a:endParaRPr sz="1800" dirty="0"/>
+          </a:p>
+          <a:p>
+            <a:pPr marL="457200" lvl="0" indent="-368300" algn="l" rtl="0">
+              <a:spcBef>
+                <a:spcPts val="0"/>
+              </a:spcBef>
+              <a:spcAft>
+                <a:spcPts val="0"/>
+              </a:spcAft>
+              <a:buSzPts val="2200"/>
+              <a:buChar char="●"/>
+            </a:pPr>
+            <a:r>
+              <a:rPr lang="en" sz="2200" dirty="0"/>
+              <a:t>How it will work</a:t>
+            </a:r>
+            <a:endParaRPr sz="2200" dirty="0"/>
+          </a:p>
+          <a:p>
+            <a:pPr marL="914400" lvl="1" indent="-342900" algn="l" rtl="0">
+              <a:spcBef>
+                <a:spcPts val="0"/>
+              </a:spcBef>
+              <a:spcAft>
+                <a:spcPts val="0"/>
+              </a:spcAft>
+              <a:buSzPts val="1800"/>
+              <a:buChar char="○"/>
+            </a:pPr>
+            <a:r>
+              <a:rPr lang="en" sz="1800" dirty="0"/>
+              <a:t>The TA and I will walk around the room</a:t>
+            </a:r>
+            <a:endParaRPr sz="1800" dirty="0"/>
+          </a:p>
+          <a:p>
+            <a:pPr marL="914400" lvl="1" indent="-342900" algn="l" rtl="0">
+              <a:spcBef>
+                <a:spcPts val="0"/>
+              </a:spcBef>
+              <a:spcAft>
+                <a:spcPts val="0"/>
+              </a:spcAft>
+              <a:buSzPts val="1800"/>
+              <a:buChar char="○"/>
+            </a:pPr>
+            <a:r>
+              <a:rPr lang="en" sz="1800" dirty="0"/>
+              <a:t>You’ll demonstrate your project to either Riyosha or me</a:t>
+            </a:r>
+            <a:endParaRPr sz="1800" dirty="0"/>
+          </a:p>
+          <a:p>
+            <a:pPr marL="914400" lvl="1" indent="-342900" algn="l" rtl="0">
+              <a:spcBef>
+                <a:spcPts val="0"/>
+              </a:spcBef>
+              <a:spcAft>
+                <a:spcPts val="0"/>
+              </a:spcAft>
+              <a:buSzPts val="1800"/>
+              <a:buChar char="○"/>
+            </a:pPr>
+            <a:r>
+              <a:rPr lang="en" sz="1800" dirty="0"/>
+              <a:t>Low stress!</a:t>
+            </a:r>
+            <a:endParaRPr sz="1800" dirty="0"/>
+          </a:p>
+          <a:p>
+            <a:pPr marL="457200" lvl="0" indent="-368300" algn="l" rtl="0">
+              <a:spcBef>
+                <a:spcPts val="0"/>
+              </a:spcBef>
+              <a:spcAft>
+                <a:spcPts val="0"/>
+              </a:spcAft>
+              <a:buSzPts val="2200"/>
+              <a:buChar char="●"/>
+            </a:pPr>
+            <a:r>
+              <a:rPr lang="en" sz="2200" dirty="0"/>
+              <a:t>Grading: participation</a:t>
+            </a:r>
+            <a:endParaRPr sz="2200" dirty="0"/>
+          </a:p>
+        </p:txBody>
+      </p:sp>
+    </p:spTree>
+  </p:cSld>
+  <p:clrMapOvr>
+    <a:masterClrMapping/>
+  </p:clrMapOvr>
+</p:sld>
+</file>
+
+<file path=ppt/slides/slide5.xml><?xml version="1.0" encoding="utf-8"?>
+<p:sld xmlns:a="http://schemas.openxmlformats.org/drawingml/2006/main" xmlns:r="http://schemas.openxmlformats.org/officeDocument/2006/relationships" xmlns:p="http://schemas.openxmlformats.org/presentationml/2006/main">
+  <p:cSld>
+    <p:spTree>
+      <p:nvGrpSpPr>
+        <p:cNvPr id="1" name="Shape 68"/>
         <p:cNvGrpSpPr/>
         <p:nvPr/>
       </p:nvGrpSpPr>
@@ -6483,7 +7238,9 @@
       <p:sp>
         <p:nvSpPr>
           <p:cNvPr id="69" name="Google Shape;69;p14"/>
-          <p:cNvSpPr txBox="1"/>
+          <p:cNvSpPr txBox="1">
+            <a:spLocks noGrp="1"/>
+          </p:cNvSpPr>
           <p:nvPr>
             <p:ph type="title"/>
           </p:nvPr>
@@ -6498,12 +7255,12 @@
           </a:prstGeom>
         </p:spPr>
         <p:txBody>
-          <a:bodyPr anchorCtr="0" anchor="t" bIns="91425" lIns="91425" spcFirstLastPara="1" rIns="91425" wrap="square" tIns="91425">
+          <a:bodyPr spcFirstLastPara="1" wrap="square" lIns="91425" tIns="91425" rIns="91425" bIns="91425" anchor="t" anchorCtr="0">
             <a:normAutofit fontScale="90000"/>
           </a:bodyPr>
           <a:lstStyle/>
           <a:p>
-            <a:pPr indent="0" lvl="0" marL="0" rtl="0" algn="ctr">
+            <a:pPr marL="0" lvl="0" indent="0" algn="ctr" rtl="0">
               <a:spcBef>
                 <a:spcPts val="0"/>
               </a:spcBef>
@@ -6528,552 +7285,289 @@
 </p:sld>
 </file>
 
-<file path=ppt/slides/slide3.xml><?xml version="1.0" encoding="utf-8"?>
-<p:sld xmlns:a="http://schemas.openxmlformats.org/drawingml/2006/main" xmlns:r="http://schemas.openxmlformats.org/officeDocument/2006/relationships" xmlns:mc="http://schemas.openxmlformats.org/markup-compatibility/2006" xmlns:mv="urn:schemas-microsoft-com:mac:vml" xmlns:p="http://schemas.openxmlformats.org/presentationml/2006/main" xmlns:c="http://schemas.openxmlformats.org/drawingml/2006/chart" xmlns:dgm="http://schemas.openxmlformats.org/drawingml/2006/diagram" xmlns:o="urn:schemas-microsoft-com:office:office" xmlns:v="urn:schemas-microsoft-com:vml" xmlns:pvml="urn:schemas-microsoft-com:office:powerpoint" xmlns:com="http://schemas.openxmlformats.org/drawingml/2006/compatibility" xmlns:p14="http://schemas.microsoft.com/office/powerpoint/2010/main" xmlns:p15="http://schemas.microsoft.com/office/powerpoint/2012/main" xmlns:ahyp="http://schemas.microsoft.com/office/drawing/2018/hyperlinkcolor">
-  <p:cSld>
-    <p:spTree>
-      <p:nvGrpSpPr>
-        <p:cNvPr id="73" name="Shape 73"/>
-        <p:cNvGrpSpPr/>
-        <p:nvPr/>
-      </p:nvGrpSpPr>
-      <p:grpSpPr>
-        <a:xfrm>
-          <a:off x="0" y="0"/>
-          <a:ext cx="0" cy="0"/>
-          <a:chOff x="0" y="0"/>
-          <a:chExt cx="0" cy="0"/>
-        </a:xfrm>
-      </p:grpSpPr>
-      <p:sp>
-        <p:nvSpPr>
-          <p:cNvPr id="74" name="Google Shape;74;p15"/>
-          <p:cNvSpPr txBox="1"/>
-          <p:nvPr>
-            <p:ph type="title"/>
-          </p:nvPr>
-        </p:nvSpPr>
-        <p:spPr>
-          <a:xfrm>
-            <a:off x="311700" y="445025"/>
-            <a:ext cx="8520600" cy="572700"/>
-          </a:xfrm>
-          <a:prstGeom prst="rect">
-            <a:avLst/>
-          </a:prstGeom>
-        </p:spPr>
-        <p:txBody>
-          <a:bodyPr anchorCtr="0" anchor="t" bIns="91425" lIns="91425" spcFirstLastPara="1" rIns="91425" wrap="square" tIns="91425">
-            <a:normAutofit fontScale="90000"/>
-          </a:bodyPr>
-          <a:lstStyle/>
-          <a:p>
-            <a:pPr indent="0" lvl="0" marL="0" rtl="0" algn="l">
-              <a:spcBef>
-                <a:spcPts val="0"/>
-              </a:spcBef>
-              <a:spcAft>
-                <a:spcPts val="0"/>
-              </a:spcAft>
-              <a:buNone/>
-            </a:pPr>
-            <a:r>
-              <a:rPr lang="en"/>
-              <a:t>Reminder: Final Presentation Date</a:t>
-            </a:r>
-            <a:endParaRPr/>
-          </a:p>
-        </p:txBody>
-      </p:sp>
-      <p:sp>
-        <p:nvSpPr>
-          <p:cNvPr id="75" name="Google Shape;75;p15"/>
-          <p:cNvSpPr txBox="1"/>
-          <p:nvPr>
-            <p:ph idx="1" type="body"/>
-          </p:nvPr>
-        </p:nvSpPr>
-        <p:spPr>
-          <a:xfrm>
-            <a:off x="311700" y="1152475"/>
-            <a:ext cx="8520600" cy="3416400"/>
-          </a:xfrm>
-          <a:prstGeom prst="rect">
-            <a:avLst/>
-          </a:prstGeom>
-        </p:spPr>
-        <p:txBody>
-          <a:bodyPr anchorCtr="0" anchor="t" bIns="91425" lIns="91425" spcFirstLastPara="1" rIns="91425" wrap="square" tIns="91425">
-            <a:normAutofit/>
-          </a:bodyPr>
-          <a:lstStyle/>
-          <a:p>
-            <a:pPr indent="0" lvl="0" marL="0" rtl="0" algn="l">
-              <a:spcBef>
-                <a:spcPts val="0"/>
-              </a:spcBef>
-              <a:spcAft>
-                <a:spcPts val="0"/>
-              </a:spcAft>
-              <a:buNone/>
-            </a:pPr>
-            <a:r>
-              <a:rPr lang="en"/>
-              <a:t>Final presentations will be Thursday March 20, 5-8pm, as on the calendar and course website.</a:t>
-            </a:r>
-            <a:endParaRPr/>
-          </a:p>
-          <a:p>
-            <a:pPr indent="0" lvl="0" marL="0" rtl="0" algn="l">
-              <a:spcBef>
-                <a:spcPts val="1200"/>
-              </a:spcBef>
-              <a:spcAft>
-                <a:spcPts val="0"/>
-              </a:spcAft>
-              <a:buNone/>
-            </a:pPr>
-            <a:r>
-              <a:rPr lang="en"/>
-              <a:t>	NOT as on MyUW</a:t>
-            </a:r>
-            <a:endParaRPr/>
-          </a:p>
-          <a:p>
-            <a:pPr indent="0" lvl="0" marL="0" rtl="0" algn="l">
-              <a:spcBef>
-                <a:spcPts val="1200"/>
-              </a:spcBef>
-              <a:spcAft>
-                <a:spcPts val="1200"/>
-              </a:spcAft>
-              <a:buNone/>
-            </a:pPr>
-            <a:r>
-              <a:rPr lang="en"/>
-              <a:t>Let me know if you have issues with the scheduling.</a:t>
-            </a:r>
-            <a:endParaRPr/>
-          </a:p>
-        </p:txBody>
-      </p:sp>
-    </p:spTree>
-  </p:cSld>
-  <p:clrMapOvr>
-    <a:masterClrMapping/>
-  </p:clrMapOvr>
-</p:sld>
+<file path=ppt/theme/theme1.xml><?xml version="1.0" encoding="utf-8"?>
+<a:theme xmlns:a="http://schemas.openxmlformats.org/drawingml/2006/main" name="Simple Light">
+  <a:themeElements>
+    <a:clrScheme name="Simple Light">
+      <a:dk1>
+        <a:srgbClr val="000000"/>
+      </a:dk1>
+      <a:lt1>
+        <a:srgbClr val="FFFFFF"/>
+      </a:lt1>
+      <a:dk2>
+        <a:srgbClr val="595959"/>
+      </a:dk2>
+      <a:lt2>
+        <a:srgbClr val="EEEEEE"/>
+      </a:lt2>
+      <a:accent1>
+        <a:srgbClr val="4285F4"/>
+      </a:accent1>
+      <a:accent2>
+        <a:srgbClr val="212121"/>
+      </a:accent2>
+      <a:accent3>
+        <a:srgbClr val="78909C"/>
+      </a:accent3>
+      <a:accent4>
+        <a:srgbClr val="FFAB40"/>
+      </a:accent4>
+      <a:accent5>
+        <a:srgbClr val="0097A7"/>
+      </a:accent5>
+      <a:accent6>
+        <a:srgbClr val="EEFF41"/>
+      </a:accent6>
+      <a:hlink>
+        <a:srgbClr val="0097A7"/>
+      </a:hlink>
+      <a:folHlink>
+        <a:srgbClr val="0097A7"/>
+      </a:folHlink>
+    </a:clrScheme>
+    <a:fontScheme name="Office">
+      <a:majorFont>
+        <a:latin typeface="Arial"/>
+        <a:ea typeface=""/>
+        <a:cs typeface=""/>
+        <a:font script="Jpan" typeface="ＭＳ Ｐゴシック"/>
+        <a:font script="Hang" typeface="맑은 고딕"/>
+        <a:font script="Hans" typeface="宋体"/>
+        <a:font script="Hant" typeface="新細明體"/>
+        <a:font script="Arab" typeface="Times New Roman"/>
+        <a:font script="Hebr" typeface="Times New Roman"/>
+        <a:font script="Thai" typeface="Angsana New"/>
+        <a:font script="Ethi" typeface="Nyala"/>
+        <a:font script="Beng" typeface="Vrinda"/>
+        <a:font script="Gujr" typeface="Shruti"/>
+        <a:font script="Khmr" typeface="MoolBoran"/>
+        <a:font script="Knda" typeface="Tunga"/>
+        <a:font script="Guru" typeface="Raavi"/>
+        <a:font script="Cans" typeface="Euphemia"/>
+        <a:font script="Cher" typeface="Plantagenet Cherokee"/>
+        <a:font script="Yiii" typeface="Microsoft Yi Baiti"/>
+        <a:font script="Tibt" typeface="Microsoft Himalaya"/>
+        <a:font script="Thaa" typeface="MV Boli"/>
+        <a:font script="Deva" typeface="Mangal"/>
+        <a:font script="Telu" typeface="Gautami"/>
+        <a:font script="Taml" typeface="Latha"/>
+        <a:font script="Syrc" typeface="Estrangelo Edessa"/>
+        <a:font script="Orya" typeface="Kalinga"/>
+        <a:font script="Mlym" typeface="Kartika"/>
+        <a:font script="Laoo" typeface="DokChampa"/>
+        <a:font script="Sinh" typeface="Iskoola Pota"/>
+        <a:font script="Mong" typeface="Mongolian Baiti"/>
+        <a:font script="Viet" typeface="Times New Roman"/>
+        <a:font script="Uigh" typeface="Microsoft Uighur"/>
+        <a:font script="Geor" typeface="Sylfaen"/>
+      </a:majorFont>
+      <a:minorFont>
+        <a:latin typeface="Arial"/>
+        <a:ea typeface=""/>
+        <a:cs typeface=""/>
+        <a:font script="Jpan" typeface="ＭＳ Ｐゴシック"/>
+        <a:font script="Hang" typeface="맑은 고딕"/>
+        <a:font script="Hans" typeface="宋体"/>
+        <a:font script="Hant" typeface="新細明體"/>
+        <a:font script="Arab" typeface="Arial"/>
+        <a:font script="Hebr" typeface="Arial"/>
+        <a:font script="Thai" typeface="Cordia New"/>
+        <a:font script="Ethi" typeface="Nyala"/>
+        <a:font script="Beng" typeface="Vrinda"/>
+        <a:font script="Gujr" typeface="Shruti"/>
+        <a:font script="Khmr" typeface="DaunPenh"/>
+        <a:font script="Knda" typeface="Tunga"/>
+        <a:font script="Guru" typeface="Raavi"/>
+        <a:font script="Cans" typeface="Euphemia"/>
+        <a:font script="Cher" typeface="Plantagenet Cherokee"/>
+        <a:font script="Yiii" typeface="Microsoft Yi Baiti"/>
+        <a:font script="Tibt" typeface="Microsoft Himalaya"/>
+        <a:font script="Thaa" typeface="MV Boli"/>
+        <a:font script="Deva" typeface="Mangal"/>
+        <a:font script="Telu" typeface="Gautami"/>
+        <a:font script="Taml" typeface="Latha"/>
+        <a:font script="Syrc" typeface="Estrangelo Edessa"/>
+        <a:font script="Orya" typeface="Kalinga"/>
+        <a:font script="Mlym" typeface="Kartika"/>
+        <a:font script="Laoo" typeface="DokChampa"/>
+        <a:font script="Sinh" typeface="Iskoola Pota"/>
+        <a:font script="Mong" typeface="Mongolian Baiti"/>
+        <a:font script="Viet" typeface="Arial"/>
+        <a:font script="Uigh" typeface="Microsoft Uighur"/>
+        <a:font script="Geor" typeface="Sylfaen"/>
+      </a:minorFont>
+    </a:fontScheme>
+    <a:fmtScheme name="Office">
+      <a:fillStyleLst>
+        <a:solidFill>
+          <a:schemeClr val="phClr"/>
+        </a:solidFill>
+        <a:gradFill rotWithShape="1">
+          <a:gsLst>
+            <a:gs pos="0">
+              <a:schemeClr val="phClr">
+                <a:tint val="50000"/>
+                <a:satMod val="300000"/>
+              </a:schemeClr>
+            </a:gs>
+            <a:gs pos="35000">
+              <a:schemeClr val="phClr">
+                <a:tint val="37000"/>
+                <a:satMod val="300000"/>
+              </a:schemeClr>
+            </a:gs>
+            <a:gs pos="100000">
+              <a:schemeClr val="phClr">
+                <a:tint val="15000"/>
+                <a:satMod val="350000"/>
+              </a:schemeClr>
+            </a:gs>
+          </a:gsLst>
+          <a:lin ang="16200000" scaled="1"/>
+        </a:gradFill>
+        <a:gradFill rotWithShape="1">
+          <a:gsLst>
+            <a:gs pos="0">
+              <a:schemeClr val="phClr">
+                <a:tint val="100000"/>
+                <a:shade val="100000"/>
+                <a:satMod val="130000"/>
+              </a:schemeClr>
+            </a:gs>
+            <a:gs pos="100000">
+              <a:schemeClr val="phClr">
+                <a:tint val="50000"/>
+                <a:shade val="100000"/>
+                <a:satMod val="350000"/>
+              </a:schemeClr>
+            </a:gs>
+          </a:gsLst>
+          <a:lin ang="16200000" scaled="0"/>
+        </a:gradFill>
+      </a:fillStyleLst>
+      <a:lnStyleLst>
+        <a:ln w="9525" cap="flat" cmpd="sng" algn="ctr">
+          <a:solidFill>
+            <a:schemeClr val="phClr">
+              <a:shade val="95000"/>
+              <a:satMod val="105000"/>
+            </a:schemeClr>
+          </a:solidFill>
+          <a:prstDash val="solid"/>
+        </a:ln>
+        <a:ln w="25400" cap="flat" cmpd="sng" algn="ctr">
+          <a:solidFill>
+            <a:schemeClr val="phClr"/>
+          </a:solidFill>
+          <a:prstDash val="solid"/>
+        </a:ln>
+        <a:ln w="38100" cap="flat" cmpd="sng" algn="ctr">
+          <a:solidFill>
+            <a:schemeClr val="phClr"/>
+          </a:solidFill>
+          <a:prstDash val="solid"/>
+        </a:ln>
+      </a:lnStyleLst>
+      <a:effectStyleLst>
+        <a:effectStyle>
+          <a:effectLst>
+            <a:outerShdw blurRad="40000" dist="20000" dir="5400000" rotWithShape="0">
+              <a:srgbClr val="000000">
+                <a:alpha val="38000"/>
+              </a:srgbClr>
+            </a:outerShdw>
+          </a:effectLst>
+        </a:effectStyle>
+        <a:effectStyle>
+          <a:effectLst>
+            <a:outerShdw blurRad="40000" dist="23000" dir="5400000" rotWithShape="0">
+              <a:srgbClr val="000000">
+                <a:alpha val="35000"/>
+              </a:srgbClr>
+            </a:outerShdw>
+          </a:effectLst>
+        </a:effectStyle>
+        <a:effectStyle>
+          <a:effectLst>
+            <a:outerShdw blurRad="40000" dist="23000" dir="5400000" rotWithShape="0">
+              <a:srgbClr val="000000">
+                <a:alpha val="35000"/>
+              </a:srgbClr>
+            </a:outerShdw>
+          </a:effectLst>
+          <a:scene3d>
+            <a:camera prst="orthographicFront">
+              <a:rot lat="0" lon="0" rev="0"/>
+            </a:camera>
+            <a:lightRig rig="threePt" dir="t">
+              <a:rot lat="0" lon="0" rev="1200000"/>
+            </a:lightRig>
+          </a:scene3d>
+          <a:sp3d>
+            <a:bevelT w="63500" h="25400"/>
+          </a:sp3d>
+        </a:effectStyle>
+      </a:effectStyleLst>
+      <a:bgFillStyleLst>
+        <a:solidFill>
+          <a:schemeClr val="phClr"/>
+        </a:solidFill>
+        <a:gradFill rotWithShape="1">
+          <a:gsLst>
+            <a:gs pos="0">
+              <a:schemeClr val="phClr">
+                <a:tint val="40000"/>
+                <a:satMod val="350000"/>
+              </a:schemeClr>
+            </a:gs>
+            <a:gs pos="40000">
+              <a:schemeClr val="phClr">
+                <a:tint val="45000"/>
+                <a:shade val="99000"/>
+                <a:satMod val="350000"/>
+              </a:schemeClr>
+            </a:gs>
+            <a:gs pos="100000">
+              <a:schemeClr val="phClr">
+                <a:shade val="20000"/>
+                <a:satMod val="255000"/>
+              </a:schemeClr>
+            </a:gs>
+          </a:gsLst>
+          <a:path path="circle">
+            <a:fillToRect l="50000" t="-80000" r="50000" b="180000"/>
+          </a:path>
+        </a:gradFill>
+        <a:gradFill rotWithShape="1">
+          <a:gsLst>
+            <a:gs pos="0">
+              <a:schemeClr val="phClr">
+                <a:tint val="80000"/>
+                <a:satMod val="300000"/>
+              </a:schemeClr>
+            </a:gs>
+            <a:gs pos="100000">
+              <a:schemeClr val="phClr">
+                <a:shade val="30000"/>
+                <a:satMod val="200000"/>
+              </a:schemeClr>
+            </a:gs>
+          </a:gsLst>
+          <a:path path="circle">
+            <a:fillToRect l="50000" t="50000" r="50000" b="50000"/>
+          </a:path>
+        </a:gradFill>
+      </a:bgFillStyleLst>
+    </a:fmtScheme>
+  </a:themeElements>
+  <a:objectDefaults/>
+  <a:extraClrSchemeLst/>
+</a:theme>
 </file>
 
-<file path=ppt/slides/slide4.xml><?xml version="1.0" encoding="utf-8"?>
-<p:sld xmlns:a="http://schemas.openxmlformats.org/drawingml/2006/main" xmlns:r="http://schemas.openxmlformats.org/officeDocument/2006/relationships" xmlns:mc="http://schemas.openxmlformats.org/markup-compatibility/2006" xmlns:mv="urn:schemas-microsoft-com:mac:vml" xmlns:p="http://schemas.openxmlformats.org/presentationml/2006/main" xmlns:c="http://schemas.openxmlformats.org/drawingml/2006/chart" xmlns:dgm="http://schemas.openxmlformats.org/drawingml/2006/diagram" xmlns:o="urn:schemas-microsoft-com:office:office" xmlns:v="urn:schemas-microsoft-com:vml" xmlns:pvml="urn:schemas-microsoft-com:office:powerpoint" xmlns:com="http://schemas.openxmlformats.org/drawingml/2006/compatibility" xmlns:p14="http://schemas.microsoft.com/office/powerpoint/2010/main" xmlns:p15="http://schemas.microsoft.com/office/powerpoint/2012/main" xmlns:ahyp="http://schemas.microsoft.com/office/drawing/2018/hyperlinkcolor">
-  <p:cSld>
-    <p:spTree>
-      <p:nvGrpSpPr>
-        <p:cNvPr id="79" name="Shape 79"/>
-        <p:cNvGrpSpPr/>
-        <p:nvPr/>
-      </p:nvGrpSpPr>
-      <p:grpSpPr>
-        <a:xfrm>
-          <a:off x="0" y="0"/>
-          <a:ext cx="0" cy="0"/>
-          <a:chOff x="0" y="0"/>
-          <a:chExt cx="0" cy="0"/>
-        </a:xfrm>
-      </p:grpSpPr>
-      <p:sp>
-        <p:nvSpPr>
-          <p:cNvPr id="80" name="Google Shape;80;p16"/>
-          <p:cNvSpPr txBox="1"/>
-          <p:nvPr>
-            <p:ph type="title"/>
-          </p:nvPr>
-        </p:nvSpPr>
-        <p:spPr>
-          <a:xfrm>
-            <a:off x="311700" y="445025"/>
-            <a:ext cx="8520600" cy="572700"/>
-          </a:xfrm>
-          <a:prstGeom prst="rect">
-            <a:avLst/>
-          </a:prstGeom>
-        </p:spPr>
-        <p:txBody>
-          <a:bodyPr anchorCtr="0" anchor="t" bIns="91425" lIns="91425" spcFirstLastPara="1" rIns="91425" wrap="square" tIns="91425">
-            <a:normAutofit fontScale="90000"/>
-          </a:bodyPr>
-          <a:lstStyle/>
-          <a:p>
-            <a:pPr indent="0" lvl="0" marL="0" rtl="0" algn="l">
-              <a:spcBef>
-                <a:spcPts val="0"/>
-              </a:spcBef>
-              <a:spcAft>
-                <a:spcPts val="0"/>
-              </a:spcAft>
-              <a:buNone/>
-            </a:pPr>
-            <a:r>
-              <a:rPr lang="en"/>
-              <a:t>Due today: project software design exercise</a:t>
-            </a:r>
-            <a:endParaRPr/>
-          </a:p>
-        </p:txBody>
-      </p:sp>
-      <p:sp>
-        <p:nvSpPr>
-          <p:cNvPr id="81" name="Google Shape;81;p16"/>
-          <p:cNvSpPr txBox="1"/>
-          <p:nvPr>
-            <p:ph idx="1" type="body"/>
-          </p:nvPr>
-        </p:nvSpPr>
-        <p:spPr>
-          <a:xfrm>
-            <a:off x="311700" y="1152475"/>
-            <a:ext cx="8520600" cy="3416400"/>
-          </a:xfrm>
-          <a:prstGeom prst="rect">
-            <a:avLst/>
-          </a:prstGeom>
-        </p:spPr>
-        <p:txBody>
-          <a:bodyPr anchorCtr="0" anchor="t" bIns="91425" lIns="91425" spcFirstLastPara="1" rIns="91425" wrap="square" tIns="91425">
-            <a:normAutofit/>
-          </a:bodyPr>
-          <a:lstStyle/>
-          <a:p>
-            <a:pPr indent="-368300" lvl="0" marL="457200" rtl="0" algn="l">
-              <a:spcBef>
-                <a:spcPts val="0"/>
-              </a:spcBef>
-              <a:spcAft>
-                <a:spcPts val="0"/>
-              </a:spcAft>
-              <a:buSzPts val="2200"/>
-              <a:buChar char="●"/>
-            </a:pPr>
-            <a:r>
-              <a:rPr lang="en" sz="2200"/>
-              <a:t>You’ve uploaded to GitHub, right?</a:t>
-            </a:r>
-            <a:endParaRPr sz="2200"/>
-          </a:p>
-          <a:p>
-            <a:pPr indent="-368300" lvl="0" marL="457200" rtl="0" algn="l">
-              <a:spcBef>
-                <a:spcPts val="0"/>
-              </a:spcBef>
-              <a:spcAft>
-                <a:spcPts val="0"/>
-              </a:spcAft>
-              <a:buSzPts val="2200"/>
-              <a:buChar char="●"/>
-            </a:pPr>
-            <a:r>
-              <a:rPr lang="en" sz="2200"/>
-              <a:t>We’ll take a look and give you a grade, as well as any notes on your proposed design.</a:t>
-            </a:r>
-            <a:endParaRPr sz="2200"/>
-          </a:p>
-          <a:p>
-            <a:pPr indent="-368300" lvl="0" marL="457200" rtl="0" algn="l">
-              <a:spcBef>
-                <a:spcPts val="0"/>
-              </a:spcBef>
-              <a:spcAft>
-                <a:spcPts val="0"/>
-              </a:spcAft>
-              <a:buSzPts val="2200"/>
-              <a:buChar char="●"/>
-            </a:pPr>
-            <a:r>
-              <a:rPr lang="en" sz="2200"/>
-              <a:t>You may fix any issues for regrade during the final project evaluation</a:t>
-            </a:r>
-            <a:endParaRPr sz="2200"/>
-          </a:p>
-        </p:txBody>
-      </p:sp>
-    </p:spTree>
-  </p:cSld>
-  <p:clrMapOvr>
-    <a:masterClrMapping/>
-  </p:clrMapOvr>
-</p:sld>
-</file>
-
-<file path=ppt/slides/slide5.xml><?xml version="1.0" encoding="utf-8"?>
-<p:sld xmlns:a="http://schemas.openxmlformats.org/drawingml/2006/main" xmlns:r="http://schemas.openxmlformats.org/officeDocument/2006/relationships" xmlns:mc="http://schemas.openxmlformats.org/markup-compatibility/2006" xmlns:mv="urn:schemas-microsoft-com:mac:vml" xmlns:p="http://schemas.openxmlformats.org/presentationml/2006/main" xmlns:c="http://schemas.openxmlformats.org/drawingml/2006/chart" xmlns:dgm="http://schemas.openxmlformats.org/drawingml/2006/diagram" xmlns:o="urn:schemas-microsoft-com:office:office" xmlns:v="urn:schemas-microsoft-com:vml" xmlns:pvml="urn:schemas-microsoft-com:office:powerpoint" xmlns:com="http://schemas.openxmlformats.org/drawingml/2006/compatibility" xmlns:p14="http://schemas.microsoft.com/office/powerpoint/2010/main" xmlns:p15="http://schemas.microsoft.com/office/powerpoint/2012/main" xmlns:ahyp="http://schemas.microsoft.com/office/drawing/2018/hyperlinkcolor">
-  <p:cSld>
-    <p:spTree>
-      <p:nvGrpSpPr>
-        <p:cNvPr id="85" name="Shape 85"/>
-        <p:cNvGrpSpPr/>
-        <p:nvPr/>
-      </p:nvGrpSpPr>
-      <p:grpSpPr>
-        <a:xfrm>
-          <a:off x="0" y="0"/>
-          <a:ext cx="0" cy="0"/>
-          <a:chOff x="0" y="0"/>
-          <a:chExt cx="0" cy="0"/>
-        </a:xfrm>
-      </p:grpSpPr>
-      <p:sp>
-        <p:nvSpPr>
-          <p:cNvPr id="86" name="Google Shape;86;p17"/>
-          <p:cNvSpPr txBox="1"/>
-          <p:nvPr>
-            <p:ph type="title"/>
-          </p:nvPr>
-        </p:nvSpPr>
-        <p:spPr>
-          <a:xfrm>
-            <a:off x="311700" y="445025"/>
-            <a:ext cx="8520600" cy="572700"/>
-          </a:xfrm>
-          <a:prstGeom prst="rect">
-            <a:avLst/>
-          </a:prstGeom>
-        </p:spPr>
-        <p:txBody>
-          <a:bodyPr anchorCtr="0" anchor="t" bIns="91425" lIns="91425" spcFirstLastPara="1" rIns="91425" wrap="square" tIns="91425">
-            <a:normAutofit fontScale="90000"/>
-          </a:bodyPr>
-          <a:lstStyle/>
-          <a:p>
-            <a:pPr indent="0" lvl="0" marL="0" rtl="0" algn="l">
-              <a:spcBef>
-                <a:spcPts val="0"/>
-              </a:spcBef>
-              <a:spcAft>
-                <a:spcPts val="0"/>
-              </a:spcAft>
-              <a:buNone/>
-            </a:pPr>
-            <a:r>
-              <a:rPr lang="en"/>
-              <a:t>Next week: initial project demo</a:t>
-            </a:r>
-            <a:endParaRPr/>
-          </a:p>
-        </p:txBody>
-      </p:sp>
-      <p:sp>
-        <p:nvSpPr>
-          <p:cNvPr id="87" name="Google Shape;87;p17"/>
-          <p:cNvSpPr txBox="1"/>
-          <p:nvPr>
-            <p:ph idx="1" type="body"/>
-          </p:nvPr>
-        </p:nvSpPr>
-        <p:spPr>
-          <a:xfrm>
-            <a:off x="311700" y="1152475"/>
-            <a:ext cx="8520600" cy="3837300"/>
-          </a:xfrm>
-          <a:prstGeom prst="rect">
-            <a:avLst/>
-          </a:prstGeom>
-        </p:spPr>
-        <p:txBody>
-          <a:bodyPr anchorCtr="0" anchor="t" bIns="91425" lIns="91425" spcFirstLastPara="1" rIns="91425" wrap="square" tIns="91425">
-            <a:normAutofit/>
-          </a:bodyPr>
-          <a:lstStyle/>
-          <a:p>
-            <a:pPr indent="-368300" lvl="0" marL="457200" rtl="0" algn="l">
-              <a:spcBef>
-                <a:spcPts val="0"/>
-              </a:spcBef>
-              <a:spcAft>
-                <a:spcPts val="0"/>
-              </a:spcAft>
-              <a:buSzPts val="2200"/>
-              <a:buChar char="●"/>
-            </a:pPr>
-            <a:r>
-              <a:rPr lang="en" sz="2200"/>
-              <a:t>Goal: show off what you’ve done so far + Technology Review</a:t>
-            </a:r>
-            <a:endParaRPr sz="2200"/>
-          </a:p>
-          <a:p>
-            <a:pPr indent="-342900" lvl="1" marL="914400" rtl="0" algn="l">
-              <a:spcBef>
-                <a:spcPts val="0"/>
-              </a:spcBef>
-              <a:spcAft>
-                <a:spcPts val="0"/>
-              </a:spcAft>
-              <a:buSzPts val="1800"/>
-              <a:buChar char="○"/>
-            </a:pPr>
-            <a:r>
-              <a:rPr lang="en" sz="1800"/>
-              <a:t>…you’ve done something so far, right?</a:t>
-            </a:r>
-            <a:endParaRPr sz="1800"/>
-          </a:p>
-          <a:p>
-            <a:pPr indent="-342900" lvl="1" marL="914400" rtl="0" algn="l">
-              <a:spcBef>
-                <a:spcPts val="0"/>
-              </a:spcBef>
-              <a:spcAft>
-                <a:spcPts val="0"/>
-              </a:spcAft>
-              <a:buSzPts val="1800"/>
-              <a:buChar char="○"/>
-            </a:pPr>
-            <a:r>
-              <a:rPr lang="en" sz="1800"/>
-              <a:t>It doesn’t have to be anywhere near complete!</a:t>
-            </a:r>
-            <a:endParaRPr sz="1800"/>
-          </a:p>
-          <a:p>
-            <a:pPr indent="-342900" lvl="1" marL="914400" rtl="0" algn="l">
-              <a:spcBef>
-                <a:spcPts val="0"/>
-              </a:spcBef>
-              <a:spcAft>
-                <a:spcPts val="0"/>
-              </a:spcAft>
-              <a:buSzPts val="1800"/>
-              <a:buChar char="○"/>
-            </a:pPr>
-            <a:r>
-              <a:rPr lang="en" sz="1800"/>
-              <a:t>But it </a:t>
-            </a:r>
-            <a:r>
-              <a:rPr lang="en" sz="1800"/>
-              <a:t>should</a:t>
-            </a:r>
-            <a:r>
-              <a:rPr lang="en" sz="1800"/>
-              <a:t> do something</a:t>
-            </a:r>
-            <a:endParaRPr sz="1800"/>
-          </a:p>
-          <a:p>
-            <a:pPr indent="-342900" lvl="1" marL="914400" rtl="0" algn="l">
-              <a:spcBef>
-                <a:spcPts val="0"/>
-              </a:spcBef>
-              <a:spcAft>
-                <a:spcPts val="0"/>
-              </a:spcAft>
-              <a:buSzPts val="1800"/>
-              <a:buChar char="○"/>
-            </a:pPr>
-            <a:r>
-              <a:rPr lang="en" sz="1800"/>
-              <a:t>Be prepared to talk through your Technology Review</a:t>
-            </a:r>
-            <a:endParaRPr sz="1800"/>
-          </a:p>
-          <a:p>
-            <a:pPr indent="-368300" lvl="0" marL="457200" rtl="0" algn="l">
-              <a:spcBef>
-                <a:spcPts val="0"/>
-              </a:spcBef>
-              <a:spcAft>
-                <a:spcPts val="0"/>
-              </a:spcAft>
-              <a:buSzPts val="2200"/>
-              <a:buChar char="●"/>
-            </a:pPr>
-            <a:r>
-              <a:rPr lang="en" sz="2200"/>
-              <a:t>How it will work</a:t>
-            </a:r>
-            <a:endParaRPr sz="2200"/>
-          </a:p>
-          <a:p>
-            <a:pPr indent="-342900" lvl="1" marL="914400" rtl="0" algn="l">
-              <a:spcBef>
-                <a:spcPts val="0"/>
-              </a:spcBef>
-              <a:spcAft>
-                <a:spcPts val="0"/>
-              </a:spcAft>
-              <a:buSzPts val="1800"/>
-              <a:buChar char="○"/>
-            </a:pPr>
-            <a:r>
-              <a:rPr lang="en" sz="1800"/>
-              <a:t>The TA and I will walk around the room</a:t>
-            </a:r>
-            <a:endParaRPr sz="1800"/>
-          </a:p>
-          <a:p>
-            <a:pPr indent="-342900" lvl="1" marL="914400" rtl="0" algn="l">
-              <a:spcBef>
-                <a:spcPts val="0"/>
-              </a:spcBef>
-              <a:spcAft>
-                <a:spcPts val="0"/>
-              </a:spcAft>
-              <a:buSzPts val="1800"/>
-              <a:buChar char="○"/>
-            </a:pPr>
-            <a:r>
-              <a:rPr lang="en" sz="1800"/>
-              <a:t>You’ll demonstrate your project to either the TA, or both a TA and me</a:t>
-            </a:r>
-            <a:endParaRPr sz="1800"/>
-          </a:p>
-          <a:p>
-            <a:pPr indent="-342900" lvl="1" marL="914400" rtl="0" algn="l">
-              <a:spcBef>
-                <a:spcPts val="0"/>
-              </a:spcBef>
-              <a:spcAft>
-                <a:spcPts val="0"/>
-              </a:spcAft>
-              <a:buSzPts val="1800"/>
-              <a:buChar char="○"/>
-            </a:pPr>
-            <a:r>
-              <a:rPr lang="en" sz="1800"/>
-              <a:t>Low stress!</a:t>
-            </a:r>
-            <a:endParaRPr sz="1800"/>
-          </a:p>
-          <a:p>
-            <a:pPr indent="-368300" lvl="0" marL="457200" rtl="0" algn="l">
-              <a:spcBef>
-                <a:spcPts val="0"/>
-              </a:spcBef>
-              <a:spcAft>
-                <a:spcPts val="0"/>
-              </a:spcAft>
-              <a:buSzPts val="2200"/>
-              <a:buChar char="●"/>
-            </a:pPr>
-            <a:r>
-              <a:rPr lang="en" sz="2200"/>
-              <a:t>Grading: participation</a:t>
-            </a:r>
-            <a:endParaRPr sz="2200"/>
-          </a:p>
-        </p:txBody>
-      </p:sp>
-    </p:spTree>
-  </p:cSld>
-  <p:clrMapOvr>
-    <a:masterClrMapping/>
-  </p:clrMapOvr>
-</p:sld>
-</file>
-
-<file path=ppt/theme/theme1.xml><?xml version="1.0" encoding="utf-8"?>
-<a:theme xmlns:a="http://schemas.openxmlformats.org/drawingml/2006/main" xmlns:r="http://schemas.openxmlformats.org/officeDocument/2006/relationships">
+<file path=ppt/theme/theme2.xml><?xml version="1.0" encoding="utf-8"?>
+<a:theme xmlns:a="http://schemas.openxmlformats.org/drawingml/2006/main">
   <a:themeElements>
     <a:clrScheme name="Default">
       <a:dk1>
@@ -7348,284 +7842,7 @@
       </a:bgFillStyleLst>
     </a:fmtScheme>
   </a:themeElements>
-</a:theme>
-</file>
-
-<file path=ppt/theme/theme2.xml><?xml version="1.0" encoding="utf-8"?>
-<a:theme xmlns:a="http://schemas.openxmlformats.org/drawingml/2006/main" xmlns:r="http://schemas.openxmlformats.org/officeDocument/2006/relationships" name="Simple Light">
-  <a:themeElements>
-    <a:clrScheme name="Simple Light">
-      <a:dk1>
-        <a:srgbClr val="000000"/>
-      </a:dk1>
-      <a:lt1>
-        <a:srgbClr val="FFFFFF"/>
-      </a:lt1>
-      <a:dk2>
-        <a:srgbClr val="595959"/>
-      </a:dk2>
-      <a:lt2>
-        <a:srgbClr val="EEEEEE"/>
-      </a:lt2>
-      <a:accent1>
-        <a:srgbClr val="4285F4"/>
-      </a:accent1>
-      <a:accent2>
-        <a:srgbClr val="212121"/>
-      </a:accent2>
-      <a:accent3>
-        <a:srgbClr val="78909C"/>
-      </a:accent3>
-      <a:accent4>
-        <a:srgbClr val="FFAB40"/>
-      </a:accent4>
-      <a:accent5>
-        <a:srgbClr val="0097A7"/>
-      </a:accent5>
-      <a:accent6>
-        <a:srgbClr val="EEFF41"/>
-      </a:accent6>
-      <a:hlink>
-        <a:srgbClr val="0097A7"/>
-      </a:hlink>
-      <a:folHlink>
-        <a:srgbClr val="0097A7"/>
-      </a:folHlink>
-    </a:clrScheme>
-    <a:fontScheme name="Office">
-      <a:majorFont>
-        <a:latin typeface="Arial"/>
-        <a:ea typeface=""/>
-        <a:cs typeface=""/>
-        <a:font script="Jpan" typeface="ＭＳ Ｐゴシック"/>
-        <a:font script="Hang" typeface="맑은 고딕"/>
-        <a:font script="Hans" typeface="宋体"/>
-        <a:font script="Hant" typeface="新細明體"/>
-        <a:font script="Arab" typeface="Times New Roman"/>
-        <a:font script="Hebr" typeface="Times New Roman"/>
-        <a:font script="Thai" typeface="Angsana New"/>
-        <a:font script="Ethi" typeface="Nyala"/>
-        <a:font script="Beng" typeface="Vrinda"/>
-        <a:font script="Gujr" typeface="Shruti"/>
-        <a:font script="Khmr" typeface="MoolBoran"/>
-        <a:font script="Knda" typeface="Tunga"/>
-        <a:font script="Guru" typeface="Raavi"/>
-        <a:font script="Cans" typeface="Euphemia"/>
-        <a:font script="Cher" typeface="Plantagenet Cherokee"/>
-        <a:font script="Yiii" typeface="Microsoft Yi Baiti"/>
-        <a:font script="Tibt" typeface="Microsoft Himalaya"/>
-        <a:font script="Thaa" typeface="MV Boli"/>
-        <a:font script="Deva" typeface="Mangal"/>
-        <a:font script="Telu" typeface="Gautami"/>
-        <a:font script="Taml" typeface="Latha"/>
-        <a:font script="Syrc" typeface="Estrangelo Edessa"/>
-        <a:font script="Orya" typeface="Kalinga"/>
-        <a:font script="Mlym" typeface="Kartika"/>
-        <a:font script="Laoo" typeface="DokChampa"/>
-        <a:font script="Sinh" typeface="Iskoola Pota"/>
-        <a:font script="Mong" typeface="Mongolian Baiti"/>
-        <a:font script="Viet" typeface="Times New Roman"/>
-        <a:font script="Uigh" typeface="Microsoft Uighur"/>
-        <a:font script="Geor" typeface="Sylfaen"/>
-      </a:majorFont>
-      <a:minorFont>
-        <a:latin typeface="Arial"/>
-        <a:ea typeface=""/>
-        <a:cs typeface=""/>
-        <a:font script="Jpan" typeface="ＭＳ Ｐゴシック"/>
-        <a:font script="Hang" typeface="맑은 고딕"/>
-        <a:font script="Hans" typeface="宋体"/>
-        <a:font script="Hant" typeface="新細明體"/>
-        <a:font script="Arab" typeface="Arial"/>
-        <a:font script="Hebr" typeface="Arial"/>
-        <a:font script="Thai" typeface="Cordia New"/>
-        <a:font script="Ethi" typeface="Nyala"/>
-        <a:font script="Beng" typeface="Vrinda"/>
-        <a:font script="Gujr" typeface="Shruti"/>
-        <a:font script="Khmr" typeface="DaunPenh"/>
-        <a:font script="Knda" typeface="Tunga"/>
-        <a:font script="Guru" typeface="Raavi"/>
-        <a:font script="Cans" typeface="Euphemia"/>
-        <a:font script="Cher" typeface="Plantagenet Cherokee"/>
-        <a:font script="Yiii" typeface="Microsoft Yi Baiti"/>
-        <a:font script="Tibt" typeface="Microsoft Himalaya"/>
-        <a:font script="Thaa" typeface="MV Boli"/>
-        <a:font script="Deva" typeface="Mangal"/>
-        <a:font script="Telu" typeface="Gautami"/>
-        <a:font script="Taml" typeface="Latha"/>
-        <a:font script="Syrc" typeface="Estrangelo Edessa"/>
-        <a:font script="Orya" typeface="Kalinga"/>
-        <a:font script="Mlym" typeface="Kartika"/>
-        <a:font script="Laoo" typeface="DokChampa"/>
-        <a:font script="Sinh" typeface="Iskoola Pota"/>
-        <a:font script="Mong" typeface="Mongolian Baiti"/>
-        <a:font script="Viet" typeface="Arial"/>
-        <a:font script="Uigh" typeface="Microsoft Uighur"/>
-        <a:font script="Geor" typeface="Sylfaen"/>
-      </a:minorFont>
-    </a:fontScheme>
-    <a:fmtScheme name="Office">
-      <a:fillStyleLst>
-        <a:solidFill>
-          <a:schemeClr val="phClr"/>
-        </a:solidFill>
-        <a:gradFill rotWithShape="1">
-          <a:gsLst>
-            <a:gs pos="0">
-              <a:schemeClr val="phClr">
-                <a:tint val="50000"/>
-                <a:satMod val="300000"/>
-              </a:schemeClr>
-            </a:gs>
-            <a:gs pos="35000">
-              <a:schemeClr val="phClr">
-                <a:tint val="37000"/>
-                <a:satMod val="300000"/>
-              </a:schemeClr>
-            </a:gs>
-            <a:gs pos="100000">
-              <a:schemeClr val="phClr">
-                <a:tint val="15000"/>
-                <a:satMod val="350000"/>
-              </a:schemeClr>
-            </a:gs>
-          </a:gsLst>
-          <a:lin ang="16200000" scaled="1"/>
-        </a:gradFill>
-        <a:gradFill rotWithShape="1">
-          <a:gsLst>
-            <a:gs pos="0">
-              <a:schemeClr val="phClr">
-                <a:tint val="100000"/>
-                <a:shade val="100000"/>
-                <a:satMod val="130000"/>
-              </a:schemeClr>
-            </a:gs>
-            <a:gs pos="100000">
-              <a:schemeClr val="phClr">
-                <a:tint val="50000"/>
-                <a:shade val="100000"/>
-                <a:satMod val="350000"/>
-              </a:schemeClr>
-            </a:gs>
-          </a:gsLst>
-          <a:lin ang="16200000" scaled="0"/>
-        </a:gradFill>
-      </a:fillStyleLst>
-      <a:lnStyleLst>
-        <a:ln w="9525" cap="flat" cmpd="sng" algn="ctr">
-          <a:solidFill>
-            <a:schemeClr val="phClr">
-              <a:shade val="95000"/>
-              <a:satMod val="105000"/>
-            </a:schemeClr>
-          </a:solidFill>
-          <a:prstDash val="solid"/>
-        </a:ln>
-        <a:ln w="25400" cap="flat" cmpd="sng" algn="ctr">
-          <a:solidFill>
-            <a:schemeClr val="phClr"/>
-          </a:solidFill>
-          <a:prstDash val="solid"/>
-        </a:ln>
-        <a:ln w="38100" cap="flat" cmpd="sng" algn="ctr">
-          <a:solidFill>
-            <a:schemeClr val="phClr"/>
-          </a:solidFill>
-          <a:prstDash val="solid"/>
-        </a:ln>
-      </a:lnStyleLst>
-      <a:effectStyleLst>
-        <a:effectStyle>
-          <a:effectLst>
-            <a:outerShdw blurRad="40000" dist="20000" dir="5400000" rotWithShape="0">
-              <a:srgbClr val="000000">
-                <a:alpha val="38000"/>
-              </a:srgbClr>
-            </a:outerShdw>
-          </a:effectLst>
-        </a:effectStyle>
-        <a:effectStyle>
-          <a:effectLst>
-            <a:outerShdw blurRad="40000" dist="23000" dir="5400000" rotWithShape="0">
-              <a:srgbClr val="000000">
-                <a:alpha val="35000"/>
-              </a:srgbClr>
-            </a:outerShdw>
-          </a:effectLst>
-        </a:effectStyle>
-        <a:effectStyle>
-          <a:effectLst>
-            <a:outerShdw blurRad="40000" dist="23000" dir="5400000" rotWithShape="0">
-              <a:srgbClr val="000000">
-                <a:alpha val="35000"/>
-              </a:srgbClr>
-            </a:outerShdw>
-          </a:effectLst>
-          <a:scene3d>
-            <a:camera prst="orthographicFront">
-              <a:rot lat="0" lon="0" rev="0"/>
-            </a:camera>
-            <a:lightRig rig="threePt" dir="t">
-              <a:rot lat="0" lon="0" rev="1200000"/>
-            </a:lightRig>
-          </a:scene3d>
-          <a:sp3d>
-            <a:bevelT w="63500" h="25400"/>
-          </a:sp3d>
-        </a:effectStyle>
-      </a:effectStyleLst>
-      <a:bgFillStyleLst>
-        <a:solidFill>
-          <a:schemeClr val="phClr"/>
-        </a:solidFill>
-        <a:gradFill rotWithShape="1">
-          <a:gsLst>
-            <a:gs pos="0">
-              <a:schemeClr val="phClr">
-                <a:tint val="40000"/>
-                <a:satMod val="350000"/>
-              </a:schemeClr>
-            </a:gs>
-            <a:gs pos="40000">
-              <a:schemeClr val="phClr">
-                <a:tint val="45000"/>
-                <a:shade val="99000"/>
-                <a:satMod val="350000"/>
-              </a:schemeClr>
-            </a:gs>
-            <a:gs pos="100000">
-              <a:schemeClr val="phClr">
-                <a:shade val="20000"/>
-                <a:satMod val="255000"/>
-              </a:schemeClr>
-            </a:gs>
-          </a:gsLst>
-          <a:path path="circle">
-            <a:fillToRect l="50000" t="-80000" r="50000" b="180000"/>
-          </a:path>
-        </a:gradFill>
-        <a:gradFill rotWithShape="1">
-          <a:gsLst>
-            <a:gs pos="0">
-              <a:schemeClr val="phClr">
-                <a:tint val="80000"/>
-                <a:satMod val="300000"/>
-              </a:schemeClr>
-            </a:gs>
-            <a:gs pos="100000">
-              <a:schemeClr val="phClr">
-                <a:shade val="30000"/>
-                <a:satMod val="200000"/>
-              </a:schemeClr>
-            </a:gs>
-          </a:gsLst>
-          <a:path path="circle">
-            <a:fillToRect l="50000" t="50000" r="50000" b="50000"/>
-          </a:path>
-        </a:gradFill>
-      </a:bgFillStyleLst>
-    </a:fmtScheme>
-  </a:themeElements>
+  <a:objectDefaults/>
+  <a:extraClrSchemeLst/>
 </a:theme>
 </file>